--- a/stuff.pptx
+++ b/stuff.pptx
@@ -6,9 +6,16 @@
   </p:sldMasterIdLst>
   <p:sldIdLst>
     <p:sldId id="282" r:id="rId5"/>
-    <p:sldId id="284" r:id="rId6"/>
-    <p:sldId id="286" r:id="rId7"/>
-    <p:sldId id="285" r:id="rId8"/>
+    <p:sldId id="286" r:id="rId6"/>
+    <p:sldId id="292" r:id="rId7"/>
+    <p:sldId id="284" r:id="rId8"/>
+    <p:sldId id="287" r:id="rId9"/>
+    <p:sldId id="288" r:id="rId10"/>
+    <p:sldId id="285" r:id="rId11"/>
+    <p:sldId id="289" r:id="rId12"/>
+    <p:sldId id="291" r:id="rId13"/>
+    <p:sldId id="290" r:id="rId14"/>
+    <p:sldId id="293" r:id="rId15"/>
   </p:sldIdLst>
   <p:sldSz cx="12192000" cy="6858000"/>
   <p:notesSz cx="6858000" cy="9144000"/>
@@ -361,7 +368,7 @@
           <a:p>
             <a:fld id="{ED291B17-9318-49DB-B28B-6E5994AE9581}" type="datetime1">
               <a:rPr lang="en-US" smtClean="0"/>
-              <a:t>3/11/2021</a:t>
+              <a:t>3/15/2021</a:t>
             </a:fld>
             <a:endParaRPr lang="en-US" dirty="0"/>
           </a:p>
@@ -564,7 +571,7 @@
           <a:p>
             <a:fld id="{2CED4963-E985-44C4-B8C4-FDD613B7C2F8}" type="datetime1">
               <a:rPr lang="en-US" smtClean="0"/>
-              <a:t>3/11/2021</a:t>
+              <a:t>3/15/2021</a:t>
             </a:fld>
             <a:endParaRPr lang="en-US" dirty="0"/>
           </a:p>
@@ -926,7 +933,7 @@
           <a:p>
             <a:fld id="{ED291B17-9318-49DB-B28B-6E5994AE9581}" type="datetime1">
               <a:rPr lang="en-US" smtClean="0"/>
-              <a:t>3/11/2021</a:t>
+              <a:t>3/15/2021</a:t>
             </a:fld>
             <a:endParaRPr lang="en-US" dirty="0"/>
           </a:p>
@@ -1123,7 +1130,7 @@
           <a:p>
             <a:fld id="{78DD82B9-B8EE-4375-B6FF-88FA6ABB15D9}" type="datetime1">
               <a:rPr lang="en-US" smtClean="0"/>
-              <a:t>3/11/2021</a:t>
+              <a:t>3/15/2021</a:t>
             </a:fld>
             <a:endParaRPr lang="en-US" dirty="0"/>
           </a:p>
@@ -1435,7 +1442,7 @@
           <a:p>
             <a:fld id="{B2497495-0637-405E-AE64-5CC7506D51F5}" type="datetime1">
               <a:rPr lang="en-US" smtClean="0"/>
-              <a:t>3/11/2021</a:t>
+              <a:t>3/15/2021</a:t>
             </a:fld>
             <a:endParaRPr lang="en-US" dirty="0"/>
           </a:p>
@@ -1688,7 +1695,7 @@
           <a:p>
             <a:fld id="{7BFFD690-9426-415D-8B65-26881E07B2D4}" type="datetime1">
               <a:rPr lang="en-US" smtClean="0"/>
-              <a:t>3/11/2021</a:t>
+              <a:t>3/15/2021</a:t>
             </a:fld>
             <a:endParaRPr lang="en-US" dirty="0"/>
           </a:p>
@@ -2110,7 +2117,7 @@
           <a:p>
             <a:fld id="{04C4989A-474C-40DE-95B9-011C28B71673}" type="datetime1">
               <a:rPr lang="en-US" smtClean="0"/>
-              <a:t>3/11/2021</a:t>
+              <a:t>3/15/2021</a:t>
             </a:fld>
             <a:endParaRPr lang="en-US" dirty="0"/>
           </a:p>
@@ -2233,7 +2240,7 @@
           <a:p>
             <a:fld id="{5DB4ED54-5B5E-4A04-93D3-5772E3CE3818}" type="datetime1">
               <a:rPr lang="en-US" smtClean="0"/>
-              <a:t>3/11/2021</a:t>
+              <a:t>3/15/2021</a:t>
             </a:fld>
             <a:endParaRPr lang="en-US" dirty="0"/>
           </a:p>
@@ -2328,7 +2335,7 @@
           <a:p>
             <a:fld id="{4EDE50D6-574B-40AF-946F-D52A04ADE379}" type="datetime1">
               <a:rPr lang="en-US" smtClean="0"/>
-              <a:t>3/11/2021</a:t>
+              <a:t>3/15/2021</a:t>
             </a:fld>
             <a:endParaRPr lang="en-US" dirty="0"/>
           </a:p>
@@ -2705,7 +2712,7 @@
           <a:p>
             <a:fld id="{D82884F1-FFEA-405F-9602-3DCA865EDA4E}" type="datetime1">
               <a:rPr lang="en-US" smtClean="0"/>
-              <a:t>3/11/2021</a:t>
+              <a:t>3/15/2021</a:t>
             </a:fld>
             <a:endParaRPr lang="en-US" dirty="0"/>
           </a:p>
@@ -2998,7 +3005,7 @@
           <a:p>
             <a:fld id="{7E18DB4A-8810-4A10-AD5C-D5E2C667F5B3}" type="datetime1">
               <a:rPr lang="en-US" smtClean="0"/>
-              <a:t>3/11/2021</a:t>
+              <a:t>3/15/2021</a:t>
             </a:fld>
             <a:endParaRPr lang="en-US" dirty="0"/>
           </a:p>
@@ -3213,7 +3220,7 @@
           <a:p>
             <a:fld id="{ED291B17-9318-49DB-B28B-6E5994AE9581}" type="datetime1">
               <a:rPr lang="en-US" smtClean="0"/>
-              <a:t>3/11/2021</a:t>
+              <a:t>3/15/2021</a:t>
             </a:fld>
             <a:endParaRPr lang="en-US" dirty="0"/>
           </a:p>
@@ -4036,7 +4043,7 @@
                   <a:schemeClr val="tx1"/>
                 </a:solidFill>
               </a:rPr>
-              <a:t>Title Lorem Ipsum</a:t>
+              <a:t>Generic ED Data analysis</a:t>
             </a:r>
           </a:p>
         </p:txBody>
@@ -4075,7 +4082,7 @@
                   <a:srgbClr val="FFFF00"/>
                 </a:solidFill>
               </a:rPr>
-              <a:t>Dolor Sit Amet</a:t>
+              <a:t>EY Data challenge</a:t>
             </a:r>
           </a:p>
         </p:txBody>
@@ -4175,6 +4182,53 @@
           </a:fontRef>
         </p:style>
       </p:cxnSp>
+      <p:pic>
+        <p:nvPicPr>
+          <p:cNvPr id="1026" name="Picture 2" descr="Emergency Medicine | JAMA Network">
+            <a:extLst>
+              <a:ext uri="{FF2B5EF4-FFF2-40B4-BE49-F238E27FC236}">
+                <a16:creationId xmlns:a16="http://schemas.microsoft.com/office/drawing/2014/main" id="{54E0AF2C-BD4C-4A70-858B-1DC404333D21}"/>
+              </a:ext>
+            </a:extLst>
+          </p:cNvPr>
+          <p:cNvPicPr>
+            <a:picLocks noChangeAspect="1" noChangeArrowheads="1"/>
+          </p:cNvPicPr>
+          <p:nvPr/>
+        </p:nvPicPr>
+        <p:blipFill>
+          <a:blip r:embed="rId3">
+            <a:extLst>
+              <a:ext uri="{28A0092B-C50C-407E-A947-70E740481C1C}">
+                <a14:useLocalDpi xmlns:a14="http://schemas.microsoft.com/office/drawing/2010/main" val="0"/>
+              </a:ext>
+            </a:extLst>
+          </a:blip>
+          <a:srcRect/>
+          <a:stretch>
+            <a:fillRect/>
+          </a:stretch>
+        </p:blipFill>
+        <p:spPr bwMode="auto">
+          <a:xfrm>
+            <a:off x="393953" y="1265182"/>
+            <a:ext cx="7143750" cy="4048125"/>
+          </a:xfrm>
+          <a:prstGeom prst="rect">
+            <a:avLst/>
+          </a:prstGeom>
+          <a:noFill/>
+          <a:extLst>
+            <a:ext uri="{909E8E84-426E-40DD-AFC4-6F175D3DCCD1}">
+              <a14:hiddenFill xmlns:a14="http://schemas.microsoft.com/office/drawing/2010/main">
+                <a:solidFill>
+                  <a:srgbClr val="FFFFFF"/>
+                </a:solidFill>
+              </a14:hiddenFill>
+            </a:ext>
+          </a:extLst>
+        </p:spPr>
+      </p:pic>
     </p:spTree>
     <p:extLst>
       <p:ext uri="{BB962C8B-B14F-4D97-AF65-F5344CB8AC3E}">
@@ -4188,9 +4242,20 @@
 </p:sld>
 </file>
 
-<file path=ppt/slides/slide2.xml><?xml version="1.0" encoding="utf-8"?>
+<file path=ppt/slides/slide10.xml><?xml version="1.0" encoding="utf-8"?>
 <p:sld xmlns:a="http://schemas.openxmlformats.org/drawingml/2006/main" xmlns:r="http://schemas.openxmlformats.org/officeDocument/2006/relationships" xmlns:p="http://schemas.openxmlformats.org/presentationml/2006/main">
   <p:cSld>
+    <p:bg>
+      <p:bgPr>
+        <a:solidFill>
+          <a:schemeClr val="tx1">
+            <a:lumMod val="75000"/>
+            <a:lumOff val="25000"/>
+          </a:schemeClr>
+        </a:solidFill>
+        <a:effectLst/>
+      </p:bgPr>
+    </p:bg>
     <p:spTree>
       <p:nvGrpSpPr>
         <p:cNvPr id="1" name=""/>
@@ -4221,14 +4286,23 @@
             <p:ph type="title"/>
           </p:nvPr>
         </p:nvSpPr>
-        <p:spPr/>
+        <p:spPr>
+          <a:xfrm>
+            <a:off x="581192" y="1129995"/>
+            <a:ext cx="11029616" cy="1188720"/>
+          </a:xfrm>
+        </p:spPr>
         <p:txBody>
           <a:bodyPr/>
           <a:lstStyle/>
           <a:p>
             <a:r>
-              <a:rPr lang="en-AU" dirty="0"/>
-              <a:t>Data preparation and exploration</a:t>
+              <a:rPr lang="en-AU" dirty="0">
+                <a:solidFill>
+                  <a:schemeClr val="bg1"/>
+                </a:solidFill>
+              </a:rPr>
+              <a:t>Finding 3: NUMBER OF PATIENTS IN ED does not SUFFICIENTLY explain wait time</a:t>
             </a:r>
           </a:p>
         </p:txBody>
@@ -4255,40 +4329,93 @@
           <a:lstStyle/>
           <a:p>
             <a:r>
-              <a:rPr lang="en-AU" dirty="0"/>
-              <a:t>Identified data quality issues in calculated columns – recalculated using raw data</a:t>
+              <a:rPr lang="en-AU" dirty="0">
+                <a:solidFill>
+                  <a:schemeClr val="bg1"/>
+                </a:solidFill>
+              </a:rPr>
+              <a:t>The national median wait time to receive medical attention in ED is 23 minutes</a:t>
             </a:r>
           </a:p>
           <a:p>
             <a:pPr lvl="1"/>
             <a:r>
-              <a:rPr lang="en-AU" dirty="0"/>
-              <a:t>6727 incorrectly calculated rows</a:t>
+              <a:rPr lang="en-AU" dirty="0">
+                <a:solidFill>
+                  <a:schemeClr val="bg1"/>
+                </a:solidFill>
+              </a:rPr>
+              <a:t>The dataset’s median wait time to receive medical attention in ED is 42 minutes</a:t>
+            </a:r>
+          </a:p>
+          <a:p>
+            <a:r>
+              <a:rPr lang="en-AU" dirty="0">
+                <a:solidFill>
+                  <a:schemeClr val="bg1"/>
+                </a:solidFill>
+              </a:rPr>
+              <a:t>There is a positive and significant correlation between number of patients presenting in ED and wait time</a:t>
             </a:r>
           </a:p>
           <a:p>
             <a:pPr lvl="1"/>
             <a:r>
-              <a:rPr lang="en-AU" dirty="0" err="1"/>
-              <a:t>TimeDiff</a:t>
-            </a:r>
-            <a:r>
-              <a:rPr lang="en-AU" dirty="0"/>
-              <a:t> </a:t>
-            </a:r>
-            <a:r>
-              <a:rPr lang="en-AU" dirty="0" err="1"/>
-              <a:t>TreatDrNr</a:t>
-            </a:r>
-            <a:r>
-              <a:rPr lang="en-AU" dirty="0"/>
-              <a:t>-Act. Depart (mins)</a:t>
-            </a:r>
-          </a:p>
-          <a:p>
-            <a:r>
-              <a:rPr lang="en-AU" dirty="0"/>
-              <a:t>Cleansing of free text values in Diagnosis Desc. for standardisation (In progress)</a:t>
+              <a:rPr lang="en-AU" dirty="0">
+                <a:solidFill>
+                  <a:schemeClr val="bg1"/>
+                </a:solidFill>
+              </a:rPr>
+              <a:t>For each additional patient in ED, the wait time increases by 4 minutes</a:t>
+            </a:r>
+          </a:p>
+          <a:p>
+            <a:pPr lvl="1"/>
+            <a:r>
+              <a:rPr lang="en-AU" dirty="0">
+                <a:solidFill>
+                  <a:schemeClr val="bg1"/>
+                </a:solidFill>
+              </a:rPr>
+              <a:t>However, this factor can only explain 6% of the variance in wait time</a:t>
+            </a:r>
+          </a:p>
+        </p:txBody>
+      </p:sp>
+      <p:sp>
+        <p:nvSpPr>
+          <p:cNvPr id="4" name="Rectangle 3">
+            <a:extLst>
+              <a:ext uri="{FF2B5EF4-FFF2-40B4-BE49-F238E27FC236}">
+                <a16:creationId xmlns:a16="http://schemas.microsoft.com/office/drawing/2014/main" id="{9B9D0024-D443-4CFE-BE82-EDDA528E2B90}"/>
+              </a:ext>
+            </a:extLst>
+          </p:cNvPr>
+          <p:cNvSpPr/>
+          <p:nvPr/>
+        </p:nvSpPr>
+        <p:spPr>
+          <a:xfrm>
+            <a:off x="5971607" y="3244334"/>
+            <a:ext cx="248786" cy="369332"/>
+          </a:xfrm>
+          <a:prstGeom prst="rect">
+            <a:avLst/>
+          </a:prstGeom>
+        </p:spPr>
+        <p:txBody>
+          <a:bodyPr wrap="none">
+            <a:spAutoFit/>
+          </a:bodyPr>
+          <a:lstStyle/>
+          <a:p>
+            <a:r>
+              <a:rPr lang="en-AU" dirty="0">
+                <a:solidFill>
+                  <a:schemeClr val="bg1"/>
+                </a:solidFill>
+              </a:rPr>
+              <a:t>￼</a:t>
             </a:r>
           </a:p>
         </p:txBody>
@@ -4296,7 +4423,7 @@
     </p:spTree>
     <p:extLst>
       <p:ext uri="{BB962C8B-B14F-4D97-AF65-F5344CB8AC3E}">
-        <p14:creationId xmlns:p14="http://schemas.microsoft.com/office/powerpoint/2010/main" val="786558222"/>
+        <p14:creationId xmlns:p14="http://schemas.microsoft.com/office/powerpoint/2010/main" val="3314257947"/>
       </p:ext>
     </p:extLst>
   </p:cSld>
@@ -4306,9 +4433,20 @@
 </p:sld>
 </file>
 
-<file path=ppt/slides/slide3.xml><?xml version="1.0" encoding="utf-8"?>
+<file path=ppt/slides/slide11.xml><?xml version="1.0" encoding="utf-8"?>
 <p:sld xmlns:a="http://schemas.openxmlformats.org/drawingml/2006/main" xmlns:r="http://schemas.openxmlformats.org/officeDocument/2006/relationships" xmlns:p="http://schemas.openxmlformats.org/presentationml/2006/main">
   <p:cSld>
+    <p:bg>
+      <p:bgPr>
+        <a:solidFill>
+          <a:schemeClr val="tx1">
+            <a:lumMod val="75000"/>
+            <a:lumOff val="25000"/>
+          </a:schemeClr>
+        </a:solidFill>
+        <a:effectLst/>
+      </p:bgPr>
+    </p:bg>
     <p:spTree>
       <p:nvGrpSpPr>
         <p:cNvPr id="1" name=""/>
@@ -4345,8 +4483,12 @@
           <a:lstStyle/>
           <a:p>
             <a:r>
-              <a:rPr lang="en-AU" dirty="0"/>
-              <a:t>Assumptions and research</a:t>
+              <a:rPr lang="en-AU" dirty="0">
+                <a:solidFill>
+                  <a:schemeClr val="bg1"/>
+                </a:solidFill>
+              </a:rPr>
+              <a:t>Conclusion and next steps</a:t>
             </a:r>
           </a:p>
         </p:txBody>
@@ -4373,26 +4515,64 @@
           <a:lstStyle/>
           <a:p>
             <a:r>
-              <a:rPr lang="en-AU" dirty="0"/>
-              <a:t>Triage process follows the Australian standards, whereby a 1 indicates highest severity and a 5 indicates lowest severity</a:t>
-            </a:r>
-          </a:p>
-          <a:p>
-            <a:r>
-              <a:rPr lang="en-AU" dirty="0"/>
-              <a:t>All data is exported directly from ED’s database. None are calculated outside of database</a:t>
-            </a:r>
-          </a:p>
-          <a:p>
-            <a:r>
-              <a:rPr lang="en-AU" dirty="0"/>
-              <a:t>The time of being seen to by a doctor reflects the first instance of being seen to </a:t>
-            </a:r>
-          </a:p>
-          <a:p>
-            <a:r>
-              <a:rPr lang="en-AU" dirty="0"/>
-              <a:t>EXAMPLE NEEDS VERIFICATION On average, emergency department visits cost 3x that of a general admission</a:t>
+              <a:rPr lang="en-AU" dirty="0">
+                <a:solidFill>
+                  <a:schemeClr val="bg1"/>
+                </a:solidFill>
+              </a:rPr>
+              <a:t>In summary, adherence to patient priority ranking plays a significant role in explaining wait time relative to triage priority</a:t>
+            </a:r>
+          </a:p>
+          <a:p>
+            <a:pPr lvl="1"/>
+            <a:r>
+              <a:rPr lang="en-AU" dirty="0">
+                <a:solidFill>
+                  <a:schemeClr val="bg1"/>
+                </a:solidFill>
+              </a:rPr>
+              <a:t>A recommendation for an automated patient priority ranking system can be made along with proper training to ensure all healthcare staffs adhere strictly to the ranking system</a:t>
+            </a:r>
+          </a:p>
+          <a:p>
+            <a:r>
+              <a:rPr lang="en-AU" dirty="0">
+                <a:solidFill>
+                  <a:schemeClr val="bg1"/>
+                </a:solidFill>
+              </a:rPr>
+              <a:t>Seasonal differs in wait time relative to triage priority should be investigated further</a:t>
+            </a:r>
+          </a:p>
+          <a:p>
+            <a:r>
+              <a:rPr lang="en-AU" dirty="0">
+                <a:solidFill>
+                  <a:schemeClr val="bg1"/>
+                </a:solidFill>
+              </a:rPr>
+              <a:t>While number of patients in ED is positively correlated with wait time, it has insufficient explaining power</a:t>
+            </a:r>
+          </a:p>
+          <a:p>
+            <a:r>
+              <a:rPr lang="en-AU" dirty="0">
+                <a:solidFill>
+                  <a:schemeClr val="bg1"/>
+                </a:solidFill>
+              </a:rPr>
+              <a:t>Next steps: Analysis of a patient’s treatment time (time taken between first instance of doctor seen and departure from ED) to provide insights on potential bottlenecks and improvement opportunities</a:t>
+            </a:r>
+          </a:p>
+          <a:p>
+            <a:pPr lvl="1"/>
+            <a:r>
+              <a:rPr lang="en-AU" dirty="0">
+                <a:solidFill>
+                  <a:schemeClr val="bg1"/>
+                </a:solidFill>
+              </a:rPr>
+              <a:t>It is reasonable to assume that longer treatment time would be correlated with wait time for other patients</a:t>
             </a:r>
           </a:p>
         </p:txBody>
@@ -4425,7 +4605,11 @@
           <a:lstStyle/>
           <a:p>
             <a:r>
-              <a:rPr lang="en-AU" dirty="0"/>
+              <a:rPr lang="en-AU" dirty="0">
+                <a:solidFill>
+                  <a:schemeClr val="bg1"/>
+                </a:solidFill>
+              </a:rPr>
               <a:t>￼</a:t>
             </a:r>
           </a:p>
@@ -4434,7 +4618,7 @@
     </p:spTree>
     <p:extLst>
       <p:ext uri="{BB962C8B-B14F-4D97-AF65-F5344CB8AC3E}">
-        <p14:creationId xmlns:p14="http://schemas.microsoft.com/office/powerpoint/2010/main" val="3253327375"/>
+        <p14:creationId xmlns:p14="http://schemas.microsoft.com/office/powerpoint/2010/main" val="267455166"/>
       </p:ext>
     </p:extLst>
   </p:cSld>
@@ -4444,9 +4628,20 @@
 </p:sld>
 </file>
 
-<file path=ppt/slides/slide4.xml><?xml version="1.0" encoding="utf-8"?>
+<file path=ppt/slides/slide2.xml><?xml version="1.0" encoding="utf-8"?>
 <p:sld xmlns:a="http://schemas.openxmlformats.org/drawingml/2006/main" xmlns:r="http://schemas.openxmlformats.org/officeDocument/2006/relationships" xmlns:p="http://schemas.openxmlformats.org/presentationml/2006/main">
   <p:cSld>
+    <p:bg>
+      <p:bgPr>
+        <a:solidFill>
+          <a:schemeClr val="tx1">
+            <a:lumMod val="75000"/>
+            <a:lumOff val="25000"/>
+          </a:schemeClr>
+        </a:solidFill>
+        <a:effectLst/>
+      </p:bgPr>
+    </p:bg>
     <p:spTree>
       <p:nvGrpSpPr>
         <p:cNvPr id="1" name=""/>
@@ -4483,8 +4678,12 @@
           <a:lstStyle/>
           <a:p>
             <a:r>
-              <a:rPr lang="en-AU" dirty="0"/>
-              <a:t>Next steps</a:t>
+              <a:rPr lang="en-AU" dirty="0">
+                <a:solidFill>
+                  <a:schemeClr val="bg1"/>
+                </a:solidFill>
+              </a:rPr>
+              <a:t>Background and research</a:t>
             </a:r>
           </a:p>
         </p:txBody>
@@ -4511,28 +4710,1144 @@
           <a:lstStyle/>
           <a:p>
             <a:r>
+              <a:rPr lang="en-AU" dirty="0">
+                <a:solidFill>
+                  <a:schemeClr val="bg1"/>
+                </a:solidFill>
+              </a:rPr>
+              <a:t>Emergency Departments are often overcrowded, which impacts medical service delivery and patient experience</a:t>
+            </a:r>
+          </a:p>
+          <a:p>
+            <a:r>
+              <a:rPr lang="en-AU" dirty="0">
+                <a:solidFill>
+                  <a:schemeClr val="bg1"/>
+                </a:solidFill>
+              </a:rPr>
+              <a:t>Australian triage process follows ATS standards, whereby a 1 indicates highest severity and a 5 indicates lowest severity</a:t>
+            </a:r>
+          </a:p>
+          <a:p>
+            <a:pPr lvl="1"/>
+            <a:r>
+              <a:rPr lang="en-AU" dirty="0">
+                <a:solidFill>
+                  <a:schemeClr val="bg1"/>
+                </a:solidFill>
+              </a:rPr>
+              <a:t>The triage priority rating also provides a guideline as to the timeframe within which a patient should receive medical attention after arrival to ED</a:t>
+            </a:r>
+          </a:p>
+          <a:p>
+            <a:r>
+              <a:rPr lang="en-US" dirty="0">
+                <a:solidFill>
+                  <a:schemeClr val="bg1"/>
+                </a:solidFill>
+              </a:rPr>
+              <a:t>Within Australia, 70% of patients receive treatment within an appropriate time relative to their triage category</a:t>
+            </a:r>
+          </a:p>
+        </p:txBody>
+      </p:sp>
+      <p:sp>
+        <p:nvSpPr>
+          <p:cNvPr id="4" name="Rectangle 3">
+            <a:extLst>
+              <a:ext uri="{FF2B5EF4-FFF2-40B4-BE49-F238E27FC236}">
+                <a16:creationId xmlns:a16="http://schemas.microsoft.com/office/drawing/2014/main" id="{9B9D0024-D443-4CFE-BE82-EDDA528E2B90}"/>
+              </a:ext>
+            </a:extLst>
+          </p:cNvPr>
+          <p:cNvSpPr/>
+          <p:nvPr/>
+        </p:nvSpPr>
+        <p:spPr>
+          <a:xfrm>
+            <a:off x="5971607" y="3244334"/>
+            <a:ext cx="248786" cy="369332"/>
+          </a:xfrm>
+          <a:prstGeom prst="rect">
+            <a:avLst/>
+          </a:prstGeom>
+        </p:spPr>
+        <p:txBody>
+          <a:bodyPr wrap="none">
+            <a:spAutoFit/>
+          </a:bodyPr>
+          <a:lstStyle/>
+          <a:p>
+            <a:r>
               <a:rPr lang="en-AU" dirty="0"/>
-              <a:t>Workload allocation</a:t>
-            </a:r>
-          </a:p>
+              <a:t>￼</a:t>
+            </a:r>
+          </a:p>
+        </p:txBody>
+      </p:sp>
+      <p:sp>
+        <p:nvSpPr>
+          <p:cNvPr id="5" name="TextBox 4">
+            <a:extLst>
+              <a:ext uri="{FF2B5EF4-FFF2-40B4-BE49-F238E27FC236}">
+                <a16:creationId xmlns:a16="http://schemas.microsoft.com/office/drawing/2014/main" id="{23B3E1E0-5E7F-4AC8-88AC-C3F4A29F18EF}"/>
+              </a:ext>
+            </a:extLst>
+          </p:cNvPr>
+          <p:cNvSpPr txBox="1"/>
+          <p:nvPr/>
+        </p:nvSpPr>
+        <p:spPr>
+          <a:xfrm>
+            <a:off x="623012" y="6333072"/>
+            <a:ext cx="8835111" cy="523220"/>
+          </a:xfrm>
+          <a:prstGeom prst="rect">
+            <a:avLst/>
+          </a:prstGeom>
+          <a:noFill/>
+        </p:spPr>
+        <p:txBody>
+          <a:bodyPr wrap="none" rtlCol="0">
+            <a:spAutoFit/>
+          </a:bodyPr>
+          <a:lstStyle/>
+          <a:p>
+            <a:r>
+              <a:rPr lang="en-US" sz="1400" dirty="0">
+                <a:solidFill>
+                  <a:schemeClr val="bg1"/>
+                </a:solidFill>
+                <a:hlinkClick r:id="rId2"/>
+              </a:rPr>
+              <a:t>AIHW, </a:t>
+            </a:r>
+            <a:r>
+              <a:rPr lang="en-US" sz="1400" i="1" dirty="0">
+                <a:solidFill>
+                  <a:schemeClr val="bg1"/>
+                </a:solidFill>
+                <a:hlinkClick r:id="rId2"/>
+              </a:rPr>
+              <a:t>Australian hospital statistics 2010-2011: emergency department care and elective surgery waiting times</a:t>
+            </a:r>
+            <a:endParaRPr lang="en-AU" sz="1400" dirty="0">
+              <a:solidFill>
+                <a:schemeClr val="bg1"/>
+              </a:solidFill>
+            </a:endParaRPr>
+          </a:p>
+          <a:p>
+            <a:endParaRPr lang="en-AU" sz="1400" dirty="0"/>
+          </a:p>
+        </p:txBody>
+      </p:sp>
+    </p:spTree>
+    <p:extLst>
+      <p:ext uri="{BB962C8B-B14F-4D97-AF65-F5344CB8AC3E}">
+        <p14:creationId xmlns:p14="http://schemas.microsoft.com/office/powerpoint/2010/main" val="3253327375"/>
+      </p:ext>
+    </p:extLst>
+  </p:cSld>
+  <p:clrMapOvr>
+    <a:masterClrMapping/>
+  </p:clrMapOvr>
+</p:sld>
+</file>
+
+<file path=ppt/slides/slide3.xml><?xml version="1.0" encoding="utf-8"?>
+<p:sld xmlns:a="http://schemas.openxmlformats.org/drawingml/2006/main" xmlns:r="http://schemas.openxmlformats.org/officeDocument/2006/relationships" xmlns:p="http://schemas.openxmlformats.org/presentationml/2006/main">
+  <p:cSld>
+    <p:bg>
+      <p:bgPr>
+        <a:solidFill>
+          <a:schemeClr val="tx1">
+            <a:lumMod val="75000"/>
+            <a:lumOff val="25000"/>
+          </a:schemeClr>
+        </a:solidFill>
+        <a:effectLst/>
+      </p:bgPr>
+    </p:bg>
+    <p:spTree>
+      <p:nvGrpSpPr>
+        <p:cNvPr id="1" name=""/>
+        <p:cNvGrpSpPr/>
+        <p:nvPr/>
+      </p:nvGrpSpPr>
+      <p:grpSpPr>
+        <a:xfrm>
+          <a:off x="0" y="0"/>
+          <a:ext cx="0" cy="0"/>
+          <a:chOff x="0" y="0"/>
+          <a:chExt cx="0" cy="0"/>
+        </a:xfrm>
+      </p:grpSpPr>
+      <p:sp>
+        <p:nvSpPr>
+          <p:cNvPr id="2" name="Title 1">
+            <a:extLst>
+              <a:ext uri="{FF2B5EF4-FFF2-40B4-BE49-F238E27FC236}">
+                <a16:creationId xmlns:a16="http://schemas.microsoft.com/office/drawing/2014/main" id="{4A6B0519-8BC8-44C7-95E1-2ABF69E80E9F}"/>
+              </a:ext>
+            </a:extLst>
+          </p:cNvPr>
+          <p:cNvSpPr>
+            <a:spLocks noGrp="1"/>
+          </p:cNvSpPr>
+          <p:nvPr>
+            <p:ph type="title"/>
+          </p:nvPr>
+        </p:nvSpPr>
+        <p:spPr/>
+        <p:txBody>
+          <a:bodyPr/>
+          <a:lstStyle/>
+          <a:p>
+            <a:r>
+              <a:rPr lang="en-AU" dirty="0">
+                <a:solidFill>
+                  <a:schemeClr val="bg1"/>
+                </a:solidFill>
+              </a:rPr>
+              <a:t>Dataset Assumptions</a:t>
+            </a:r>
+          </a:p>
+        </p:txBody>
+      </p:sp>
+      <p:sp>
+        <p:nvSpPr>
+          <p:cNvPr id="3" name="Content Placeholder 2">
+            <a:extLst>
+              <a:ext uri="{FF2B5EF4-FFF2-40B4-BE49-F238E27FC236}">
+                <a16:creationId xmlns:a16="http://schemas.microsoft.com/office/drawing/2014/main" id="{4C758191-7618-490A-8FB2-431857641274}"/>
+              </a:ext>
+            </a:extLst>
+          </p:cNvPr>
+          <p:cNvSpPr>
+            <a:spLocks noGrp="1"/>
+          </p:cNvSpPr>
+          <p:nvPr>
+            <p:ph idx="1"/>
+          </p:nvPr>
+        </p:nvSpPr>
+        <p:spPr/>
+        <p:txBody>
+          <a:bodyPr/>
+          <a:lstStyle/>
+          <a:p>
+            <a:r>
+              <a:rPr lang="en-AU" dirty="0">
+                <a:solidFill>
+                  <a:schemeClr val="bg1"/>
+                </a:solidFill>
+              </a:rPr>
+              <a:t>Triage process follows the Australian standards, whereby a 1 indicates highest severity and a 5 indicates lowest severity</a:t>
+            </a:r>
+          </a:p>
+          <a:p>
+            <a:r>
+              <a:rPr lang="en-AU" dirty="0">
+                <a:solidFill>
+                  <a:schemeClr val="bg1"/>
+                </a:solidFill>
+              </a:rPr>
+              <a:t>All data is exported directly from ED’s database. None are calculated outside of database</a:t>
+            </a:r>
+          </a:p>
+          <a:p>
+            <a:r>
+              <a:rPr lang="en-AU" dirty="0">
+                <a:solidFill>
+                  <a:schemeClr val="bg1"/>
+                </a:solidFill>
+              </a:rPr>
+              <a:t>The time of being seen to by a doctor reflects the first instance a patient is seen to upon admission into ED</a:t>
+            </a:r>
+          </a:p>
+        </p:txBody>
+      </p:sp>
+      <p:sp>
+        <p:nvSpPr>
+          <p:cNvPr id="4" name="Rectangle 3">
+            <a:extLst>
+              <a:ext uri="{FF2B5EF4-FFF2-40B4-BE49-F238E27FC236}">
+                <a16:creationId xmlns:a16="http://schemas.microsoft.com/office/drawing/2014/main" id="{9B9D0024-D443-4CFE-BE82-EDDA528E2B90}"/>
+              </a:ext>
+            </a:extLst>
+          </p:cNvPr>
+          <p:cNvSpPr/>
+          <p:nvPr/>
+        </p:nvSpPr>
+        <p:spPr>
+          <a:xfrm>
+            <a:off x="5971607" y="3244334"/>
+            <a:ext cx="248786" cy="369332"/>
+          </a:xfrm>
+          <a:prstGeom prst="rect">
+            <a:avLst/>
+          </a:prstGeom>
+        </p:spPr>
+        <p:txBody>
+          <a:bodyPr wrap="none">
+            <a:spAutoFit/>
+          </a:bodyPr>
+          <a:lstStyle/>
           <a:p>
             <a:r>
               <a:rPr lang="en-AU" dirty="0"/>
-              <a:t>Proper education upon / </a:t>
-            </a:r>
-            <a:r>
-              <a:rPr lang="en-AU"/>
-              <a:t>before department to </a:t>
-            </a:r>
+              <a:t>￼</a:t>
+            </a:r>
+          </a:p>
+        </p:txBody>
+      </p:sp>
+    </p:spTree>
+    <p:extLst>
+      <p:ext uri="{BB962C8B-B14F-4D97-AF65-F5344CB8AC3E}">
+        <p14:creationId xmlns:p14="http://schemas.microsoft.com/office/powerpoint/2010/main" val="2089247692"/>
+      </p:ext>
+    </p:extLst>
+  </p:cSld>
+  <p:clrMapOvr>
+    <a:masterClrMapping/>
+  </p:clrMapOvr>
+</p:sld>
+</file>
+
+<file path=ppt/slides/slide4.xml><?xml version="1.0" encoding="utf-8"?>
+<p:sld xmlns:a="http://schemas.openxmlformats.org/drawingml/2006/main" xmlns:r="http://schemas.openxmlformats.org/officeDocument/2006/relationships" xmlns:p="http://schemas.openxmlformats.org/presentationml/2006/main">
+  <p:cSld>
+    <p:bg>
+      <p:bgPr>
+        <a:solidFill>
+          <a:schemeClr val="tx1">
+            <a:lumMod val="75000"/>
+            <a:lumOff val="25000"/>
+          </a:schemeClr>
+        </a:solidFill>
+        <a:effectLst/>
+      </p:bgPr>
+    </p:bg>
+    <p:spTree>
+      <p:nvGrpSpPr>
+        <p:cNvPr id="1" name=""/>
+        <p:cNvGrpSpPr/>
+        <p:nvPr/>
+      </p:nvGrpSpPr>
+      <p:grpSpPr>
+        <a:xfrm>
+          <a:off x="0" y="0"/>
+          <a:ext cx="0" cy="0"/>
+          <a:chOff x="0" y="0"/>
+          <a:chExt cx="0" cy="0"/>
+        </a:xfrm>
+      </p:grpSpPr>
+      <p:sp>
+        <p:nvSpPr>
+          <p:cNvPr id="2" name="Title 1">
+            <a:extLst>
+              <a:ext uri="{FF2B5EF4-FFF2-40B4-BE49-F238E27FC236}">
+                <a16:creationId xmlns:a16="http://schemas.microsoft.com/office/drawing/2014/main" id="{4A6B0519-8BC8-44C7-95E1-2ABF69E80E9F}"/>
+              </a:ext>
+            </a:extLst>
+          </p:cNvPr>
+          <p:cNvSpPr>
+            <a:spLocks noGrp="1"/>
+          </p:cNvSpPr>
+          <p:nvPr>
+            <p:ph type="title"/>
+          </p:nvPr>
+        </p:nvSpPr>
+        <p:spPr/>
+        <p:txBody>
+          <a:bodyPr/>
+          <a:lstStyle/>
+          <a:p>
+            <a:r>
+              <a:rPr lang="en-AU" dirty="0">
+                <a:solidFill>
+                  <a:schemeClr val="bg1"/>
+                </a:solidFill>
+              </a:rPr>
+              <a:t>Data preparation and exploration</a:t>
+            </a:r>
+          </a:p>
+        </p:txBody>
+      </p:sp>
+      <p:sp>
+        <p:nvSpPr>
+          <p:cNvPr id="3" name="Content Placeholder 2">
+            <a:extLst>
+              <a:ext uri="{FF2B5EF4-FFF2-40B4-BE49-F238E27FC236}">
+                <a16:creationId xmlns:a16="http://schemas.microsoft.com/office/drawing/2014/main" id="{4C758191-7618-490A-8FB2-431857641274}"/>
+              </a:ext>
+            </a:extLst>
+          </p:cNvPr>
+          <p:cNvSpPr>
+            <a:spLocks noGrp="1"/>
+          </p:cNvSpPr>
+          <p:nvPr>
+            <p:ph idx="1"/>
+          </p:nvPr>
+        </p:nvSpPr>
+        <p:spPr/>
+        <p:txBody>
+          <a:bodyPr/>
+          <a:lstStyle/>
+          <a:p>
+            <a:r>
+              <a:rPr lang="en-AU" dirty="0">
+                <a:solidFill>
+                  <a:schemeClr val="bg1"/>
+                </a:solidFill>
+              </a:rPr>
+              <a:t>Identified data quality issues in calculated columns – recalculated using raw data</a:t>
+            </a:r>
+          </a:p>
+          <a:p>
+            <a:pPr lvl="1"/>
+            <a:r>
+              <a:rPr lang="en-AU" dirty="0">
+                <a:solidFill>
+                  <a:schemeClr val="bg1"/>
+                </a:solidFill>
+              </a:rPr>
+              <a:t>6727 incorrectly calculated rows</a:t>
+            </a:r>
+          </a:p>
+          <a:p>
+            <a:pPr lvl="1"/>
+            <a:r>
+              <a:rPr lang="en-AU" dirty="0" err="1">
+                <a:solidFill>
+                  <a:schemeClr val="bg1"/>
+                </a:solidFill>
+              </a:rPr>
+              <a:t>TimeDiff</a:t>
+            </a:r>
+            <a:r>
+              <a:rPr lang="en-AU" dirty="0">
+                <a:solidFill>
+                  <a:schemeClr val="bg1"/>
+                </a:solidFill>
+              </a:rPr>
+              <a:t> </a:t>
+            </a:r>
+            <a:r>
+              <a:rPr lang="en-AU" dirty="0" err="1">
+                <a:solidFill>
+                  <a:schemeClr val="bg1"/>
+                </a:solidFill>
+              </a:rPr>
+              <a:t>TreatDrNr</a:t>
+            </a:r>
+            <a:r>
+              <a:rPr lang="en-AU" dirty="0">
+                <a:solidFill>
+                  <a:schemeClr val="bg1"/>
+                </a:solidFill>
+              </a:rPr>
+              <a:t>-Act. Depart (mins)</a:t>
+            </a:r>
+          </a:p>
+          <a:p>
+            <a:r>
+              <a:rPr lang="en-AU" dirty="0">
+                <a:solidFill>
+                  <a:schemeClr val="bg1"/>
+                </a:solidFill>
+              </a:rPr>
+              <a:t>Cleansing of free text values in Diagnosis Desc. for standardisation (In progress)</a:t>
+            </a:r>
+          </a:p>
+          <a:p>
+            <a:r>
+              <a:rPr lang="en-AU" dirty="0">
+                <a:solidFill>
+                  <a:schemeClr val="bg1"/>
+                </a:solidFill>
+              </a:rPr>
+              <a:t>Create calculated fields</a:t>
+            </a:r>
+          </a:p>
+          <a:p>
+            <a:pPr lvl="1"/>
+            <a:r>
+              <a:rPr lang="en-AU" dirty="0">
+                <a:solidFill>
+                  <a:schemeClr val="bg1"/>
+                </a:solidFill>
+              </a:rPr>
+              <a:t>Arrival – Dr seen time in minutes</a:t>
+            </a:r>
+          </a:p>
+          <a:p>
+            <a:pPr lvl="1"/>
+            <a:r>
+              <a:rPr lang="en-AU" dirty="0">
+                <a:solidFill>
+                  <a:schemeClr val="bg1"/>
+                </a:solidFill>
+              </a:rPr>
+              <a:t>Number of patients presenting in ED at arrival time of new patience</a:t>
+            </a:r>
+          </a:p>
+          <a:p>
+            <a:pPr lvl="1"/>
+            <a:r>
+              <a:rPr lang="en-AU" dirty="0">
+                <a:solidFill>
+                  <a:schemeClr val="bg1"/>
+                </a:solidFill>
+              </a:rPr>
+              <a:t>Whether a patient is seen to later than their priority ranking</a:t>
+            </a:r>
+          </a:p>
+          <a:p>
+            <a:r>
+              <a:rPr lang="en-AU" dirty="0">
+                <a:solidFill>
+                  <a:schemeClr val="bg1"/>
+                </a:solidFill>
+              </a:rPr>
+              <a:t>Filter out patients with Departure Status Desc. as “</a:t>
+            </a:r>
+            <a:r>
+              <a:rPr lang="en-US" dirty="0">
+                <a:solidFill>
+                  <a:schemeClr val="bg1"/>
+                </a:solidFill>
+              </a:rPr>
+              <a:t>PATIENT FOR DELETION BY CAMPUS ADMINISTRATOR” or “DEAD ON ARRIVAL (NO TREATMENT PROVIDED IN ED)”</a:t>
+            </a:r>
+            <a:endParaRPr lang="en-AU" dirty="0">
+              <a:solidFill>
+                <a:schemeClr val="bg1"/>
+              </a:solidFill>
+            </a:endParaRPr>
+          </a:p>
+        </p:txBody>
+      </p:sp>
+    </p:spTree>
+    <p:extLst>
+      <p:ext uri="{BB962C8B-B14F-4D97-AF65-F5344CB8AC3E}">
+        <p14:creationId xmlns:p14="http://schemas.microsoft.com/office/powerpoint/2010/main" val="786558222"/>
+      </p:ext>
+    </p:extLst>
+  </p:cSld>
+  <p:clrMapOvr>
+    <a:masterClrMapping/>
+  </p:clrMapOvr>
+</p:sld>
+</file>
+
+<file path=ppt/slides/slide5.xml><?xml version="1.0" encoding="utf-8"?>
+<p:sld xmlns:a="http://schemas.openxmlformats.org/drawingml/2006/main" xmlns:r="http://schemas.openxmlformats.org/officeDocument/2006/relationships" xmlns:p="http://schemas.openxmlformats.org/presentationml/2006/main">
+  <p:cSld>
+    <p:bg>
+      <p:bgPr>
+        <a:solidFill>
+          <a:schemeClr val="tx1">
+            <a:lumMod val="75000"/>
+            <a:lumOff val="25000"/>
+          </a:schemeClr>
+        </a:solidFill>
+        <a:effectLst/>
+      </p:bgPr>
+    </p:bg>
+    <p:spTree>
+      <p:nvGrpSpPr>
+        <p:cNvPr id="1" name=""/>
+        <p:cNvGrpSpPr/>
+        <p:nvPr/>
+      </p:nvGrpSpPr>
+      <p:grpSpPr>
+        <a:xfrm>
+          <a:off x="0" y="0"/>
+          <a:ext cx="0" cy="0"/>
+          <a:chOff x="0" y="0"/>
+          <a:chExt cx="0" cy="0"/>
+        </a:xfrm>
+      </p:grpSpPr>
+      <p:sp>
+        <p:nvSpPr>
+          <p:cNvPr id="2" name="Title 1">
+            <a:extLst>
+              <a:ext uri="{FF2B5EF4-FFF2-40B4-BE49-F238E27FC236}">
+                <a16:creationId xmlns:a16="http://schemas.microsoft.com/office/drawing/2014/main" id="{4A6B0519-8BC8-44C7-95E1-2ABF69E80E9F}"/>
+              </a:ext>
+            </a:extLst>
+          </p:cNvPr>
+          <p:cNvSpPr>
+            <a:spLocks noGrp="1"/>
+          </p:cNvSpPr>
+          <p:nvPr>
+            <p:ph type="title"/>
+          </p:nvPr>
+        </p:nvSpPr>
+        <p:spPr/>
+        <p:txBody>
+          <a:bodyPr/>
+          <a:lstStyle/>
+          <a:p>
+            <a:r>
+              <a:rPr lang="en-AU" dirty="0">
+                <a:solidFill>
+                  <a:schemeClr val="bg1"/>
+                </a:solidFill>
+              </a:rPr>
+              <a:t>Focus: ed performance metrics</a:t>
+            </a:r>
+          </a:p>
+        </p:txBody>
+      </p:sp>
+      <p:sp>
+        <p:nvSpPr>
+          <p:cNvPr id="3" name="Content Placeholder 2">
+            <a:extLst>
+              <a:ext uri="{FF2B5EF4-FFF2-40B4-BE49-F238E27FC236}">
+                <a16:creationId xmlns:a16="http://schemas.microsoft.com/office/drawing/2014/main" id="{4C758191-7618-490A-8FB2-431857641274}"/>
+              </a:ext>
+            </a:extLst>
+          </p:cNvPr>
+          <p:cNvSpPr>
+            <a:spLocks noGrp="1"/>
+          </p:cNvSpPr>
+          <p:nvPr>
+            <p:ph idx="1"/>
+          </p:nvPr>
+        </p:nvSpPr>
+        <p:spPr/>
+        <p:txBody>
+          <a:bodyPr/>
+          <a:lstStyle/>
+          <a:p>
+            <a:r>
+              <a:rPr lang="en-AU" dirty="0">
+                <a:solidFill>
+                  <a:schemeClr val="bg1"/>
+                </a:solidFill>
+              </a:rPr>
+              <a:t>Time based Emergency Department performance metrics include:</a:t>
+            </a:r>
+          </a:p>
+          <a:p>
+            <a:pPr lvl="1"/>
+            <a:r>
+              <a:rPr lang="en-AU" dirty="0">
+                <a:solidFill>
+                  <a:schemeClr val="bg1"/>
+                </a:solidFill>
+              </a:rPr>
+              <a:t>Length of time taken to receive medical attention from a doctor</a:t>
+            </a:r>
+          </a:p>
+          <a:p>
+            <a:pPr lvl="1"/>
+            <a:r>
+              <a:rPr lang="en-AU" dirty="0">
+                <a:solidFill>
+                  <a:schemeClr val="bg1"/>
+                </a:solidFill>
+              </a:rPr>
+              <a:t>Length of time between initial medical attention and ED departure</a:t>
+            </a:r>
+          </a:p>
+          <a:p>
+            <a:pPr lvl="1"/>
+            <a:r>
+              <a:rPr lang="en-AU" dirty="0">
+                <a:solidFill>
+                  <a:schemeClr val="bg1"/>
+                </a:solidFill>
+              </a:rPr>
+              <a:t>Overall length of stay in ED</a:t>
+            </a:r>
+          </a:p>
+          <a:p>
+            <a:pPr lvl="1"/>
+            <a:r>
+              <a:rPr lang="en-AU" dirty="0">
+                <a:solidFill>
+                  <a:schemeClr val="bg1"/>
+                </a:solidFill>
+              </a:rPr>
+              <a:t>Reference: </a:t>
+            </a:r>
+            <a:r>
+              <a:rPr lang="en-AU" dirty="0">
+                <a:solidFill>
+                  <a:schemeClr val="bg1"/>
+                </a:solidFill>
+                <a:hlinkClick r:id="rId2">
+                  <a:extLst>
+                    <a:ext uri="{A12FA001-AC4F-418D-AE19-62706E023703}">
+                      <ahyp:hlinkClr xmlns:ahyp="http://schemas.microsoft.com/office/drawing/2018/hyperlinkcolor" val="tx"/>
+                    </a:ext>
+                  </a:extLst>
+                </a:hlinkClick>
+              </a:rPr>
+              <a:t>https://pubmed.ncbi.nlm.nih.gov/29310983/</a:t>
+            </a:r>
+            <a:r>
+              <a:rPr lang="en-AU" dirty="0">
+                <a:solidFill>
+                  <a:schemeClr val="bg1"/>
+                </a:solidFill>
+              </a:rPr>
+              <a:t> </a:t>
+            </a:r>
+          </a:p>
+          <a:p>
+            <a:r>
+              <a:rPr lang="en-AU" dirty="0">
+                <a:solidFill>
+                  <a:schemeClr val="bg1"/>
+                </a:solidFill>
+              </a:rPr>
+              <a:t>In order to account for the effect of presentation acuity, the ATS standards for triage priority turnaround time were deducted from the time taken to receive medical attention</a:t>
+            </a:r>
+          </a:p>
+          <a:p>
+            <a:pPr lvl="1"/>
+            <a:r>
+              <a:rPr lang="en-AU" dirty="0">
+                <a:solidFill>
+                  <a:schemeClr val="bg1"/>
+                </a:solidFill>
+              </a:rPr>
+              <a:t>The standards indicate that a priority 1 patient should be seen to immediately or within 2 minutes, while a priority 5 patient should be seen to within 120 minutes</a:t>
+            </a:r>
+          </a:p>
+          <a:p>
+            <a:pPr lvl="1"/>
+            <a:r>
+              <a:rPr lang="en-AU" dirty="0">
+                <a:solidFill>
+                  <a:schemeClr val="bg1"/>
+                </a:solidFill>
+              </a:rPr>
+              <a:t>A new variable was created which deducted the expected turnaround time from the time taken to receive medical attention, according to the relative triage priority of the presentation visit</a:t>
+            </a:r>
+          </a:p>
+          <a:p>
+            <a:pPr lvl="1"/>
+            <a:endParaRPr lang="en-AU" dirty="0">
+              <a:solidFill>
+                <a:schemeClr val="bg1"/>
+              </a:solidFill>
+            </a:endParaRPr>
+          </a:p>
+        </p:txBody>
+      </p:sp>
+      <p:sp>
+        <p:nvSpPr>
+          <p:cNvPr id="4" name="Rectangle 3">
+            <a:extLst>
+              <a:ext uri="{FF2B5EF4-FFF2-40B4-BE49-F238E27FC236}">
+                <a16:creationId xmlns:a16="http://schemas.microsoft.com/office/drawing/2014/main" id="{9B9D0024-D443-4CFE-BE82-EDDA528E2B90}"/>
+              </a:ext>
+            </a:extLst>
+          </p:cNvPr>
+          <p:cNvSpPr/>
+          <p:nvPr/>
+        </p:nvSpPr>
+        <p:spPr>
+          <a:xfrm>
+            <a:off x="5971607" y="3244334"/>
+            <a:ext cx="248786" cy="369332"/>
+          </a:xfrm>
+          <a:prstGeom prst="rect">
+            <a:avLst/>
+          </a:prstGeom>
+        </p:spPr>
+        <p:txBody>
+          <a:bodyPr wrap="none">
+            <a:spAutoFit/>
+          </a:bodyPr>
+          <a:lstStyle/>
+          <a:p>
             <a:r>
               <a:rPr lang="en-AU" dirty="0"/>
-              <a:t>reduce readmissions </a:t>
-            </a:r>
-          </a:p>
+              <a:t>￼</a:t>
+            </a:r>
+          </a:p>
+        </p:txBody>
+      </p:sp>
+    </p:spTree>
+    <p:extLst>
+      <p:ext uri="{BB962C8B-B14F-4D97-AF65-F5344CB8AC3E}">
+        <p14:creationId xmlns:p14="http://schemas.microsoft.com/office/powerpoint/2010/main" val="1665171103"/>
+      </p:ext>
+    </p:extLst>
+  </p:cSld>
+  <p:clrMapOvr>
+    <a:masterClrMapping/>
+  </p:clrMapOvr>
+</p:sld>
+</file>
+
+<file path=ppt/slides/slide6.xml><?xml version="1.0" encoding="utf-8"?>
+<p:sld xmlns:a="http://schemas.openxmlformats.org/drawingml/2006/main" xmlns:r="http://schemas.openxmlformats.org/officeDocument/2006/relationships" xmlns:p="http://schemas.openxmlformats.org/presentationml/2006/main">
+  <p:cSld>
+    <p:bg>
+      <p:bgPr>
+        <a:solidFill>
+          <a:schemeClr val="tx1">
+            <a:lumMod val="75000"/>
+            <a:lumOff val="25000"/>
+          </a:schemeClr>
+        </a:solidFill>
+        <a:effectLst/>
+      </p:bgPr>
+    </p:bg>
+    <p:spTree>
+      <p:nvGrpSpPr>
+        <p:cNvPr id="1" name=""/>
+        <p:cNvGrpSpPr/>
+        <p:nvPr/>
+      </p:nvGrpSpPr>
+      <p:grpSpPr>
+        <a:xfrm>
+          <a:off x="0" y="0"/>
+          <a:ext cx="0" cy="0"/>
+          <a:chOff x="0" y="0"/>
+          <a:chExt cx="0" cy="0"/>
+        </a:xfrm>
+      </p:grpSpPr>
+      <p:sp>
+        <p:nvSpPr>
+          <p:cNvPr id="2" name="Title 1">
+            <a:extLst>
+              <a:ext uri="{FF2B5EF4-FFF2-40B4-BE49-F238E27FC236}">
+                <a16:creationId xmlns:a16="http://schemas.microsoft.com/office/drawing/2014/main" id="{4A6B0519-8BC8-44C7-95E1-2ABF69E80E9F}"/>
+              </a:ext>
+            </a:extLst>
+          </p:cNvPr>
+          <p:cNvSpPr>
+            <a:spLocks noGrp="1"/>
+          </p:cNvSpPr>
+          <p:nvPr>
+            <p:ph type="title"/>
+          </p:nvPr>
+        </p:nvSpPr>
+        <p:spPr>
+          <a:xfrm>
+            <a:off x="581192" y="1129995"/>
+            <a:ext cx="11029616" cy="1188720"/>
+          </a:xfrm>
+        </p:spPr>
+        <p:txBody>
+          <a:bodyPr/>
+          <a:lstStyle/>
+          <a:p>
+            <a:r>
+              <a:rPr lang="en-AU" dirty="0">
+                <a:solidFill>
+                  <a:schemeClr val="bg1"/>
+                </a:solidFill>
+              </a:rPr>
+              <a:t>Finding 1: triage priority adherence impacts ability to meet ats standards</a:t>
+            </a:r>
+          </a:p>
+        </p:txBody>
+      </p:sp>
+      <p:sp>
+        <p:nvSpPr>
+          <p:cNvPr id="3" name="Content Placeholder 2">
+            <a:extLst>
+              <a:ext uri="{FF2B5EF4-FFF2-40B4-BE49-F238E27FC236}">
+                <a16:creationId xmlns:a16="http://schemas.microsoft.com/office/drawing/2014/main" id="{4C758191-7618-490A-8FB2-431857641274}"/>
+              </a:ext>
+            </a:extLst>
+          </p:cNvPr>
+          <p:cNvSpPr>
+            <a:spLocks noGrp="1"/>
+          </p:cNvSpPr>
+          <p:nvPr>
+            <p:ph idx="1"/>
+          </p:nvPr>
+        </p:nvSpPr>
+        <p:spPr/>
+        <p:txBody>
+          <a:bodyPr>
+            <a:normAutofit/>
+          </a:bodyPr>
+          <a:lstStyle/>
+          <a:p>
+            <a:r>
+              <a:rPr lang="en-AU" dirty="0">
+                <a:solidFill>
+                  <a:schemeClr val="bg1"/>
+                </a:solidFill>
+              </a:rPr>
+              <a:t>Within the dataset provided, 53% </a:t>
+            </a:r>
+            <a:r>
+              <a:rPr lang="en-US" dirty="0">
+                <a:solidFill>
+                  <a:schemeClr val="bg1"/>
+                </a:solidFill>
+              </a:rPr>
+              <a:t>of patients receive treatment within an appropriate time relative to their triage category</a:t>
+            </a:r>
+          </a:p>
+          <a:p>
+            <a:pPr lvl="1"/>
+            <a:r>
+              <a:rPr lang="en-US" dirty="0">
+                <a:solidFill>
+                  <a:schemeClr val="bg1"/>
+                </a:solidFill>
+              </a:rPr>
+              <a:t>Compared to the national average (70%), this indicates that the hospital in question underperforms on this metric</a:t>
+            </a:r>
+            <a:endParaRPr lang="en-AU" dirty="0">
+              <a:solidFill>
+                <a:schemeClr val="bg1"/>
+              </a:solidFill>
+            </a:endParaRPr>
+          </a:p>
+          <a:p>
+            <a:r>
+              <a:rPr lang="en-AU" dirty="0">
+                <a:solidFill>
+                  <a:schemeClr val="bg1"/>
+                </a:solidFill>
+              </a:rPr>
+              <a:t>A new variable was generated to rank the relative priority of a patient compared to those in ED at the same time</a:t>
+            </a:r>
+          </a:p>
+          <a:p>
+            <a:pPr lvl="1"/>
+            <a:r>
+              <a:rPr lang="en-AU" dirty="0">
+                <a:solidFill>
+                  <a:schemeClr val="bg1"/>
+                </a:solidFill>
+              </a:rPr>
+              <a:t>The variable uses the patient’s arrival time and expected treatment wait time based on ATS standard triage guidelines</a:t>
+            </a:r>
+          </a:p>
+          <a:p>
+            <a:pPr lvl="1"/>
+            <a:endParaRPr lang="en-AU" dirty="0">
+              <a:solidFill>
+                <a:schemeClr val="bg1"/>
+              </a:solidFill>
+            </a:endParaRPr>
+          </a:p>
+          <a:p>
+            <a:r>
+              <a:rPr lang="en-AU" dirty="0">
+                <a:solidFill>
+                  <a:schemeClr val="bg1"/>
+                </a:solidFill>
+              </a:rPr>
+              <a:t>It was found that when a patient was seen to later than their expected priority ranking, the likelihood of their wait time exceeding the recommended treatment timeframe significantly increased</a:t>
+            </a:r>
+          </a:p>
+          <a:p>
+            <a:pPr lvl="1"/>
+            <a:r>
+              <a:rPr lang="en-AU" dirty="0">
+                <a:solidFill>
+                  <a:schemeClr val="bg1"/>
+                </a:solidFill>
+              </a:rPr>
+              <a:t>85% vs 38.6%</a:t>
+            </a:r>
+          </a:p>
+        </p:txBody>
+      </p:sp>
+      <p:sp>
+        <p:nvSpPr>
+          <p:cNvPr id="4" name="Rectangle 3">
+            <a:extLst>
+              <a:ext uri="{FF2B5EF4-FFF2-40B4-BE49-F238E27FC236}">
+                <a16:creationId xmlns:a16="http://schemas.microsoft.com/office/drawing/2014/main" id="{9B9D0024-D443-4CFE-BE82-EDDA528E2B90}"/>
+              </a:ext>
+            </a:extLst>
+          </p:cNvPr>
+          <p:cNvSpPr/>
+          <p:nvPr/>
+        </p:nvSpPr>
+        <p:spPr>
+          <a:xfrm>
+            <a:off x="5971607" y="3244334"/>
+            <a:ext cx="248786" cy="369332"/>
+          </a:xfrm>
+          <a:prstGeom prst="rect">
+            <a:avLst/>
+          </a:prstGeom>
+        </p:spPr>
+        <p:txBody>
+          <a:bodyPr wrap="none">
+            <a:spAutoFit/>
+          </a:bodyPr>
+          <a:lstStyle/>
           <a:p>
             <a:r>
               <a:rPr lang="en-AU" dirty="0"/>
-              <a:t>Additional data points to enable further analysis</a:t>
+              <a:t>￼</a:t>
+            </a:r>
+          </a:p>
+        </p:txBody>
+      </p:sp>
+    </p:spTree>
+    <p:extLst>
+      <p:ext uri="{BB962C8B-B14F-4D97-AF65-F5344CB8AC3E}">
+        <p14:creationId xmlns:p14="http://schemas.microsoft.com/office/powerpoint/2010/main" val="3221009819"/>
+      </p:ext>
+    </p:extLst>
+  </p:cSld>
+  <p:clrMapOvr>
+    <a:masterClrMapping/>
+  </p:clrMapOvr>
+</p:sld>
+</file>
+
+<file path=ppt/slides/slide7.xml><?xml version="1.0" encoding="utf-8"?>
+<p:sld xmlns:a="http://schemas.openxmlformats.org/drawingml/2006/main" xmlns:r="http://schemas.openxmlformats.org/officeDocument/2006/relationships" xmlns:p="http://schemas.openxmlformats.org/presentationml/2006/main">
+  <p:cSld>
+    <p:bg>
+      <p:bgPr>
+        <a:solidFill>
+          <a:schemeClr val="tx1">
+            <a:lumMod val="75000"/>
+            <a:lumOff val="25000"/>
+          </a:schemeClr>
+        </a:solidFill>
+        <a:effectLst/>
+      </p:bgPr>
+    </p:bg>
+    <p:spTree>
+      <p:nvGrpSpPr>
+        <p:cNvPr id="1" name=""/>
+        <p:cNvGrpSpPr/>
+        <p:nvPr/>
+      </p:nvGrpSpPr>
+      <p:grpSpPr>
+        <a:xfrm>
+          <a:off x="0" y="0"/>
+          <a:ext cx="0" cy="0"/>
+          <a:chOff x="0" y="0"/>
+          <a:chExt cx="0" cy="0"/>
+        </a:xfrm>
+      </p:grpSpPr>
+      <p:sp>
+        <p:nvSpPr>
+          <p:cNvPr id="2" name="Title 1">
+            <a:extLst>
+              <a:ext uri="{FF2B5EF4-FFF2-40B4-BE49-F238E27FC236}">
+                <a16:creationId xmlns:a16="http://schemas.microsoft.com/office/drawing/2014/main" id="{4A6B0519-8BC8-44C7-95E1-2ABF69E80E9F}"/>
+              </a:ext>
+            </a:extLst>
+          </p:cNvPr>
+          <p:cNvSpPr>
+            <a:spLocks noGrp="1"/>
+          </p:cNvSpPr>
+          <p:nvPr>
+            <p:ph type="title"/>
+          </p:nvPr>
+        </p:nvSpPr>
+        <p:spPr/>
+        <p:txBody>
+          <a:bodyPr/>
+          <a:lstStyle/>
+          <a:p>
+            <a:r>
+              <a:rPr lang="en-AU" dirty="0">
+                <a:solidFill>
+                  <a:schemeClr val="bg1"/>
+                </a:solidFill>
+              </a:rPr>
+              <a:t>Finding 1: Recommendation</a:t>
+            </a:r>
+          </a:p>
+        </p:txBody>
+      </p:sp>
+      <p:sp>
+        <p:nvSpPr>
+          <p:cNvPr id="3" name="Content Placeholder 2">
+            <a:extLst>
+              <a:ext uri="{FF2B5EF4-FFF2-40B4-BE49-F238E27FC236}">
+                <a16:creationId xmlns:a16="http://schemas.microsoft.com/office/drawing/2014/main" id="{4C758191-7618-490A-8FB2-431857641274}"/>
+              </a:ext>
+            </a:extLst>
+          </p:cNvPr>
+          <p:cNvSpPr>
+            <a:spLocks noGrp="1"/>
+          </p:cNvSpPr>
+          <p:nvPr>
+            <p:ph idx="1"/>
+          </p:nvPr>
+        </p:nvSpPr>
+        <p:spPr/>
+        <p:txBody>
+          <a:bodyPr/>
+          <a:lstStyle/>
+          <a:p>
+            <a:r>
+              <a:rPr lang="en-AU" dirty="0">
+                <a:solidFill>
+                  <a:schemeClr val="bg1"/>
+                </a:solidFill>
+              </a:rPr>
+              <a:t>The findings indicate that approximately 32.7% of the time, the patients are being seen to later than their expected priority ranking</a:t>
+            </a:r>
+          </a:p>
+          <a:p>
+            <a:r>
+              <a:rPr lang="en-AU" dirty="0">
+                <a:solidFill>
+                  <a:schemeClr val="bg1"/>
+                </a:solidFill>
+              </a:rPr>
+              <a:t>This accounts for 49.2% of all visits where the patient receives medical attention beyond the ATS timeframe </a:t>
+            </a:r>
+          </a:p>
+          <a:p>
+            <a:r>
+              <a:rPr lang="en-AU" dirty="0">
+                <a:solidFill>
+                  <a:schemeClr val="bg1"/>
+                </a:solidFill>
+              </a:rPr>
+              <a:t>It is recommended that an automated patient ranking system is implemented to support the prioritisation of patient visits, providing ED staff with clear visibility over which patient should be seen to next</a:t>
+            </a:r>
+          </a:p>
+          <a:p>
+            <a:pPr lvl="1"/>
+            <a:r>
+              <a:rPr lang="en-AU" dirty="0">
+                <a:solidFill>
+                  <a:schemeClr val="bg1"/>
+                </a:solidFill>
+              </a:rPr>
+              <a:t>The system should calculate the relative priority of all patients presenting in ED, and automatically readjust once a new patient is triaged</a:t>
+            </a:r>
+          </a:p>
+          <a:p>
+            <a:pPr lvl="1"/>
+            <a:r>
+              <a:rPr lang="en-AU" dirty="0">
+                <a:solidFill>
+                  <a:schemeClr val="bg1"/>
+                </a:solidFill>
+              </a:rPr>
+              <a:t>Medical staffs should adhere strictly to this ranking system</a:t>
+            </a:r>
+          </a:p>
+          <a:p>
+            <a:pPr lvl="1"/>
+            <a:r>
+              <a:rPr lang="en-AU" dirty="0">
+                <a:solidFill>
+                  <a:schemeClr val="bg1"/>
+                </a:solidFill>
+              </a:rPr>
+              <a:t>This recommendation is based on the assumption that the triage process produces accurate triage priority for each patient</a:t>
             </a:r>
           </a:p>
         </p:txBody>
@@ -4541,6 +5856,372 @@
     <p:extLst>
       <p:ext uri="{BB962C8B-B14F-4D97-AF65-F5344CB8AC3E}">
         <p14:creationId xmlns:p14="http://schemas.microsoft.com/office/powerpoint/2010/main" val="620234248"/>
+      </p:ext>
+    </p:extLst>
+  </p:cSld>
+  <p:clrMapOvr>
+    <a:masterClrMapping/>
+  </p:clrMapOvr>
+</p:sld>
+</file>
+
+<file path=ppt/slides/slide8.xml><?xml version="1.0" encoding="utf-8"?>
+<p:sld xmlns:a="http://schemas.openxmlformats.org/drawingml/2006/main" xmlns:r="http://schemas.openxmlformats.org/officeDocument/2006/relationships" xmlns:p="http://schemas.openxmlformats.org/presentationml/2006/main">
+  <p:cSld>
+    <p:bg>
+      <p:bgPr>
+        <a:solidFill>
+          <a:schemeClr val="tx1">
+            <a:lumMod val="75000"/>
+            <a:lumOff val="25000"/>
+          </a:schemeClr>
+        </a:solidFill>
+        <a:effectLst/>
+      </p:bgPr>
+    </p:bg>
+    <p:spTree>
+      <p:nvGrpSpPr>
+        <p:cNvPr id="1" name=""/>
+        <p:cNvGrpSpPr/>
+        <p:nvPr/>
+      </p:nvGrpSpPr>
+      <p:grpSpPr>
+        <a:xfrm>
+          <a:off x="0" y="0"/>
+          <a:ext cx="0" cy="0"/>
+          <a:chOff x="0" y="0"/>
+          <a:chExt cx="0" cy="0"/>
+        </a:xfrm>
+      </p:grpSpPr>
+      <p:sp>
+        <p:nvSpPr>
+          <p:cNvPr id="2" name="Title 1">
+            <a:extLst>
+              <a:ext uri="{FF2B5EF4-FFF2-40B4-BE49-F238E27FC236}">
+                <a16:creationId xmlns:a16="http://schemas.microsoft.com/office/drawing/2014/main" id="{4A6B0519-8BC8-44C7-95E1-2ABF69E80E9F}"/>
+              </a:ext>
+            </a:extLst>
+          </p:cNvPr>
+          <p:cNvSpPr>
+            <a:spLocks noGrp="1"/>
+          </p:cNvSpPr>
+          <p:nvPr>
+            <p:ph type="title"/>
+          </p:nvPr>
+        </p:nvSpPr>
+        <p:spPr/>
+        <p:txBody>
+          <a:bodyPr/>
+          <a:lstStyle/>
+          <a:p>
+            <a:r>
+              <a:rPr lang="en-AU" dirty="0">
+                <a:solidFill>
+                  <a:schemeClr val="bg1"/>
+                </a:solidFill>
+              </a:rPr>
+              <a:t>Finding 2: PERFORMANCE metrics differ seasonally</a:t>
+            </a:r>
+          </a:p>
+        </p:txBody>
+      </p:sp>
+      <p:sp>
+        <p:nvSpPr>
+          <p:cNvPr id="3" name="Content Placeholder 2">
+            <a:extLst>
+              <a:ext uri="{FF2B5EF4-FFF2-40B4-BE49-F238E27FC236}">
+                <a16:creationId xmlns:a16="http://schemas.microsoft.com/office/drawing/2014/main" id="{4C758191-7618-490A-8FB2-431857641274}"/>
+              </a:ext>
+            </a:extLst>
+          </p:cNvPr>
+          <p:cNvSpPr>
+            <a:spLocks noGrp="1"/>
+          </p:cNvSpPr>
+          <p:nvPr>
+            <p:ph idx="1"/>
+          </p:nvPr>
+        </p:nvSpPr>
+        <p:spPr/>
+        <p:txBody>
+          <a:bodyPr>
+            <a:normAutofit fontScale="85000" lnSpcReduction="10000"/>
+          </a:bodyPr>
+          <a:lstStyle/>
+          <a:p>
+            <a:r>
+              <a:rPr lang="en-AU" dirty="0">
+                <a:solidFill>
+                  <a:schemeClr val="bg1"/>
+                </a:solidFill>
+              </a:rPr>
+              <a:t>Seasonal and weekday attributes were found to significantly impact a patient’s time taken to receive medical treatment </a:t>
+            </a:r>
+            <a:r>
+              <a:rPr lang="en-US" dirty="0">
+                <a:solidFill>
+                  <a:schemeClr val="bg1"/>
+                </a:solidFill>
+              </a:rPr>
+              <a:t>relative to their triage category</a:t>
+            </a:r>
+            <a:endParaRPr lang="en-AU" dirty="0">
+              <a:solidFill>
+                <a:schemeClr val="bg1"/>
+              </a:solidFill>
+            </a:endParaRPr>
+          </a:p>
+          <a:p>
+            <a:r>
+              <a:rPr lang="en-AU" dirty="0">
+                <a:solidFill>
+                  <a:schemeClr val="bg1"/>
+                </a:solidFill>
+              </a:rPr>
+              <a:t>On Mondays, patients’ average wait time relative to their triage category is significantly higher than other days of the week</a:t>
+            </a:r>
+          </a:p>
+          <a:p>
+            <a:pPr lvl="1"/>
+            <a:r>
+              <a:rPr lang="en-AU" dirty="0">
+                <a:solidFill>
+                  <a:schemeClr val="bg1"/>
+                </a:solidFill>
+              </a:rPr>
+              <a:t>ED patient volumes were not found to be a possible explanation for this finding, as Monday volumes were reflective of the average ED volume throughout the week</a:t>
+            </a:r>
+          </a:p>
+          <a:p>
+            <a:pPr lvl="1"/>
+            <a:endParaRPr lang="en-AU" dirty="0">
+              <a:solidFill>
+                <a:schemeClr val="bg1"/>
+              </a:solidFill>
+            </a:endParaRPr>
+          </a:p>
+          <a:p>
+            <a:r>
+              <a:rPr lang="en-AU" dirty="0">
+                <a:solidFill>
+                  <a:schemeClr val="bg1"/>
+                </a:solidFill>
+              </a:rPr>
+              <a:t>Within the month of July, patients’ average wait time relative to their triage category is significantly higher than other months</a:t>
+            </a:r>
+          </a:p>
+          <a:p>
+            <a:pPr lvl="1"/>
+            <a:r>
+              <a:rPr lang="en-AU" dirty="0">
+                <a:solidFill>
+                  <a:schemeClr val="bg1"/>
+                </a:solidFill>
+              </a:rPr>
+              <a:t>ED patient volumes were also found to not be a possible explanation for this finding</a:t>
+            </a:r>
+          </a:p>
+          <a:p>
+            <a:pPr lvl="1"/>
+            <a:r>
+              <a:rPr lang="en-AU" dirty="0">
+                <a:solidFill>
+                  <a:schemeClr val="bg1"/>
+                </a:solidFill>
+              </a:rPr>
+              <a:t>For May, patients’ average wait time relative to their triage category is significantly lower than other months, despite having comparable patient volumes to July</a:t>
+            </a:r>
+          </a:p>
+          <a:p>
+            <a:r>
+              <a:rPr lang="en-AU" dirty="0">
+                <a:solidFill>
+                  <a:schemeClr val="bg1"/>
+                </a:solidFill>
+              </a:rPr>
+              <a:t>Overall, the better months (where patients receive earlier treatment relative to their triage category) are April, May, June, October, November, and December</a:t>
+            </a:r>
+          </a:p>
+          <a:p>
+            <a:pPr lvl="1"/>
+            <a:r>
+              <a:rPr lang="en-AU" dirty="0">
+                <a:solidFill>
+                  <a:schemeClr val="bg1"/>
+                </a:solidFill>
+              </a:rPr>
+              <a:t>This potentially coincides with medicine/nursing students’ placements</a:t>
+            </a:r>
+          </a:p>
+        </p:txBody>
+      </p:sp>
+      <p:sp>
+        <p:nvSpPr>
+          <p:cNvPr id="4" name="Rectangle 3">
+            <a:extLst>
+              <a:ext uri="{FF2B5EF4-FFF2-40B4-BE49-F238E27FC236}">
+                <a16:creationId xmlns:a16="http://schemas.microsoft.com/office/drawing/2014/main" id="{9B9D0024-D443-4CFE-BE82-EDDA528E2B90}"/>
+              </a:ext>
+            </a:extLst>
+          </p:cNvPr>
+          <p:cNvSpPr/>
+          <p:nvPr/>
+        </p:nvSpPr>
+        <p:spPr>
+          <a:xfrm>
+            <a:off x="5971607" y="3244334"/>
+            <a:ext cx="248786" cy="369332"/>
+          </a:xfrm>
+          <a:prstGeom prst="rect">
+            <a:avLst/>
+          </a:prstGeom>
+        </p:spPr>
+        <p:txBody>
+          <a:bodyPr wrap="none">
+            <a:spAutoFit/>
+          </a:bodyPr>
+          <a:lstStyle/>
+          <a:p>
+            <a:r>
+              <a:rPr lang="en-AU" dirty="0">
+                <a:solidFill>
+                  <a:schemeClr val="bg1"/>
+                </a:solidFill>
+              </a:rPr>
+              <a:t>￼</a:t>
+            </a:r>
+          </a:p>
+        </p:txBody>
+      </p:sp>
+    </p:spTree>
+    <p:extLst>
+      <p:ext uri="{BB962C8B-B14F-4D97-AF65-F5344CB8AC3E}">
+        <p14:creationId xmlns:p14="http://schemas.microsoft.com/office/powerpoint/2010/main" val="3978665805"/>
+      </p:ext>
+    </p:extLst>
+  </p:cSld>
+  <p:clrMapOvr>
+    <a:masterClrMapping/>
+  </p:clrMapOvr>
+</p:sld>
+</file>
+
+<file path=ppt/slides/slide9.xml><?xml version="1.0" encoding="utf-8"?>
+<p:sld xmlns:a="http://schemas.openxmlformats.org/drawingml/2006/main" xmlns:r="http://schemas.openxmlformats.org/officeDocument/2006/relationships" xmlns:p="http://schemas.openxmlformats.org/presentationml/2006/main">
+  <p:cSld>
+    <p:bg>
+      <p:bgPr>
+        <a:solidFill>
+          <a:schemeClr val="tx1">
+            <a:lumMod val="75000"/>
+            <a:lumOff val="25000"/>
+          </a:schemeClr>
+        </a:solidFill>
+        <a:effectLst/>
+      </p:bgPr>
+    </p:bg>
+    <p:spTree>
+      <p:nvGrpSpPr>
+        <p:cNvPr id="1" name=""/>
+        <p:cNvGrpSpPr/>
+        <p:nvPr/>
+      </p:nvGrpSpPr>
+      <p:grpSpPr>
+        <a:xfrm>
+          <a:off x="0" y="0"/>
+          <a:ext cx="0" cy="0"/>
+          <a:chOff x="0" y="0"/>
+          <a:chExt cx="0" cy="0"/>
+        </a:xfrm>
+      </p:grpSpPr>
+      <p:sp>
+        <p:nvSpPr>
+          <p:cNvPr id="2" name="Title 1">
+            <a:extLst>
+              <a:ext uri="{FF2B5EF4-FFF2-40B4-BE49-F238E27FC236}">
+                <a16:creationId xmlns:a16="http://schemas.microsoft.com/office/drawing/2014/main" id="{4A6B0519-8BC8-44C7-95E1-2ABF69E80E9F}"/>
+              </a:ext>
+            </a:extLst>
+          </p:cNvPr>
+          <p:cNvSpPr>
+            <a:spLocks noGrp="1"/>
+          </p:cNvSpPr>
+          <p:nvPr>
+            <p:ph type="title"/>
+          </p:nvPr>
+        </p:nvSpPr>
+        <p:spPr/>
+        <p:txBody>
+          <a:bodyPr/>
+          <a:lstStyle/>
+          <a:p>
+            <a:r>
+              <a:rPr lang="en-AU" dirty="0">
+                <a:solidFill>
+                  <a:schemeClr val="bg1"/>
+                </a:solidFill>
+              </a:rPr>
+              <a:t>Finding 2: Recommendation</a:t>
+            </a:r>
+          </a:p>
+        </p:txBody>
+      </p:sp>
+      <p:sp>
+        <p:nvSpPr>
+          <p:cNvPr id="3" name="Content Placeholder 2">
+            <a:extLst>
+              <a:ext uri="{FF2B5EF4-FFF2-40B4-BE49-F238E27FC236}">
+                <a16:creationId xmlns:a16="http://schemas.microsoft.com/office/drawing/2014/main" id="{4C758191-7618-490A-8FB2-431857641274}"/>
+              </a:ext>
+            </a:extLst>
+          </p:cNvPr>
+          <p:cNvSpPr>
+            <a:spLocks noGrp="1"/>
+          </p:cNvSpPr>
+          <p:nvPr>
+            <p:ph idx="1"/>
+          </p:nvPr>
+        </p:nvSpPr>
+        <p:spPr/>
+        <p:txBody>
+          <a:bodyPr/>
+          <a:lstStyle/>
+          <a:p>
+            <a:r>
+              <a:rPr lang="en-AU" dirty="0">
+                <a:solidFill>
+                  <a:schemeClr val="bg1"/>
+                </a:solidFill>
+              </a:rPr>
+              <a:t>Seasonal difference in treatment wait time should be investigated further to understand the underlying cause</a:t>
+            </a:r>
+          </a:p>
+          <a:p>
+            <a:r>
+              <a:rPr lang="en-AU" dirty="0">
+                <a:solidFill>
+                  <a:schemeClr val="bg1"/>
+                </a:solidFill>
+              </a:rPr>
+              <a:t>There is potential understaffing on Mondays</a:t>
+            </a:r>
+          </a:p>
+          <a:p>
+            <a:pPr lvl="1"/>
+            <a:r>
+              <a:rPr lang="en-AU" dirty="0">
+                <a:solidFill>
+                  <a:schemeClr val="bg1"/>
+                </a:solidFill>
+              </a:rPr>
+              <a:t>This aspect should be investigated further</a:t>
+            </a:r>
+          </a:p>
+        </p:txBody>
+      </p:sp>
+    </p:spTree>
+    <p:extLst>
+      <p:ext uri="{BB962C8B-B14F-4D97-AF65-F5344CB8AC3E}">
+        <p14:creationId xmlns:p14="http://schemas.microsoft.com/office/powerpoint/2010/main" val="2742963151"/>
       </p:ext>
     </p:extLst>
   </p:cSld>

--- a/stuff.pptx
+++ b/stuff.pptx
@@ -8,14 +8,16 @@
     <p:sldId id="282" r:id="rId5"/>
     <p:sldId id="286" r:id="rId6"/>
     <p:sldId id="292" r:id="rId7"/>
-    <p:sldId id="284" r:id="rId8"/>
-    <p:sldId id="287" r:id="rId9"/>
-    <p:sldId id="288" r:id="rId10"/>
-    <p:sldId id="285" r:id="rId11"/>
-    <p:sldId id="289" r:id="rId12"/>
-    <p:sldId id="291" r:id="rId13"/>
-    <p:sldId id="290" r:id="rId14"/>
-    <p:sldId id="293" r:id="rId15"/>
+    <p:sldId id="294" r:id="rId8"/>
+    <p:sldId id="295" r:id="rId9"/>
+    <p:sldId id="284" r:id="rId10"/>
+    <p:sldId id="287" r:id="rId11"/>
+    <p:sldId id="288" r:id="rId12"/>
+    <p:sldId id="285" r:id="rId13"/>
+    <p:sldId id="289" r:id="rId14"/>
+    <p:sldId id="291" r:id="rId15"/>
+    <p:sldId id="290" r:id="rId16"/>
+    <p:sldId id="293" r:id="rId17"/>
   </p:sldIdLst>
   <p:sldSz cx="12192000" cy="6858000"/>
   <p:notesSz cx="6858000" cy="9144000"/>
@@ -125,9 +127,152 @@
 <file path=ppt/revisionInfo.xml><?xml version="1.0" encoding="utf-8"?>
 <p1510:revInfo xmlns:a="http://schemas.openxmlformats.org/drawingml/2006/main" xmlns:r="http://schemas.openxmlformats.org/officeDocument/2006/relationships" xmlns:p1510="http://schemas.microsoft.com/office/powerpoint/2015/10/main">
   <p1510:revLst>
-    <p1510:client id="{9B151DFC-9C2A-4D31-B77D-EE9097B9B97A}" v="1" dt="2021-03-11T07:28:51.656"/>
+    <p1510:client id="{9B151DFC-9C2A-4D31-B77D-EE9097B9B97A}" v="8" dt="2021-03-16T00:07:14.064"/>
   </p1510:revLst>
 </p1510:revInfo>
+</file>
+
+<file path=ppt/changesInfos/changesInfo1.xml><?xml version="1.0" encoding="utf-8"?>
+<pc:chgInfo xmlns:a="http://schemas.openxmlformats.org/drawingml/2006/main" xmlns:r="http://schemas.openxmlformats.org/officeDocument/2006/relationships" xmlns:ac="http://schemas.microsoft.com/office/drawing/2013/main/command" xmlns:pc="http://schemas.microsoft.com/office/powerpoint/2013/main/command">
+  <pc:docChgLst>
+    <pc:chgData name="Nguyen, Jason" userId="af4c5f45-2e48-48f8-a6f3-b5c7e29b5540" providerId="ADAL" clId="{9B151DFC-9C2A-4D31-B77D-EE9097B9B97A}"/>
+    <pc:docChg chg="custSel addSld modSld sldOrd">
+      <pc:chgData name="Nguyen, Jason" userId="af4c5f45-2e48-48f8-a6f3-b5c7e29b5540" providerId="ADAL" clId="{9B151DFC-9C2A-4D31-B77D-EE9097B9B97A}" dt="2021-03-16T00:10:14.010" v="511" actId="20577"/>
+      <pc:docMkLst>
+        <pc:docMk/>
+      </pc:docMkLst>
+      <pc:sldChg chg="modSp ord">
+        <pc:chgData name="Nguyen, Jason" userId="af4c5f45-2e48-48f8-a6f3-b5c7e29b5540" providerId="ADAL" clId="{9B151DFC-9C2A-4D31-B77D-EE9097B9B97A}" dt="2021-03-16T00:01:55.769" v="509" actId="20577"/>
+        <pc:sldMkLst>
+          <pc:docMk/>
+          <pc:sldMk cId="786558222" sldId="284"/>
+        </pc:sldMkLst>
+        <pc:spChg chg="mod">
+          <ac:chgData name="Nguyen, Jason" userId="af4c5f45-2e48-48f8-a6f3-b5c7e29b5540" providerId="ADAL" clId="{9B151DFC-9C2A-4D31-B77D-EE9097B9B97A}" dt="2021-03-15T23:59:49.832" v="376" actId="207"/>
+          <ac:spMkLst>
+            <pc:docMk/>
+            <pc:sldMk cId="786558222" sldId="284"/>
+            <ac:spMk id="2" creationId="{4A6B0519-8BC8-44C7-95E1-2ABF69E80E9F}"/>
+          </ac:spMkLst>
+        </pc:spChg>
+        <pc:spChg chg="mod">
+          <ac:chgData name="Nguyen, Jason" userId="af4c5f45-2e48-48f8-a6f3-b5c7e29b5540" providerId="ADAL" clId="{9B151DFC-9C2A-4D31-B77D-EE9097B9B97A}" dt="2021-03-16T00:01:55.769" v="509" actId="20577"/>
+          <ac:spMkLst>
+            <pc:docMk/>
+            <pc:sldMk cId="786558222" sldId="284"/>
+            <ac:spMk id="3" creationId="{4C758191-7618-490A-8FB2-431857641274}"/>
+          </ac:spMkLst>
+        </pc:spChg>
+      </pc:sldChg>
+      <pc:sldChg chg="modSp">
+        <pc:chgData name="Nguyen, Jason" userId="af4c5f45-2e48-48f8-a6f3-b5c7e29b5540" providerId="ADAL" clId="{9B151DFC-9C2A-4D31-B77D-EE9097B9B97A}" dt="2021-03-16T00:10:14.010" v="511" actId="20577"/>
+        <pc:sldMkLst>
+          <pc:docMk/>
+          <pc:sldMk cId="620234248" sldId="285"/>
+        </pc:sldMkLst>
+        <pc:spChg chg="mod">
+          <ac:chgData name="Nguyen, Jason" userId="af4c5f45-2e48-48f8-a6f3-b5c7e29b5540" providerId="ADAL" clId="{9B151DFC-9C2A-4D31-B77D-EE9097B9B97A}" dt="2021-03-16T00:10:14.010" v="511" actId="20577"/>
+          <ac:spMkLst>
+            <pc:docMk/>
+            <pc:sldMk cId="620234248" sldId="285"/>
+            <ac:spMk id="3" creationId="{4C758191-7618-490A-8FB2-431857641274}"/>
+          </ac:spMkLst>
+        </pc:spChg>
+      </pc:sldChg>
+      <pc:sldChg chg="modSp">
+        <pc:chgData name="Nguyen, Jason" userId="af4c5f45-2e48-48f8-a6f3-b5c7e29b5540" providerId="ADAL" clId="{9B151DFC-9C2A-4D31-B77D-EE9097B9B97A}" dt="2021-03-15T23:56:29.861" v="312" actId="20577"/>
+        <pc:sldMkLst>
+          <pc:docMk/>
+          <pc:sldMk cId="1665171103" sldId="287"/>
+        </pc:sldMkLst>
+        <pc:spChg chg="mod">
+          <ac:chgData name="Nguyen, Jason" userId="af4c5f45-2e48-48f8-a6f3-b5c7e29b5540" providerId="ADAL" clId="{9B151DFC-9C2A-4D31-B77D-EE9097B9B97A}" dt="2021-03-15T23:56:29.861" v="312" actId="20577"/>
+          <ac:spMkLst>
+            <pc:docMk/>
+            <pc:sldMk cId="1665171103" sldId="287"/>
+            <ac:spMk id="3" creationId="{4C758191-7618-490A-8FB2-431857641274}"/>
+          </ac:spMkLst>
+        </pc:spChg>
+      </pc:sldChg>
+      <pc:sldChg chg="modSp">
+        <pc:chgData name="Nguyen, Jason" userId="af4c5f45-2e48-48f8-a6f3-b5c7e29b5540" providerId="ADAL" clId="{9B151DFC-9C2A-4D31-B77D-EE9097B9B97A}" dt="2021-03-16T00:07:14.064" v="510"/>
+        <pc:sldMkLst>
+          <pc:docMk/>
+          <pc:sldMk cId="3221009819" sldId="288"/>
+        </pc:sldMkLst>
+        <pc:spChg chg="mod">
+          <ac:chgData name="Nguyen, Jason" userId="af4c5f45-2e48-48f8-a6f3-b5c7e29b5540" providerId="ADAL" clId="{9B151DFC-9C2A-4D31-B77D-EE9097B9B97A}" dt="2021-03-16T00:07:14.064" v="510"/>
+          <ac:spMkLst>
+            <pc:docMk/>
+            <pc:sldMk cId="3221009819" sldId="288"/>
+            <ac:spMk id="3" creationId="{4C758191-7618-490A-8FB2-431857641274}"/>
+          </ac:spMkLst>
+        </pc:spChg>
+      </pc:sldChg>
+      <pc:sldChg chg="modSp">
+        <pc:chgData name="Nguyen, Jason" userId="af4c5f45-2e48-48f8-a6f3-b5c7e29b5540" providerId="ADAL" clId="{9B151DFC-9C2A-4D31-B77D-EE9097B9B97A}" dt="2021-03-15T23:27:47.833" v="34" actId="20577"/>
+        <pc:sldMkLst>
+          <pc:docMk/>
+          <pc:sldMk cId="2089247692" sldId="292"/>
+        </pc:sldMkLst>
+        <pc:spChg chg="mod">
+          <ac:chgData name="Nguyen, Jason" userId="af4c5f45-2e48-48f8-a6f3-b5c7e29b5540" providerId="ADAL" clId="{9B151DFC-9C2A-4D31-B77D-EE9097B9B97A}" dt="2021-03-15T23:27:47.833" v="34" actId="20577"/>
+          <ac:spMkLst>
+            <pc:docMk/>
+            <pc:sldMk cId="2089247692" sldId="292"/>
+            <ac:spMk id="3" creationId="{4C758191-7618-490A-8FB2-431857641274}"/>
+          </ac:spMkLst>
+        </pc:spChg>
+      </pc:sldChg>
+      <pc:sldChg chg="modSp add">
+        <pc:chgData name="Nguyen, Jason" userId="af4c5f45-2e48-48f8-a6f3-b5c7e29b5540" providerId="ADAL" clId="{9B151DFC-9C2A-4D31-B77D-EE9097B9B97A}" dt="2021-03-15T23:55:32.592" v="245" actId="20577"/>
+        <pc:sldMkLst>
+          <pc:docMk/>
+          <pc:sldMk cId="1026573760" sldId="294"/>
+        </pc:sldMkLst>
+        <pc:spChg chg="mod">
+          <ac:chgData name="Nguyen, Jason" userId="af4c5f45-2e48-48f8-a6f3-b5c7e29b5540" providerId="ADAL" clId="{9B151DFC-9C2A-4D31-B77D-EE9097B9B97A}" dt="2021-03-15T23:52:53.974" v="65" actId="20577"/>
+          <ac:spMkLst>
+            <pc:docMk/>
+            <pc:sldMk cId="1026573760" sldId="294"/>
+            <ac:spMk id="2" creationId="{4A6B0519-8BC8-44C7-95E1-2ABF69E80E9F}"/>
+          </ac:spMkLst>
+        </pc:spChg>
+        <pc:spChg chg="mod">
+          <ac:chgData name="Nguyen, Jason" userId="af4c5f45-2e48-48f8-a6f3-b5c7e29b5540" providerId="ADAL" clId="{9B151DFC-9C2A-4D31-B77D-EE9097B9B97A}" dt="2021-03-15T23:55:32.592" v="245" actId="20577"/>
+          <ac:spMkLst>
+            <pc:docMk/>
+            <pc:sldMk cId="1026573760" sldId="294"/>
+            <ac:spMk id="3" creationId="{4C758191-7618-490A-8FB2-431857641274}"/>
+          </ac:spMkLst>
+        </pc:spChg>
+      </pc:sldChg>
+      <pc:sldChg chg="modSp add">
+        <pc:chgData name="Nguyen, Jason" userId="af4c5f45-2e48-48f8-a6f3-b5c7e29b5540" providerId="ADAL" clId="{9B151DFC-9C2A-4D31-B77D-EE9097B9B97A}" dt="2021-03-15T23:58:38.532" v="374" actId="20577"/>
+        <pc:sldMkLst>
+          <pc:docMk/>
+          <pc:sldMk cId="1879876670" sldId="295"/>
+        </pc:sldMkLst>
+        <pc:spChg chg="mod">
+          <ac:chgData name="Nguyen, Jason" userId="af4c5f45-2e48-48f8-a6f3-b5c7e29b5540" providerId="ADAL" clId="{9B151DFC-9C2A-4D31-B77D-EE9097B9B97A}" dt="2021-03-15T23:58:33.592" v="360" actId="20577"/>
+          <ac:spMkLst>
+            <pc:docMk/>
+            <pc:sldMk cId="1879876670" sldId="295"/>
+            <ac:spMk id="2" creationId="{155BFA7D-8D47-40D6-838C-B97D73398EDA}"/>
+          </ac:spMkLst>
+        </pc:spChg>
+        <pc:spChg chg="mod">
+          <ac:chgData name="Nguyen, Jason" userId="af4c5f45-2e48-48f8-a6f3-b5c7e29b5540" providerId="ADAL" clId="{9B151DFC-9C2A-4D31-B77D-EE9097B9B97A}" dt="2021-03-15T23:58:38.532" v="374" actId="20577"/>
+          <ac:spMkLst>
+            <pc:docMk/>
+            <pc:sldMk cId="1879876670" sldId="295"/>
+            <ac:spMk id="3" creationId="{527E6DCB-BE61-421C-9162-EB169E136D16}"/>
+          </ac:spMkLst>
+        </pc:spChg>
+      </pc:sldChg>
+    </pc:docChg>
+  </pc:docChgLst>
+</pc:chgInfo>
 </file>
 
 <file path=ppt/slideLayouts/slideLayout1.xml><?xml version="1.0" encoding="utf-8"?>
@@ -368,7 +513,7 @@
           <a:p>
             <a:fld id="{ED291B17-9318-49DB-B28B-6E5994AE9581}" type="datetime1">
               <a:rPr lang="en-US" smtClean="0"/>
-              <a:t>3/15/2021</a:t>
+              <a:t>3/16/2021</a:t>
             </a:fld>
             <a:endParaRPr lang="en-US" dirty="0"/>
           </a:p>
@@ -571,7 +716,7 @@
           <a:p>
             <a:fld id="{2CED4963-E985-44C4-B8C4-FDD613B7C2F8}" type="datetime1">
               <a:rPr lang="en-US" smtClean="0"/>
-              <a:t>3/15/2021</a:t>
+              <a:t>3/16/2021</a:t>
             </a:fld>
             <a:endParaRPr lang="en-US" dirty="0"/>
           </a:p>
@@ -933,7 +1078,7 @@
           <a:p>
             <a:fld id="{ED291B17-9318-49DB-B28B-6E5994AE9581}" type="datetime1">
               <a:rPr lang="en-US" smtClean="0"/>
-              <a:t>3/15/2021</a:t>
+              <a:t>3/16/2021</a:t>
             </a:fld>
             <a:endParaRPr lang="en-US" dirty="0"/>
           </a:p>
@@ -1130,7 +1275,7 @@
           <a:p>
             <a:fld id="{78DD82B9-B8EE-4375-B6FF-88FA6ABB15D9}" type="datetime1">
               <a:rPr lang="en-US" smtClean="0"/>
-              <a:t>3/15/2021</a:t>
+              <a:t>3/16/2021</a:t>
             </a:fld>
             <a:endParaRPr lang="en-US" dirty="0"/>
           </a:p>
@@ -1442,7 +1587,7 @@
           <a:p>
             <a:fld id="{B2497495-0637-405E-AE64-5CC7506D51F5}" type="datetime1">
               <a:rPr lang="en-US" smtClean="0"/>
-              <a:t>3/15/2021</a:t>
+              <a:t>3/16/2021</a:t>
             </a:fld>
             <a:endParaRPr lang="en-US" dirty="0"/>
           </a:p>
@@ -1695,7 +1840,7 @@
           <a:p>
             <a:fld id="{7BFFD690-9426-415D-8B65-26881E07B2D4}" type="datetime1">
               <a:rPr lang="en-US" smtClean="0"/>
-              <a:t>3/15/2021</a:t>
+              <a:t>3/16/2021</a:t>
             </a:fld>
             <a:endParaRPr lang="en-US" dirty="0"/>
           </a:p>
@@ -2117,7 +2262,7 @@
           <a:p>
             <a:fld id="{04C4989A-474C-40DE-95B9-011C28B71673}" type="datetime1">
               <a:rPr lang="en-US" smtClean="0"/>
-              <a:t>3/15/2021</a:t>
+              <a:t>3/16/2021</a:t>
             </a:fld>
             <a:endParaRPr lang="en-US" dirty="0"/>
           </a:p>
@@ -2240,7 +2385,7 @@
           <a:p>
             <a:fld id="{5DB4ED54-5B5E-4A04-93D3-5772E3CE3818}" type="datetime1">
               <a:rPr lang="en-US" smtClean="0"/>
-              <a:t>3/15/2021</a:t>
+              <a:t>3/16/2021</a:t>
             </a:fld>
             <a:endParaRPr lang="en-US" dirty="0"/>
           </a:p>
@@ -2335,7 +2480,7 @@
           <a:p>
             <a:fld id="{4EDE50D6-574B-40AF-946F-D52A04ADE379}" type="datetime1">
               <a:rPr lang="en-US" smtClean="0"/>
-              <a:t>3/15/2021</a:t>
+              <a:t>3/16/2021</a:t>
             </a:fld>
             <a:endParaRPr lang="en-US" dirty="0"/>
           </a:p>
@@ -2712,7 +2857,7 @@
           <a:p>
             <a:fld id="{D82884F1-FFEA-405F-9602-3DCA865EDA4E}" type="datetime1">
               <a:rPr lang="en-US" smtClean="0"/>
-              <a:t>3/15/2021</a:t>
+              <a:t>3/16/2021</a:t>
             </a:fld>
             <a:endParaRPr lang="en-US" dirty="0"/>
           </a:p>
@@ -3005,7 +3150,7 @@
           <a:p>
             <a:fld id="{7E18DB4A-8810-4A10-AD5C-D5E2C667F5B3}" type="datetime1">
               <a:rPr lang="en-US" smtClean="0"/>
-              <a:t>3/15/2021</a:t>
+              <a:t>3/16/2021</a:t>
             </a:fld>
             <a:endParaRPr lang="en-US" dirty="0"/>
           </a:p>
@@ -3220,7 +3365,7 @@
           <a:p>
             <a:fld id="{ED291B17-9318-49DB-B28B-6E5994AE9581}" type="datetime1">
               <a:rPr lang="en-US" smtClean="0"/>
-              <a:t>3/15/2021</a:t>
+              <a:t>3/16/2021</a:t>
             </a:fld>
             <a:endParaRPr lang="en-US" dirty="0"/>
           </a:p>
@@ -4286,6 +4431,372 @@
             <p:ph type="title"/>
           </p:nvPr>
         </p:nvSpPr>
+        <p:spPr/>
+        <p:txBody>
+          <a:bodyPr/>
+          <a:lstStyle/>
+          <a:p>
+            <a:r>
+              <a:rPr lang="en-AU" dirty="0">
+                <a:solidFill>
+                  <a:schemeClr val="bg1"/>
+                </a:solidFill>
+              </a:rPr>
+              <a:t>Finding 2: PERFORMANCE metrics differ seasonally</a:t>
+            </a:r>
+          </a:p>
+        </p:txBody>
+      </p:sp>
+      <p:sp>
+        <p:nvSpPr>
+          <p:cNvPr id="3" name="Content Placeholder 2">
+            <a:extLst>
+              <a:ext uri="{FF2B5EF4-FFF2-40B4-BE49-F238E27FC236}">
+                <a16:creationId xmlns:a16="http://schemas.microsoft.com/office/drawing/2014/main" id="{4C758191-7618-490A-8FB2-431857641274}"/>
+              </a:ext>
+            </a:extLst>
+          </p:cNvPr>
+          <p:cNvSpPr>
+            <a:spLocks noGrp="1"/>
+          </p:cNvSpPr>
+          <p:nvPr>
+            <p:ph idx="1"/>
+          </p:nvPr>
+        </p:nvSpPr>
+        <p:spPr/>
+        <p:txBody>
+          <a:bodyPr>
+            <a:normAutofit fontScale="85000" lnSpcReduction="10000"/>
+          </a:bodyPr>
+          <a:lstStyle/>
+          <a:p>
+            <a:r>
+              <a:rPr lang="en-AU" dirty="0">
+                <a:solidFill>
+                  <a:schemeClr val="bg1"/>
+                </a:solidFill>
+              </a:rPr>
+              <a:t>Seasonal and weekday attributes were found to significantly impact a patient’s time taken to receive medical treatment </a:t>
+            </a:r>
+            <a:r>
+              <a:rPr lang="en-US" dirty="0">
+                <a:solidFill>
+                  <a:schemeClr val="bg1"/>
+                </a:solidFill>
+              </a:rPr>
+              <a:t>relative to their triage category</a:t>
+            </a:r>
+            <a:endParaRPr lang="en-AU" dirty="0">
+              <a:solidFill>
+                <a:schemeClr val="bg1"/>
+              </a:solidFill>
+            </a:endParaRPr>
+          </a:p>
+          <a:p>
+            <a:r>
+              <a:rPr lang="en-AU" dirty="0">
+                <a:solidFill>
+                  <a:schemeClr val="bg1"/>
+                </a:solidFill>
+              </a:rPr>
+              <a:t>On Mondays, patients’ average wait time relative to their triage category is significantly higher than other days of the week</a:t>
+            </a:r>
+          </a:p>
+          <a:p>
+            <a:pPr lvl="1"/>
+            <a:r>
+              <a:rPr lang="en-AU" dirty="0">
+                <a:solidFill>
+                  <a:schemeClr val="bg1"/>
+                </a:solidFill>
+              </a:rPr>
+              <a:t>ED patient volumes were not found to be a possible explanation for this finding, as Monday volumes were reflective of the average ED volume throughout the week</a:t>
+            </a:r>
+          </a:p>
+          <a:p>
+            <a:pPr lvl="1"/>
+            <a:endParaRPr lang="en-AU" dirty="0">
+              <a:solidFill>
+                <a:schemeClr val="bg1"/>
+              </a:solidFill>
+            </a:endParaRPr>
+          </a:p>
+          <a:p>
+            <a:r>
+              <a:rPr lang="en-AU" dirty="0">
+                <a:solidFill>
+                  <a:schemeClr val="bg1"/>
+                </a:solidFill>
+              </a:rPr>
+              <a:t>Within the month of July, patients’ average wait time relative to their triage category is significantly higher than other months</a:t>
+            </a:r>
+          </a:p>
+          <a:p>
+            <a:pPr lvl="1"/>
+            <a:r>
+              <a:rPr lang="en-AU" dirty="0">
+                <a:solidFill>
+                  <a:schemeClr val="bg1"/>
+                </a:solidFill>
+              </a:rPr>
+              <a:t>ED patient volumes were also found to not be a possible explanation for this finding</a:t>
+            </a:r>
+          </a:p>
+          <a:p>
+            <a:pPr lvl="1"/>
+            <a:r>
+              <a:rPr lang="en-AU" dirty="0">
+                <a:solidFill>
+                  <a:schemeClr val="bg1"/>
+                </a:solidFill>
+              </a:rPr>
+              <a:t>For May, patients’ average wait time relative to their triage category is significantly lower than other months, despite having comparable patient volumes to July</a:t>
+            </a:r>
+          </a:p>
+          <a:p>
+            <a:r>
+              <a:rPr lang="en-AU" dirty="0">
+                <a:solidFill>
+                  <a:schemeClr val="bg1"/>
+                </a:solidFill>
+              </a:rPr>
+              <a:t>Overall, the better months (where patients receive earlier treatment relative to their triage category) are April, May, June, October, November, and December</a:t>
+            </a:r>
+          </a:p>
+          <a:p>
+            <a:pPr lvl="1"/>
+            <a:r>
+              <a:rPr lang="en-AU" dirty="0">
+                <a:solidFill>
+                  <a:schemeClr val="bg1"/>
+                </a:solidFill>
+              </a:rPr>
+              <a:t>This potentially coincides with medicine/nursing students’ placements</a:t>
+            </a:r>
+          </a:p>
+        </p:txBody>
+      </p:sp>
+      <p:sp>
+        <p:nvSpPr>
+          <p:cNvPr id="4" name="Rectangle 3">
+            <a:extLst>
+              <a:ext uri="{FF2B5EF4-FFF2-40B4-BE49-F238E27FC236}">
+                <a16:creationId xmlns:a16="http://schemas.microsoft.com/office/drawing/2014/main" id="{9B9D0024-D443-4CFE-BE82-EDDA528E2B90}"/>
+              </a:ext>
+            </a:extLst>
+          </p:cNvPr>
+          <p:cNvSpPr/>
+          <p:nvPr/>
+        </p:nvSpPr>
+        <p:spPr>
+          <a:xfrm>
+            <a:off x="5971607" y="3244334"/>
+            <a:ext cx="248786" cy="369332"/>
+          </a:xfrm>
+          <a:prstGeom prst="rect">
+            <a:avLst/>
+          </a:prstGeom>
+        </p:spPr>
+        <p:txBody>
+          <a:bodyPr wrap="none">
+            <a:spAutoFit/>
+          </a:bodyPr>
+          <a:lstStyle/>
+          <a:p>
+            <a:r>
+              <a:rPr lang="en-AU" dirty="0">
+                <a:solidFill>
+                  <a:schemeClr val="bg1"/>
+                </a:solidFill>
+              </a:rPr>
+              <a:t>￼</a:t>
+            </a:r>
+          </a:p>
+        </p:txBody>
+      </p:sp>
+    </p:spTree>
+    <p:extLst>
+      <p:ext uri="{BB962C8B-B14F-4D97-AF65-F5344CB8AC3E}">
+        <p14:creationId xmlns:p14="http://schemas.microsoft.com/office/powerpoint/2010/main" val="3978665805"/>
+      </p:ext>
+    </p:extLst>
+  </p:cSld>
+  <p:clrMapOvr>
+    <a:masterClrMapping/>
+  </p:clrMapOvr>
+</p:sld>
+</file>
+
+<file path=ppt/slides/slide11.xml><?xml version="1.0" encoding="utf-8"?>
+<p:sld xmlns:a="http://schemas.openxmlformats.org/drawingml/2006/main" xmlns:r="http://schemas.openxmlformats.org/officeDocument/2006/relationships" xmlns:p="http://schemas.openxmlformats.org/presentationml/2006/main">
+  <p:cSld>
+    <p:bg>
+      <p:bgPr>
+        <a:solidFill>
+          <a:schemeClr val="tx1">
+            <a:lumMod val="75000"/>
+            <a:lumOff val="25000"/>
+          </a:schemeClr>
+        </a:solidFill>
+        <a:effectLst/>
+      </p:bgPr>
+    </p:bg>
+    <p:spTree>
+      <p:nvGrpSpPr>
+        <p:cNvPr id="1" name=""/>
+        <p:cNvGrpSpPr/>
+        <p:nvPr/>
+      </p:nvGrpSpPr>
+      <p:grpSpPr>
+        <a:xfrm>
+          <a:off x="0" y="0"/>
+          <a:ext cx="0" cy="0"/>
+          <a:chOff x="0" y="0"/>
+          <a:chExt cx="0" cy="0"/>
+        </a:xfrm>
+      </p:grpSpPr>
+      <p:sp>
+        <p:nvSpPr>
+          <p:cNvPr id="2" name="Title 1">
+            <a:extLst>
+              <a:ext uri="{FF2B5EF4-FFF2-40B4-BE49-F238E27FC236}">
+                <a16:creationId xmlns:a16="http://schemas.microsoft.com/office/drawing/2014/main" id="{4A6B0519-8BC8-44C7-95E1-2ABF69E80E9F}"/>
+              </a:ext>
+            </a:extLst>
+          </p:cNvPr>
+          <p:cNvSpPr>
+            <a:spLocks noGrp="1"/>
+          </p:cNvSpPr>
+          <p:nvPr>
+            <p:ph type="title"/>
+          </p:nvPr>
+        </p:nvSpPr>
+        <p:spPr/>
+        <p:txBody>
+          <a:bodyPr/>
+          <a:lstStyle/>
+          <a:p>
+            <a:r>
+              <a:rPr lang="en-AU" dirty="0">
+                <a:solidFill>
+                  <a:schemeClr val="bg1"/>
+                </a:solidFill>
+              </a:rPr>
+              <a:t>Finding 2: Recommendation</a:t>
+            </a:r>
+          </a:p>
+        </p:txBody>
+      </p:sp>
+      <p:sp>
+        <p:nvSpPr>
+          <p:cNvPr id="3" name="Content Placeholder 2">
+            <a:extLst>
+              <a:ext uri="{FF2B5EF4-FFF2-40B4-BE49-F238E27FC236}">
+                <a16:creationId xmlns:a16="http://schemas.microsoft.com/office/drawing/2014/main" id="{4C758191-7618-490A-8FB2-431857641274}"/>
+              </a:ext>
+            </a:extLst>
+          </p:cNvPr>
+          <p:cNvSpPr>
+            <a:spLocks noGrp="1"/>
+          </p:cNvSpPr>
+          <p:nvPr>
+            <p:ph idx="1"/>
+          </p:nvPr>
+        </p:nvSpPr>
+        <p:spPr/>
+        <p:txBody>
+          <a:bodyPr/>
+          <a:lstStyle/>
+          <a:p>
+            <a:r>
+              <a:rPr lang="en-AU" dirty="0">
+                <a:solidFill>
+                  <a:schemeClr val="bg1"/>
+                </a:solidFill>
+              </a:rPr>
+              <a:t>Seasonal difference in treatment wait time should be investigated further to understand the underlying cause</a:t>
+            </a:r>
+          </a:p>
+          <a:p>
+            <a:r>
+              <a:rPr lang="en-AU" dirty="0">
+                <a:solidFill>
+                  <a:schemeClr val="bg1"/>
+                </a:solidFill>
+              </a:rPr>
+              <a:t>There is potential understaffing on Mondays</a:t>
+            </a:r>
+          </a:p>
+          <a:p>
+            <a:pPr lvl="1"/>
+            <a:r>
+              <a:rPr lang="en-AU" dirty="0">
+                <a:solidFill>
+                  <a:schemeClr val="bg1"/>
+                </a:solidFill>
+              </a:rPr>
+              <a:t>This aspect should be investigated further</a:t>
+            </a:r>
+          </a:p>
+        </p:txBody>
+      </p:sp>
+    </p:spTree>
+    <p:extLst>
+      <p:ext uri="{BB962C8B-B14F-4D97-AF65-F5344CB8AC3E}">
+        <p14:creationId xmlns:p14="http://schemas.microsoft.com/office/powerpoint/2010/main" val="2742963151"/>
+      </p:ext>
+    </p:extLst>
+  </p:cSld>
+  <p:clrMapOvr>
+    <a:masterClrMapping/>
+  </p:clrMapOvr>
+</p:sld>
+</file>
+
+<file path=ppt/slides/slide12.xml><?xml version="1.0" encoding="utf-8"?>
+<p:sld xmlns:a="http://schemas.openxmlformats.org/drawingml/2006/main" xmlns:r="http://schemas.openxmlformats.org/officeDocument/2006/relationships" xmlns:p="http://schemas.openxmlformats.org/presentationml/2006/main">
+  <p:cSld>
+    <p:bg>
+      <p:bgPr>
+        <a:solidFill>
+          <a:schemeClr val="tx1">
+            <a:lumMod val="75000"/>
+            <a:lumOff val="25000"/>
+          </a:schemeClr>
+        </a:solidFill>
+        <a:effectLst/>
+      </p:bgPr>
+    </p:bg>
+    <p:spTree>
+      <p:nvGrpSpPr>
+        <p:cNvPr id="1" name=""/>
+        <p:cNvGrpSpPr/>
+        <p:nvPr/>
+      </p:nvGrpSpPr>
+      <p:grpSpPr>
+        <a:xfrm>
+          <a:off x="0" y="0"/>
+          <a:ext cx="0" cy="0"/>
+          <a:chOff x="0" y="0"/>
+          <a:chExt cx="0" cy="0"/>
+        </a:xfrm>
+      </p:grpSpPr>
+      <p:sp>
+        <p:nvSpPr>
+          <p:cNvPr id="2" name="Title 1">
+            <a:extLst>
+              <a:ext uri="{FF2B5EF4-FFF2-40B4-BE49-F238E27FC236}">
+                <a16:creationId xmlns:a16="http://schemas.microsoft.com/office/drawing/2014/main" id="{4A6B0519-8BC8-44C7-95E1-2ABF69E80E9F}"/>
+              </a:ext>
+            </a:extLst>
+          </p:cNvPr>
+          <p:cNvSpPr>
+            <a:spLocks noGrp="1"/>
+          </p:cNvSpPr>
+          <p:nvPr>
+            <p:ph type="title"/>
+          </p:nvPr>
+        </p:nvSpPr>
         <p:spPr>
           <a:xfrm>
             <a:off x="581192" y="1129995"/>
@@ -4433,7 +4944,7 @@
 </p:sld>
 </file>
 
-<file path=ppt/slides/slide11.xml><?xml version="1.0" encoding="utf-8"?>
+<file path=ppt/slides/slide13.xml><?xml version="1.0" encoding="utf-8"?>
 <p:sld xmlns:a="http://schemas.openxmlformats.org/drawingml/2006/main" xmlns:r="http://schemas.openxmlformats.org/officeDocument/2006/relationships" xmlns:p="http://schemas.openxmlformats.org/presentationml/2006/main">
   <p:cSld>
     <p:bg>
@@ -4952,6 +5463,16 @@
                   <a:schemeClr val="bg1"/>
                 </a:solidFill>
               </a:rPr>
+              <a:t>ED data of children hospital</a:t>
+            </a:r>
+          </a:p>
+          <a:p>
+            <a:r>
+              <a:rPr lang="en-AU" dirty="0">
+                <a:solidFill>
+                  <a:schemeClr val="bg1"/>
+                </a:solidFill>
+              </a:rPr>
               <a:t>All data is exported directly from ED’s database. None are calculated outside of database</a:t>
             </a:r>
           </a:p>
@@ -5069,7 +5590,7 @@
                   <a:schemeClr val="bg1"/>
                 </a:solidFill>
               </a:rPr>
-              <a:t>Data preparation and exploration</a:t>
+              <a:t>BUSINESS PROBLEM *</a:t>
             </a:r>
           </a:p>
         </p:txBody>
@@ -5092,146 +5613,26 @@
         </p:nvSpPr>
         <p:spPr/>
         <p:txBody>
-          <a:bodyPr/>
-          <a:lstStyle/>
-          <a:p>
-            <a:r>
-              <a:rPr lang="en-AU" dirty="0">
-                <a:solidFill>
-                  <a:schemeClr val="bg1"/>
-                </a:solidFill>
-              </a:rPr>
-              <a:t>Identified data quality issues in calculated columns – recalculated using raw data</a:t>
-            </a:r>
-          </a:p>
-          <a:p>
-            <a:pPr lvl="1"/>
-            <a:r>
-              <a:rPr lang="en-AU" dirty="0">
-                <a:solidFill>
-                  <a:schemeClr val="bg1"/>
-                </a:solidFill>
-              </a:rPr>
-              <a:t>6727 incorrectly calculated rows</a:t>
-            </a:r>
-          </a:p>
-          <a:p>
-            <a:pPr lvl="1"/>
-            <a:r>
-              <a:rPr lang="en-AU" dirty="0" err="1">
-                <a:solidFill>
-                  <a:schemeClr val="bg1"/>
-                </a:solidFill>
-              </a:rPr>
-              <a:t>TimeDiff</a:t>
-            </a:r>
-            <a:r>
-              <a:rPr lang="en-AU" dirty="0">
-                <a:solidFill>
-                  <a:schemeClr val="bg1"/>
-                </a:solidFill>
-              </a:rPr>
-              <a:t> </a:t>
-            </a:r>
-            <a:r>
-              <a:rPr lang="en-AU" dirty="0" err="1">
-                <a:solidFill>
-                  <a:schemeClr val="bg1"/>
-                </a:solidFill>
-              </a:rPr>
-              <a:t>TreatDrNr</a:t>
-            </a:r>
-            <a:r>
-              <a:rPr lang="en-AU" dirty="0">
-                <a:solidFill>
-                  <a:schemeClr val="bg1"/>
-                </a:solidFill>
-              </a:rPr>
-              <a:t>-Act. Depart (mins)</a:t>
-            </a:r>
-          </a:p>
-          <a:p>
-            <a:r>
-              <a:rPr lang="en-AU" dirty="0">
-                <a:solidFill>
-                  <a:schemeClr val="bg1"/>
-                </a:solidFill>
-              </a:rPr>
-              <a:t>Cleansing of free text values in Diagnosis Desc. for standardisation (In progress)</a:t>
-            </a:r>
-          </a:p>
-          <a:p>
-            <a:r>
-              <a:rPr lang="en-AU" dirty="0">
-                <a:solidFill>
-                  <a:schemeClr val="bg1"/>
-                </a:solidFill>
-              </a:rPr>
-              <a:t>Create calculated fields</a:t>
-            </a:r>
-          </a:p>
-          <a:p>
-            <a:pPr lvl="1"/>
-            <a:r>
-              <a:rPr lang="en-AU" dirty="0">
-                <a:solidFill>
-                  <a:schemeClr val="bg1"/>
-                </a:solidFill>
-              </a:rPr>
-              <a:t>Arrival – Dr seen time in minutes</a:t>
-            </a:r>
-          </a:p>
-          <a:p>
-            <a:pPr lvl="1"/>
-            <a:r>
-              <a:rPr lang="en-AU" dirty="0">
-                <a:solidFill>
-                  <a:schemeClr val="bg1"/>
-                </a:solidFill>
-              </a:rPr>
-              <a:t>Number of patients presenting in ED at arrival time of new patience</a:t>
-            </a:r>
-          </a:p>
-          <a:p>
-            <a:pPr lvl="1"/>
-            <a:r>
-              <a:rPr lang="en-AU" dirty="0">
-                <a:solidFill>
-                  <a:schemeClr val="bg1"/>
-                </a:solidFill>
-              </a:rPr>
-              <a:t>Whether a patient is seen to later than their priority ranking</a:t>
-            </a:r>
-          </a:p>
-          <a:p>
-            <a:r>
-              <a:rPr lang="en-AU" dirty="0">
-                <a:solidFill>
-                  <a:schemeClr val="bg1"/>
-                </a:solidFill>
-              </a:rPr>
-              <a:t>Filter out patients with Departure Status Desc. as “</a:t>
-            </a:r>
-            <a:r>
-              <a:rPr lang="en-US" dirty="0">
-                <a:solidFill>
-                  <a:schemeClr val="bg1"/>
-                </a:solidFill>
-              </a:rPr>
-              <a:t>PATIENT FOR DELETION BY CAMPUS ADMINISTRATOR” or “DEAD ON ARRIVAL (NO TREATMENT PROVIDED IN ED)”</a:t>
-            </a:r>
-            <a:endParaRPr lang="en-AU" dirty="0">
-              <a:solidFill>
-                <a:schemeClr val="bg1"/>
-              </a:solidFill>
-            </a:endParaRPr>
+          <a:bodyPr>
+            <a:normAutofit/>
+          </a:bodyPr>
+          <a:lstStyle/>
+          <a:p>
+            <a:r>
+              <a:rPr lang="en-AU" dirty="0">
+                <a:solidFill>
+                  <a:schemeClr val="bg1"/>
+                </a:solidFill>
+              </a:rPr>
+              <a:t>Improving patient wait time for those who receive treatment later than their relative triage priority</a:t>
+            </a:r>
           </a:p>
         </p:txBody>
       </p:sp>
     </p:spTree>
     <p:extLst>
       <p:ext uri="{BB962C8B-B14F-4D97-AF65-F5344CB8AC3E}">
-        <p14:creationId xmlns:p14="http://schemas.microsoft.com/office/powerpoint/2010/main" val="786558222"/>
+        <p14:creationId xmlns:p14="http://schemas.microsoft.com/office/powerpoint/2010/main" val="1026573760"/>
       </p:ext>
     </p:extLst>
   </p:cSld>
@@ -5244,17 +5645,6 @@
 <file path=ppt/slides/slide5.xml><?xml version="1.0" encoding="utf-8"?>
 <p:sld xmlns:a="http://schemas.openxmlformats.org/drawingml/2006/main" xmlns:r="http://schemas.openxmlformats.org/officeDocument/2006/relationships" xmlns:p="http://schemas.openxmlformats.org/presentationml/2006/main">
   <p:cSld>
-    <p:bg>
-      <p:bgPr>
-        <a:solidFill>
-          <a:schemeClr val="tx1">
-            <a:lumMod val="75000"/>
-            <a:lumOff val="25000"/>
-          </a:schemeClr>
-        </a:solidFill>
-        <a:effectLst/>
-      </p:bgPr>
-    </p:bg>
     <p:spTree>
       <p:nvGrpSpPr>
         <p:cNvPr id="1" name=""/>
@@ -5274,7 +5664,7 @@
           <p:cNvPr id="2" name="Title 1">
             <a:extLst>
               <a:ext uri="{FF2B5EF4-FFF2-40B4-BE49-F238E27FC236}">
-                <a16:creationId xmlns:a16="http://schemas.microsoft.com/office/drawing/2014/main" id="{4A6B0519-8BC8-44C7-95E1-2ABF69E80E9F}"/>
+                <a16:creationId xmlns:a16="http://schemas.microsoft.com/office/drawing/2014/main" id="{155BFA7D-8D47-40D6-838C-B97D73398EDA}"/>
               </a:ext>
             </a:extLst>
           </p:cNvPr>
@@ -5291,12 +5681,8 @@
           <a:lstStyle/>
           <a:p>
             <a:r>
-              <a:rPr lang="en-AU" dirty="0">
-                <a:solidFill>
-                  <a:schemeClr val="bg1"/>
-                </a:solidFill>
-              </a:rPr>
-              <a:t>Focus: ed performance metrics</a:t>
+              <a:rPr lang="en-AU" dirty="0"/>
+              <a:t>Unevenly triage waiting time</a:t>
             </a:r>
           </a:p>
         </p:txBody>
@@ -5306,7 +5692,7 @@
           <p:cNvPr id="3" name="Content Placeholder 2">
             <a:extLst>
               <a:ext uri="{FF2B5EF4-FFF2-40B4-BE49-F238E27FC236}">
-                <a16:creationId xmlns:a16="http://schemas.microsoft.com/office/drawing/2014/main" id="{4C758191-7618-490A-8FB2-431857641274}"/>
+                <a16:creationId xmlns:a16="http://schemas.microsoft.com/office/drawing/2014/main" id="{527E6DCB-BE61-421C-9162-EB169E136D16}"/>
               </a:ext>
             </a:extLst>
           </p:cNvPr>
@@ -5323,153 +5709,8 @@
           <a:lstStyle/>
           <a:p>
             <a:r>
-              <a:rPr lang="en-AU" dirty="0">
-                <a:solidFill>
-                  <a:schemeClr val="bg1"/>
-                </a:solidFill>
-              </a:rPr>
-              <a:t>Time based Emergency Department performance metrics include:</a:t>
-            </a:r>
-          </a:p>
-          <a:p>
-            <a:pPr lvl="1"/>
-            <a:r>
-              <a:rPr lang="en-AU" dirty="0">
-                <a:solidFill>
-                  <a:schemeClr val="bg1"/>
-                </a:solidFill>
-              </a:rPr>
-              <a:t>Length of time taken to receive medical attention from a doctor</a:t>
-            </a:r>
-          </a:p>
-          <a:p>
-            <a:pPr lvl="1"/>
-            <a:r>
-              <a:rPr lang="en-AU" dirty="0">
-                <a:solidFill>
-                  <a:schemeClr val="bg1"/>
-                </a:solidFill>
-              </a:rPr>
-              <a:t>Length of time between initial medical attention and ED departure</a:t>
-            </a:r>
-          </a:p>
-          <a:p>
-            <a:pPr lvl="1"/>
-            <a:r>
-              <a:rPr lang="en-AU" dirty="0">
-                <a:solidFill>
-                  <a:schemeClr val="bg1"/>
-                </a:solidFill>
-              </a:rPr>
-              <a:t>Overall length of stay in ED</a:t>
-            </a:r>
-          </a:p>
-          <a:p>
-            <a:pPr lvl="1"/>
-            <a:r>
-              <a:rPr lang="en-AU" dirty="0">
-                <a:solidFill>
-                  <a:schemeClr val="bg1"/>
-                </a:solidFill>
-              </a:rPr>
-              <a:t>Reference: </a:t>
-            </a:r>
-            <a:r>
-              <a:rPr lang="en-AU" dirty="0">
-                <a:solidFill>
-                  <a:schemeClr val="bg1"/>
-                </a:solidFill>
-                <a:hlinkClick r:id="rId2">
-                  <a:extLst>
-                    <a:ext uri="{A12FA001-AC4F-418D-AE19-62706E023703}">
-                      <ahyp:hlinkClr xmlns:ahyp="http://schemas.microsoft.com/office/drawing/2018/hyperlinkcolor" val="tx"/>
-                    </a:ext>
-                  </a:extLst>
-                </a:hlinkClick>
-              </a:rPr>
-              <a:t>https://pubmed.ncbi.nlm.nih.gov/29310983/</a:t>
-            </a:r>
-            <a:r>
-              <a:rPr lang="en-AU" dirty="0">
-                <a:solidFill>
-                  <a:schemeClr val="bg1"/>
-                </a:solidFill>
-              </a:rPr>
-              <a:t> </a:t>
-            </a:r>
-          </a:p>
-          <a:p>
-            <a:r>
-              <a:rPr lang="en-AU" dirty="0">
-                <a:solidFill>
-                  <a:schemeClr val="bg1"/>
-                </a:solidFill>
-              </a:rPr>
-              <a:t>In order to account for the effect of presentation acuity, the ATS standards for triage priority turnaround time were deducted from the time taken to receive medical attention</a:t>
-            </a:r>
-          </a:p>
-          <a:p>
-            <a:pPr lvl="1"/>
-            <a:r>
-              <a:rPr lang="en-AU" dirty="0">
-                <a:solidFill>
-                  <a:schemeClr val="bg1"/>
-                </a:solidFill>
-              </a:rPr>
-              <a:t>The standards indicate that a priority 1 patient should be seen to immediately or within 2 minutes, while a priority 5 patient should be seen to within 120 minutes</a:t>
-            </a:r>
-          </a:p>
-          <a:p>
-            <a:pPr lvl="1"/>
-            <a:r>
-              <a:rPr lang="en-AU" dirty="0">
-                <a:solidFill>
-                  <a:schemeClr val="bg1"/>
-                </a:solidFill>
-              </a:rPr>
-              <a:t>A new variable was created which deducted the expected turnaround time from the time taken to receive medical attention, according to the relative triage priority of the presentation visit</a:t>
-            </a:r>
-          </a:p>
-          <a:p>
-            <a:pPr lvl="1"/>
-            <a:endParaRPr lang="en-AU" dirty="0">
-              <a:solidFill>
-                <a:schemeClr val="bg1"/>
-              </a:solidFill>
-            </a:endParaRPr>
-          </a:p>
-        </p:txBody>
-      </p:sp>
-      <p:sp>
-        <p:nvSpPr>
-          <p:cNvPr id="4" name="Rectangle 3">
-            <a:extLst>
-              <a:ext uri="{FF2B5EF4-FFF2-40B4-BE49-F238E27FC236}">
-                <a16:creationId xmlns:a16="http://schemas.microsoft.com/office/drawing/2014/main" id="{9B9D0024-D443-4CFE-BE82-EDDA528E2B90}"/>
-              </a:ext>
-            </a:extLst>
-          </p:cNvPr>
-          <p:cNvSpPr/>
-          <p:nvPr/>
-        </p:nvSpPr>
-        <p:spPr>
-          <a:xfrm>
-            <a:off x="5971607" y="3244334"/>
-            <a:ext cx="248786" cy="369332"/>
-          </a:xfrm>
-          <a:prstGeom prst="rect">
-            <a:avLst/>
-          </a:prstGeom>
-        </p:spPr>
-        <p:txBody>
-          <a:bodyPr wrap="none">
-            <a:spAutoFit/>
-          </a:bodyPr>
-          <a:lstStyle/>
-          <a:p>
-            <a:r>
               <a:rPr lang="en-AU" dirty="0"/>
-              <a:t>￼</a:t>
+              <a:t>Insert chart </a:t>
             </a:r>
           </a:p>
         </p:txBody>
@@ -5477,7 +5718,7 @@
     </p:spTree>
     <p:extLst>
       <p:ext uri="{BB962C8B-B14F-4D97-AF65-F5344CB8AC3E}">
-        <p14:creationId xmlns:p14="http://schemas.microsoft.com/office/powerpoint/2010/main" val="1665171103"/>
+        <p14:creationId xmlns:p14="http://schemas.microsoft.com/office/powerpoint/2010/main" val="1879876670"/>
       </p:ext>
     </p:extLst>
   </p:cSld>
@@ -5531,12 +5772,7 @@
             <p:ph type="title"/>
           </p:nvPr>
         </p:nvSpPr>
-        <p:spPr>
-          <a:xfrm>
-            <a:off x="581192" y="1129995"/>
-            <a:ext cx="11029616" cy="1188720"/>
-          </a:xfrm>
-        </p:spPr>
+        <p:spPr/>
         <p:txBody>
           <a:bodyPr/>
           <a:lstStyle/>
@@ -5544,10 +5780,10 @@
             <a:r>
               <a:rPr lang="en-AU" dirty="0">
                 <a:solidFill>
-                  <a:schemeClr val="bg1"/>
-                </a:solidFill>
-              </a:rPr>
-              <a:t>Finding 1: triage priority adherence impacts ability to meet ats standards</a:t>
+                  <a:srgbClr val="FF0000"/>
+                </a:solidFill>
+              </a:rPr>
+              <a:t>Data preparation and exploration</a:t>
             </a:r>
           </a:p>
         </p:txBody>
@@ -5581,7 +5817,86 @@
                   <a:schemeClr val="bg1"/>
                 </a:solidFill>
               </a:rPr>
-              <a:t>Within the dataset provided, 53% </a:t>
+              <a:t>Data cleaning</a:t>
+            </a:r>
+          </a:p>
+          <a:p>
+            <a:pPr lvl="1"/>
+            <a:r>
+              <a:rPr lang="en-AU" dirty="0">
+                <a:solidFill>
+                  <a:schemeClr val="bg1"/>
+                </a:solidFill>
+              </a:rPr>
+              <a:t>Identified data quality issues in calculated columns – recalculated using raw data</a:t>
+            </a:r>
+          </a:p>
+          <a:p>
+            <a:pPr lvl="2"/>
+            <a:r>
+              <a:rPr lang="en-AU" dirty="0">
+                <a:solidFill>
+                  <a:schemeClr val="bg1"/>
+                </a:solidFill>
+              </a:rPr>
+              <a:t>6727 incorrectly calculated rows</a:t>
+            </a:r>
+          </a:p>
+          <a:p>
+            <a:pPr lvl="2"/>
+            <a:r>
+              <a:rPr lang="en-AU" dirty="0" err="1">
+                <a:solidFill>
+                  <a:schemeClr val="bg1"/>
+                </a:solidFill>
+              </a:rPr>
+              <a:t>TimeDiff</a:t>
+            </a:r>
+            <a:r>
+              <a:rPr lang="en-AU" dirty="0">
+                <a:solidFill>
+                  <a:schemeClr val="bg1"/>
+                </a:solidFill>
+              </a:rPr>
+              <a:t> </a:t>
+            </a:r>
+            <a:r>
+              <a:rPr lang="en-AU" dirty="0" err="1">
+                <a:solidFill>
+                  <a:schemeClr val="bg1"/>
+                </a:solidFill>
+              </a:rPr>
+              <a:t>TreatDrNr</a:t>
+            </a:r>
+            <a:r>
+              <a:rPr lang="en-AU" dirty="0">
+                <a:solidFill>
+                  <a:schemeClr val="bg1"/>
+                </a:solidFill>
+              </a:rPr>
+              <a:t>-Act. Depart (mins) (mention consult with client)</a:t>
+            </a:r>
+          </a:p>
+          <a:p>
+            <a:pPr lvl="1"/>
+            <a:r>
+              <a:rPr lang="en-AU" dirty="0">
+                <a:solidFill>
+                  <a:schemeClr val="bg1"/>
+                </a:solidFill>
+              </a:rPr>
+              <a:t>Cleansing of free text values in Diagnosis Desc. for standardisation</a:t>
+            </a:r>
+          </a:p>
+          <a:p>
+            <a:pPr lvl="1"/>
+            <a:r>
+              <a:rPr lang="en-AU" dirty="0">
+                <a:solidFill>
+                  <a:schemeClr val="bg1"/>
+                </a:solidFill>
+              </a:rPr>
+              <a:t>Filter out patients with Departure Status Desc. as “</a:t>
             </a:r>
             <a:r>
               <a:rPr lang="en-US" dirty="0">
@@ -5589,18 +5904,7 @@
                   <a:schemeClr val="bg1"/>
                 </a:solidFill>
               </a:rPr>
-              <a:t>of patients receive treatment within an appropriate time relative to their triage category</a:t>
-            </a:r>
-          </a:p>
-          <a:p>
-            <a:pPr lvl="1"/>
-            <a:r>
-              <a:rPr lang="en-US" dirty="0">
-                <a:solidFill>
-                  <a:schemeClr val="bg1"/>
-                </a:solidFill>
-              </a:rPr>
-              <a:t>Compared to the national average (70%), this indicates that the hospital in question underperforms on this metric</a:t>
+              <a:t>PATIENT FOR DELETION BY CAMPUS ADMINISTRATOR” or “DEAD ON ARRIVAL (NO TREATMENT PROVIDED IN ED)”</a:t>
             </a:r>
             <a:endParaRPr lang="en-AU" dirty="0">
               <a:solidFill>
@@ -5615,7 +5919,7 @@
                   <a:schemeClr val="bg1"/>
                 </a:solidFill>
               </a:rPr>
-              <a:t>A new variable was generated to rank the relative priority of a patient compared to those in ED at the same time</a:t>
+              <a:t>Created fields for analysis</a:t>
             </a:r>
           </a:p>
           <a:p>
@@ -5626,78 +5930,50 @@
                   <a:schemeClr val="bg1"/>
                 </a:solidFill>
               </a:rPr>
-              <a:t>The variable uses the patient’s arrival time and expected treatment wait time based on ATS standard triage guidelines</a:t>
+              <a:t>Arrival – Dr seen time in minutes</a:t>
             </a:r>
           </a:p>
           <a:p>
             <a:pPr lvl="1"/>
+            <a:r>
+              <a:rPr lang="en-AU" dirty="0">
+                <a:solidFill>
+                  <a:schemeClr val="bg1"/>
+                </a:solidFill>
+              </a:rPr>
+              <a:t>Number of patients presenting in ED at arrival time of new patience</a:t>
+            </a:r>
+          </a:p>
+          <a:p>
+            <a:pPr lvl="1"/>
+            <a:r>
+              <a:rPr lang="en-AU" dirty="0">
+                <a:solidFill>
+                  <a:schemeClr val="bg1"/>
+                </a:solidFill>
+              </a:rPr>
+              <a:t>Whether a patient is seen to later than their priority </a:t>
+            </a:r>
+            <a:r>
+              <a:rPr lang="en-AU" dirty="0" err="1">
+                <a:solidFill>
+                  <a:schemeClr val="bg1"/>
+                </a:solidFill>
+              </a:rPr>
+              <a:t>rankin</a:t>
+            </a:r>
             <a:endParaRPr lang="en-AU" dirty="0">
               <a:solidFill>
                 <a:schemeClr val="bg1"/>
               </a:solidFill>
             </a:endParaRPr>
           </a:p>
-          <a:p>
-            <a:r>
-              <a:rPr lang="en-AU" dirty="0">
-                <a:solidFill>
-                  <a:schemeClr val="bg1"/>
-                </a:solidFill>
-              </a:rPr>
-              <a:t>It was found that when a patient was seen to later than their expected priority ranking, the likelihood of their wait time exceeding the recommended treatment timeframe significantly increased</a:t>
-            </a:r>
-          </a:p>
-          <a:p>
-            <a:pPr lvl="1"/>
-            <a:r>
-              <a:rPr lang="en-AU" dirty="0">
-                <a:solidFill>
-                  <a:schemeClr val="bg1"/>
-                </a:solidFill>
-              </a:rPr>
-              <a:t>85% vs 38.6%</a:t>
-            </a:r>
-          </a:p>
-        </p:txBody>
-      </p:sp>
-      <p:sp>
-        <p:nvSpPr>
-          <p:cNvPr id="4" name="Rectangle 3">
-            <a:extLst>
-              <a:ext uri="{FF2B5EF4-FFF2-40B4-BE49-F238E27FC236}">
-                <a16:creationId xmlns:a16="http://schemas.microsoft.com/office/drawing/2014/main" id="{9B9D0024-D443-4CFE-BE82-EDDA528E2B90}"/>
-              </a:ext>
-            </a:extLst>
-          </p:cNvPr>
-          <p:cNvSpPr/>
-          <p:nvPr/>
-        </p:nvSpPr>
-        <p:spPr>
-          <a:xfrm>
-            <a:off x="5971607" y="3244334"/>
-            <a:ext cx="248786" cy="369332"/>
-          </a:xfrm>
-          <a:prstGeom prst="rect">
-            <a:avLst/>
-          </a:prstGeom>
-        </p:spPr>
-        <p:txBody>
-          <a:bodyPr wrap="none">
-            <a:spAutoFit/>
-          </a:bodyPr>
-          <a:lstStyle/>
-          <a:p>
-            <a:r>
-              <a:rPr lang="en-AU" dirty="0"/>
-              <a:t>￼</a:t>
-            </a:r>
-          </a:p>
         </p:txBody>
       </p:sp>
     </p:spTree>
     <p:extLst>
       <p:ext uri="{BB962C8B-B14F-4D97-AF65-F5344CB8AC3E}">
-        <p14:creationId xmlns:p14="http://schemas.microsoft.com/office/powerpoint/2010/main" val="3221009819"/>
+        <p14:creationId xmlns:p14="http://schemas.microsoft.com/office/powerpoint/2010/main" val="786558222"/>
       </p:ext>
     </p:extLst>
   </p:cSld>
@@ -5762,7 +6038,7 @@
                   <a:schemeClr val="bg1"/>
                 </a:solidFill>
               </a:rPr>
-              <a:t>Finding 1: Recommendation</a:t>
+              <a:t>Focus: ed performance metrics</a:t>
             </a:r>
           </a:p>
         </p:txBody>
@@ -5785,36 +6061,18 @@
         </p:nvSpPr>
         <p:spPr/>
         <p:txBody>
-          <a:bodyPr/>
-          <a:lstStyle/>
-          <a:p>
-            <a:r>
-              <a:rPr lang="en-AU" dirty="0">
-                <a:solidFill>
-                  <a:schemeClr val="bg1"/>
-                </a:solidFill>
-              </a:rPr>
-              <a:t>The findings indicate that approximately 32.7% of the time, the patients are being seen to later than their expected priority ranking</a:t>
-            </a:r>
-          </a:p>
-          <a:p>
-            <a:r>
-              <a:rPr lang="en-AU" dirty="0">
-                <a:solidFill>
-                  <a:schemeClr val="bg1"/>
-                </a:solidFill>
-              </a:rPr>
-              <a:t>This accounts for 49.2% of all visits where the patient receives medical attention beyond the ATS timeframe </a:t>
-            </a:r>
-          </a:p>
-          <a:p>
-            <a:r>
-              <a:rPr lang="en-AU" dirty="0">
-                <a:solidFill>
-                  <a:schemeClr val="bg1"/>
-                </a:solidFill>
-              </a:rPr>
-              <a:t>It is recommended that an automated patient ranking system is implemented to support the prioritisation of patient visits, providing ED staff with clear visibility over which patient should be seen to next</a:t>
+          <a:bodyPr>
+            <a:normAutofit lnSpcReduction="10000"/>
+          </a:bodyPr>
+          <a:lstStyle/>
+          <a:p>
+            <a:r>
+              <a:rPr lang="en-AU" dirty="0">
+                <a:solidFill>
+                  <a:schemeClr val="bg1"/>
+                </a:solidFill>
+              </a:rPr>
+              <a:t>Time based Emergency Department performance metrics include:</a:t>
             </a:r>
           </a:p>
           <a:p>
@@ -5825,7 +6083,7 @@
                   <a:schemeClr val="bg1"/>
                 </a:solidFill>
               </a:rPr>
-              <a:t>The system should calculate the relative priority of all patients presenting in ED, and automatically readjust once a new patient is triaged</a:t>
+              <a:t>Length of time taken to receive medical attention from a doctor</a:t>
             </a:r>
           </a:p>
           <a:p>
@@ -5836,7 +6094,7 @@
                   <a:schemeClr val="bg1"/>
                 </a:solidFill>
               </a:rPr>
-              <a:t>Medical staffs should adhere strictly to this ranking system</a:t>
+              <a:t>Length of time between initial medical attention and ED departure</a:t>
             </a:r>
           </a:p>
           <a:p>
@@ -5847,7 +6105,126 @@
                   <a:schemeClr val="bg1"/>
                 </a:solidFill>
               </a:rPr>
-              <a:t>This recommendation is based on the assumption that the triage process produces accurate triage priority for each patient</a:t>
+              <a:t>Overall length of stay in ED</a:t>
+            </a:r>
+          </a:p>
+          <a:p>
+            <a:pPr lvl="1"/>
+            <a:r>
+              <a:rPr lang="en-AU" dirty="0">
+                <a:solidFill>
+                  <a:schemeClr val="bg1"/>
+                </a:solidFill>
+              </a:rPr>
+              <a:t>Reference: </a:t>
+            </a:r>
+            <a:r>
+              <a:rPr lang="en-AU" dirty="0">
+                <a:solidFill>
+                  <a:schemeClr val="bg1"/>
+                </a:solidFill>
+                <a:hlinkClick r:id="rId2">
+                  <a:extLst>
+                    <a:ext uri="{A12FA001-AC4F-418D-AE19-62706E023703}">
+                      <ahyp:hlinkClr xmlns:ahyp="http://schemas.microsoft.com/office/drawing/2018/hyperlinkcolor" val="tx"/>
+                    </a:ext>
+                  </a:extLst>
+                </a:hlinkClick>
+              </a:rPr>
+              <a:t>https://pubmed.ncbi.nlm.nih.gov/29310983/</a:t>
+            </a:r>
+            <a:r>
+              <a:rPr lang="en-AU" dirty="0">
+                <a:solidFill>
+                  <a:schemeClr val="bg1"/>
+                </a:solidFill>
+              </a:rPr>
+              <a:t> </a:t>
+            </a:r>
+          </a:p>
+          <a:p>
+            <a:r>
+              <a:rPr lang="en-AU" dirty="0">
+                <a:solidFill>
+                  <a:schemeClr val="bg1"/>
+                </a:solidFill>
+              </a:rPr>
+              <a:t>In order to account for the effect of presentation acuity, the ATS standards for triage priority turnaround time were deducted from the time taken to receive medical attention</a:t>
+            </a:r>
+          </a:p>
+          <a:p>
+            <a:pPr lvl="1"/>
+            <a:r>
+              <a:rPr lang="en-AU" dirty="0">
+                <a:solidFill>
+                  <a:schemeClr val="bg1"/>
+                </a:solidFill>
+              </a:rPr>
+              <a:t>The standards indicate that a priority 1 patient should be seen to immediately or within 2 minutes, while a priority 5 patient should be seen to within 120 minutes</a:t>
+            </a:r>
+          </a:p>
+          <a:p>
+            <a:pPr lvl="1"/>
+            <a:r>
+              <a:rPr lang="en-AU" dirty="0">
+                <a:solidFill>
+                  <a:schemeClr val="bg1"/>
+                </a:solidFill>
+              </a:rPr>
+              <a:t>A new variable was created which deducted the expected turnaround time from the time taken to receive medical attention, according to the relative triage priority of the presentation visit</a:t>
+            </a:r>
+          </a:p>
+          <a:p>
+            <a:pPr lvl="1"/>
+            <a:r>
+              <a:rPr lang="en-AU" dirty="0">
+                <a:solidFill>
+                  <a:schemeClr val="bg1"/>
+                </a:solidFill>
+              </a:rPr>
+              <a:t>* put in chart to show problem with triage priority wait time</a:t>
+            </a:r>
+          </a:p>
+          <a:p>
+            <a:pPr lvl="1"/>
+            <a:endParaRPr lang="en-AU" dirty="0">
+              <a:solidFill>
+                <a:schemeClr val="bg1"/>
+              </a:solidFill>
+            </a:endParaRPr>
+          </a:p>
+        </p:txBody>
+      </p:sp>
+      <p:sp>
+        <p:nvSpPr>
+          <p:cNvPr id="4" name="Rectangle 3">
+            <a:extLst>
+              <a:ext uri="{FF2B5EF4-FFF2-40B4-BE49-F238E27FC236}">
+                <a16:creationId xmlns:a16="http://schemas.microsoft.com/office/drawing/2014/main" id="{9B9D0024-D443-4CFE-BE82-EDDA528E2B90}"/>
+              </a:ext>
+            </a:extLst>
+          </p:cNvPr>
+          <p:cNvSpPr/>
+          <p:nvPr/>
+        </p:nvSpPr>
+        <p:spPr>
+          <a:xfrm>
+            <a:off x="5971607" y="3244334"/>
+            <a:ext cx="248786" cy="369332"/>
+          </a:xfrm>
+          <a:prstGeom prst="rect">
+            <a:avLst/>
+          </a:prstGeom>
+        </p:spPr>
+        <p:txBody>
+          <a:bodyPr wrap="none">
+            <a:spAutoFit/>
+          </a:bodyPr>
+          <a:lstStyle/>
+          <a:p>
+            <a:r>
+              <a:rPr lang="en-AU" dirty="0"/>
+              <a:t>￼</a:t>
             </a:r>
           </a:p>
         </p:txBody>
@@ -5855,7 +6232,7 @@
     </p:spTree>
     <p:extLst>
       <p:ext uri="{BB962C8B-B14F-4D97-AF65-F5344CB8AC3E}">
-        <p14:creationId xmlns:p14="http://schemas.microsoft.com/office/powerpoint/2010/main" val="620234248"/>
+        <p14:creationId xmlns:p14="http://schemas.microsoft.com/office/powerpoint/2010/main" val="1665171103"/>
       </p:ext>
     </p:extLst>
   </p:cSld>
@@ -5909,7 +6286,12 @@
             <p:ph type="title"/>
           </p:nvPr>
         </p:nvSpPr>
-        <p:spPr/>
+        <p:spPr>
+          <a:xfrm>
+            <a:off x="581192" y="1129995"/>
+            <a:ext cx="11029616" cy="1188720"/>
+          </a:xfrm>
+        </p:spPr>
         <p:txBody>
           <a:bodyPr/>
           <a:lstStyle/>
@@ -5920,7 +6302,7 @@
                   <a:schemeClr val="bg1"/>
                 </a:solidFill>
               </a:rPr>
-              <a:t>Finding 2: PERFORMANCE metrics differ seasonally</a:t>
+              <a:t>Finding 1: triage priority adherence impacts ability to meet ats standards</a:t>
             </a:r>
           </a:p>
         </p:txBody>
@@ -5944,7 +6326,7 @@
         <p:spPr/>
         <p:txBody>
           <a:bodyPr>
-            <a:normAutofit fontScale="85000" lnSpcReduction="10000"/>
+            <a:normAutofit/>
           </a:bodyPr>
           <a:lstStyle/>
           <a:p>
@@ -5954,30 +6336,7 @@
                   <a:schemeClr val="bg1"/>
                 </a:solidFill>
               </a:rPr>
-              <a:t>Seasonal and weekday attributes were found to significantly impact a patient’s time taken to receive medical treatment </a:t>
-            </a:r>
-            <a:r>
-              <a:rPr lang="en-US" dirty="0">
-                <a:solidFill>
-                  <a:schemeClr val="bg1"/>
-                </a:solidFill>
-              </a:rPr>
-              <a:t>relative to their triage category</a:t>
-            </a:r>
-            <a:endParaRPr lang="en-AU" dirty="0">
-              <a:solidFill>
-                <a:schemeClr val="bg1"/>
-              </a:solidFill>
-            </a:endParaRPr>
-          </a:p>
-          <a:p>
-            <a:r>
-              <a:rPr lang="en-AU" dirty="0">
-                <a:solidFill>
-                  <a:schemeClr val="bg1"/>
-                </a:solidFill>
-              </a:rPr>
-              <a:t>On Mondays, patients’ average wait time relative to their triage category is significantly higher than other days of the week</a:t>
+              <a:t>A new variable was generated to rank the relative priority of a patient compared to those in ED at the same time</a:t>
             </a:r>
           </a:p>
           <a:p>
@@ -5988,7 +6347,7 @@
                   <a:schemeClr val="bg1"/>
                 </a:solidFill>
               </a:rPr>
-              <a:t>ED patient volumes were not found to be a possible explanation for this finding, as Monday volumes were reflective of the average ED volume throughout the week</a:t>
+              <a:t>The variable uses the patient’s arrival time and expected treatment wait time based on ATS standard triage guidelines</a:t>
             </a:r>
           </a:p>
           <a:p>
@@ -6006,7 +6365,7 @@
                   <a:schemeClr val="bg1"/>
                 </a:solidFill>
               </a:rPr>
-              <a:t>Within the month of July, patients’ average wait time relative to their triage category is significantly higher than other months</a:t>
+              <a:t>It was found that when a patient was seen to later than their expected priority ranking, the likelihood of their wait time exceeding the recommended treatment timeframe significantly increased</a:t>
             </a:r>
           </a:p>
           <a:p>
@@ -6017,39 +6376,7 @@
                   <a:schemeClr val="bg1"/>
                 </a:solidFill>
               </a:rPr>
-              <a:t>ED patient volumes were also found to not be a possible explanation for this finding</a:t>
-            </a:r>
-          </a:p>
-          <a:p>
-            <a:pPr lvl="1"/>
-            <a:r>
-              <a:rPr lang="en-AU" dirty="0">
-                <a:solidFill>
-                  <a:schemeClr val="bg1"/>
-                </a:solidFill>
-              </a:rPr>
-              <a:t>For May, patients’ average wait time relative to their triage category is significantly lower than other months, despite having comparable patient volumes to July</a:t>
-            </a:r>
-          </a:p>
-          <a:p>
-            <a:r>
-              <a:rPr lang="en-AU" dirty="0">
-                <a:solidFill>
-                  <a:schemeClr val="bg1"/>
-                </a:solidFill>
-              </a:rPr>
-              <a:t>Overall, the better months (where patients receive earlier treatment relative to their triage category) are April, May, June, October, November, and December</a:t>
-            </a:r>
-          </a:p>
-          <a:p>
-            <a:pPr lvl="1"/>
-            <a:r>
-              <a:rPr lang="en-AU" dirty="0">
-                <a:solidFill>
-                  <a:schemeClr val="bg1"/>
-                </a:solidFill>
-              </a:rPr>
-              <a:t>This potentially coincides with medicine/nursing students’ placements</a:t>
+              <a:t>85% vs 38.6%</a:t>
             </a:r>
           </a:p>
         </p:txBody>
@@ -6082,11 +6409,7 @@
           <a:lstStyle/>
           <a:p>
             <a:r>
-              <a:rPr lang="en-AU" dirty="0">
-                <a:solidFill>
-                  <a:schemeClr val="bg1"/>
-                </a:solidFill>
-              </a:rPr>
+              <a:rPr lang="en-AU" dirty="0"/>
               <a:t>￼</a:t>
             </a:r>
           </a:p>
@@ -6095,7 +6418,7 @@
     </p:spTree>
     <p:extLst>
       <p:ext uri="{BB962C8B-B14F-4D97-AF65-F5344CB8AC3E}">
-        <p14:creationId xmlns:p14="http://schemas.microsoft.com/office/powerpoint/2010/main" val="3978665805"/>
+        <p14:creationId xmlns:p14="http://schemas.microsoft.com/office/powerpoint/2010/main" val="3221009819"/>
       </p:ext>
     </p:extLst>
   </p:cSld>
@@ -6160,7 +6483,7 @@
                   <a:schemeClr val="bg1"/>
                 </a:solidFill>
               </a:rPr>
-              <a:t>Finding 2: Recommendation</a:t>
+              <a:t>Finding 1: Recommendation</a:t>
             </a:r>
           </a:p>
         </p:txBody>
@@ -6192,17 +6515,7 @@
                   <a:schemeClr val="bg1"/>
                 </a:solidFill>
               </a:rPr>
-              <a:t>Seasonal difference in treatment wait time should be investigated further to understand the underlying cause</a:t>
-            </a:r>
-          </a:p>
-          <a:p>
-            <a:r>
-              <a:rPr lang="en-AU" dirty="0">
-                <a:solidFill>
-                  <a:schemeClr val="bg1"/>
-                </a:solidFill>
-              </a:rPr>
-              <a:t>There is potential understaffing on Mondays</a:t>
+              <a:t>It is recommended that an automated patient ranking system is implemented to support the prioritisation of patient visits, providing ED staff with clear visibility over which patient should be seen to next</a:t>
             </a:r>
           </a:p>
           <a:p>
@@ -6213,7 +6526,29 @@
                   <a:schemeClr val="bg1"/>
                 </a:solidFill>
               </a:rPr>
-              <a:t>This aspect should be investigated further</a:t>
+              <a:t>The system should calculate the relative priority of all patients presenting in ED, and automatically readjust once a new patient is triaged</a:t>
+            </a:r>
+          </a:p>
+          <a:p>
+            <a:pPr lvl="1"/>
+            <a:r>
+              <a:rPr lang="en-AU" dirty="0">
+                <a:solidFill>
+                  <a:schemeClr val="bg1"/>
+                </a:solidFill>
+              </a:rPr>
+              <a:t>Medical staffs should adhere strictly to this ranking system</a:t>
+            </a:r>
+          </a:p>
+          <a:p>
+            <a:pPr lvl="1"/>
+            <a:r>
+              <a:rPr lang="en-AU" dirty="0">
+                <a:solidFill>
+                  <a:schemeClr val="bg1"/>
+                </a:solidFill>
+              </a:rPr>
+              <a:t>This recommendation is based on the assumption that the triage process produces accurate triage priority for each patient</a:t>
             </a:r>
           </a:p>
         </p:txBody>
@@ -6221,7 +6556,7 @@
     </p:spTree>
     <p:extLst>
       <p:ext uri="{BB962C8B-B14F-4D97-AF65-F5344CB8AC3E}">
-        <p14:creationId xmlns:p14="http://schemas.microsoft.com/office/powerpoint/2010/main" val="2742963151"/>
+        <p14:creationId xmlns:p14="http://schemas.microsoft.com/office/powerpoint/2010/main" val="620234248"/>
       </p:ext>
     </p:extLst>
   </p:cSld>
@@ -6544,23 +6879,6 @@
 </file>
 
 <file path=customXml/item1.xml><?xml version="1.0" encoding="utf-8"?>
-<p:properties xmlns:p="http://schemas.microsoft.com/office/2006/metadata/properties" xmlns:xsi="http://www.w3.org/2001/XMLSchema-instance" xmlns:pc="http://schemas.microsoft.com/office/infopath/2007/PartnerControls">
-  <documentManagement>
-    <MediaServiceKeyPoints xmlns="32be8c37-6170-4221-a416-4234ca1fbb8b" xsi:nil="true"/>
-  </documentManagement>
-</p:properties>
-</file>
-
-<file path=customXml/item2.xml><?xml version="1.0" encoding="utf-8"?>
-<?mso-contentType ?>
-<FormTemplates xmlns="http://schemas.microsoft.com/sharepoint/v3/contenttype/forms">
-  <Display>DocumentLibraryForm</Display>
-  <Edit>DocumentLibraryForm</Edit>
-  <New>DocumentLibraryForm</New>
-</FormTemplates>
-</file>
-
-<file path=customXml/item3.xml><?xml version="1.0" encoding="utf-8"?>
 <ct:contentTypeSchema xmlns:ct="http://schemas.microsoft.com/office/2006/metadata/contentType" xmlns:ma="http://schemas.microsoft.com/office/2006/metadata/properties/metaAttributes" ct:_="" ma:_="" ma:contentTypeName="Document" ma:contentTypeID="0x0101007E95CA87BA5F8C4390CE7AED445FEF9E" ma:contentTypeVersion="12" ma:contentTypeDescription="Create a new document." ma:contentTypeScope="" ma:versionID="333f06e4aca8fe5bbdf382a296de391d">
   <xsd:schema xmlns:xsd="http://www.w3.org/2001/XMLSchema" xmlns:xs="http://www.w3.org/2001/XMLSchema" xmlns:p="http://schemas.microsoft.com/office/2006/metadata/properties" xmlns:ns3="32be8c37-6170-4221-a416-4234ca1fbb8b" xmlns:ns4="0f0005cc-4d76-4415-a506-4a03755ed952" targetNamespace="http://schemas.microsoft.com/office/2006/metadata/properties" ma:root="true" ma:fieldsID="c5b57053c865d79f8c207aa7076d15ce" ns3:_="" ns4:_="">
     <xsd:import namespace="32be8c37-6170-4221-a416-4234ca1fbb8b"/>
@@ -6777,32 +7095,24 @@
 </ct:contentTypeSchema>
 </file>
 
-<file path=customXml/itemProps1.xml><?xml version="1.0" encoding="utf-8"?>
-<ds:datastoreItem xmlns:ds="http://schemas.openxmlformats.org/officeDocument/2006/customXml" ds:itemID="{F2455B2D-BAB7-438A-85DA-0266A24CB79F}">
-  <ds:schemaRefs>
-    <ds:schemaRef ds:uri="http://purl.org/dc/dcmitype/"/>
-    <ds:schemaRef ds:uri="http://schemas.openxmlformats.org/package/2006/metadata/core-properties"/>
-    <ds:schemaRef ds:uri="http://schemas.microsoft.com/office/2006/documentManagement/types"/>
-    <ds:schemaRef ds:uri="http://www.w3.org/XML/1998/namespace"/>
-    <ds:schemaRef ds:uri="http://purl.org/dc/terms/"/>
-    <ds:schemaRef ds:uri="http://schemas.microsoft.com/office/infopath/2007/PartnerControls"/>
-    <ds:schemaRef ds:uri="http://purl.org/dc/elements/1.1/"/>
-    <ds:schemaRef ds:uri="0f0005cc-4d76-4415-a506-4a03755ed952"/>
-    <ds:schemaRef ds:uri="32be8c37-6170-4221-a416-4234ca1fbb8b"/>
-    <ds:schemaRef ds:uri="http://schemas.microsoft.com/office/2006/metadata/properties"/>
-  </ds:schemaRefs>
-</ds:datastoreItem>
+<file path=customXml/item2.xml><?xml version="1.0" encoding="utf-8"?>
+<?mso-contentType ?>
+<FormTemplates xmlns="http://schemas.microsoft.com/sharepoint/v3/contenttype/forms">
+  <Display>DocumentLibraryForm</Display>
+  <Edit>DocumentLibraryForm</Edit>
+  <New>DocumentLibraryForm</New>
+</FormTemplates>
 </file>
 
-<file path=customXml/itemProps2.xml><?xml version="1.0" encoding="utf-8"?>
-<ds:datastoreItem xmlns:ds="http://schemas.openxmlformats.org/officeDocument/2006/customXml" ds:itemID="{D8C6403A-684A-431F-8F36-A24C99E28661}">
-  <ds:schemaRefs>
-    <ds:schemaRef ds:uri="http://schemas.microsoft.com/sharepoint/v3/contenttype/forms"/>
-  </ds:schemaRefs>
-</ds:datastoreItem>
+<file path=customXml/item3.xml><?xml version="1.0" encoding="utf-8"?>
+<p:properties xmlns:p="http://schemas.microsoft.com/office/2006/metadata/properties" xmlns:xsi="http://www.w3.org/2001/XMLSchema-instance" xmlns:pc="http://schemas.microsoft.com/office/infopath/2007/PartnerControls">
+  <documentManagement>
+    <MediaServiceKeyPoints xmlns="32be8c37-6170-4221-a416-4234ca1fbb8b" xsi:nil="true"/>
+  </documentManagement>
+</p:properties>
 </file>
 
-<file path=customXml/itemProps3.xml><?xml version="1.0" encoding="utf-8"?>
+<file path=customXml/itemProps1.xml><?xml version="1.0" encoding="utf-8"?>
 <ds:datastoreItem xmlns:ds="http://schemas.openxmlformats.org/officeDocument/2006/customXml" ds:itemID="{E037EF0D-C764-4BB7-965A-187694878862}">
   <ds:schemaRefs>
     <ds:schemaRef ds:uri="http://schemas.microsoft.com/office/2006/metadata/contentType"/>
@@ -6819,4 +7129,22 @@
     <ds:schemaRef ds:uri="http://schemas.microsoft.com/internal/obd"/>
   </ds:schemaRefs>
 </ds:datastoreItem>
+</file>
+
+<file path=customXml/itemProps2.xml><?xml version="1.0" encoding="utf-8"?>
+<ds:datastoreItem xmlns:ds="http://schemas.openxmlformats.org/officeDocument/2006/customXml" ds:itemID="{D8C6403A-684A-431F-8F36-A24C99E28661}">
+  <ds:schemaRefs>
+    <ds:schemaRef ds:uri="http://schemas.microsoft.com/sharepoint/v3/contenttype/forms"/>
+  </ds:schemaRefs>
+</ds:datastoreItem>
+</file>
+
+<file path=customXml/itemProps3.xml><?xml version="1.0" encoding="utf-8"?>
+<ds:datastoreItem xmlns:ds="http://schemas.openxmlformats.org/officeDocument/2006/customXml" ds:itemID="{F2455B2D-BAB7-438A-85DA-0266A24CB79F}">
+  <ds:schemaRefs>
+    <ds:schemaRef ds:uri="http://schemas.microsoft.com/office/2006/metadata/properties"/>
+    <ds:schemaRef ds:uri="http://schemas.microsoft.com/office/infopath/2007/PartnerControls"/>
+    <ds:schemaRef ds:uri="32be8c37-6170-4221-a416-4234ca1fbb8b"/>
+  </ds:schemaRefs>
+</ds:datastoreItem>
 </file>
--- a/stuff.pptx
+++ b/stuff.pptx
@@ -13,14 +13,16 @@
     <p:sldId id="284" r:id="rId10"/>
     <p:sldId id="297" r:id="rId11"/>
     <p:sldId id="299" r:id="rId12"/>
-    <p:sldId id="288" r:id="rId13"/>
-    <p:sldId id="285" r:id="rId14"/>
-    <p:sldId id="300" r:id="rId15"/>
-    <p:sldId id="301" r:id="rId16"/>
-    <p:sldId id="293" r:id="rId17"/>
-    <p:sldId id="289" r:id="rId18"/>
-    <p:sldId id="291" r:id="rId19"/>
-    <p:sldId id="290" r:id="rId20"/>
+    <p:sldId id="302" r:id="rId13"/>
+    <p:sldId id="288" r:id="rId14"/>
+    <p:sldId id="303" r:id="rId15"/>
+    <p:sldId id="285" r:id="rId16"/>
+    <p:sldId id="300" r:id="rId17"/>
+    <p:sldId id="301" r:id="rId18"/>
+    <p:sldId id="293" r:id="rId19"/>
+    <p:sldId id="289" r:id="rId20"/>
+    <p:sldId id="291" r:id="rId21"/>
+    <p:sldId id="290" r:id="rId22"/>
   </p:sldIdLst>
   <p:sldSz cx="12192000" cy="6858000"/>
   <p:notesSz cx="6858000" cy="9144000"/>
@@ -122,12 +124,12 @@
   <p:extLst>
     <p:ext uri="{EFAFB233-063F-42B5-8137-9DF3F51BA10A}">
       <p15:sldGuideLst xmlns:p15="http://schemas.microsoft.com/office/powerpoint/2012/main">
-        <p15:guide id="1" orient="horz" pos="4201" userDrawn="1">
+        <p15:guide id="1" orient="horz" pos="4156" userDrawn="1">
           <p15:clr>
             <a:srgbClr val="A4A3A4"/>
           </p15:clr>
         </p15:guide>
-        <p15:guide id="2" pos="5133" userDrawn="1">
+        <p15:guide id="2" pos="438" userDrawn="1">
           <p15:clr>
             <a:srgbClr val="A4A3A4"/>
           </p15:clr>
@@ -2477,7 +2479,7 @@
           <a:p>
             <a:fld id="{ED291B17-9318-49DB-B28B-6E5994AE9581}" type="datetime1">
               <a:rPr lang="en-US" smtClean="0"/>
-              <a:t>3/17/2021</a:t>
+              <a:t>3/18/2021</a:t>
             </a:fld>
             <a:endParaRPr lang="en-US" dirty="0"/>
           </a:p>
@@ -2680,7 +2682,7 @@
           <a:p>
             <a:fld id="{2CED4963-E985-44C4-B8C4-FDD613B7C2F8}" type="datetime1">
               <a:rPr lang="en-US" smtClean="0"/>
-              <a:t>3/17/2021</a:t>
+              <a:t>3/18/2021</a:t>
             </a:fld>
             <a:endParaRPr lang="en-US" dirty="0"/>
           </a:p>
@@ -3042,7 +3044,7 @@
           <a:p>
             <a:fld id="{ED291B17-9318-49DB-B28B-6E5994AE9581}" type="datetime1">
               <a:rPr lang="en-US" smtClean="0"/>
-              <a:t>3/17/2021</a:t>
+              <a:t>3/18/2021</a:t>
             </a:fld>
             <a:endParaRPr lang="en-US" dirty="0"/>
           </a:p>
@@ -3239,7 +3241,7 @@
           <a:p>
             <a:fld id="{78DD82B9-B8EE-4375-B6FF-88FA6ABB15D9}" type="datetime1">
               <a:rPr lang="en-US" smtClean="0"/>
-              <a:t>3/17/2021</a:t>
+              <a:t>3/18/2021</a:t>
             </a:fld>
             <a:endParaRPr lang="en-US" dirty="0"/>
           </a:p>
@@ -3551,7 +3553,7 @@
           <a:p>
             <a:fld id="{B2497495-0637-405E-AE64-5CC7506D51F5}" type="datetime1">
               <a:rPr lang="en-US" smtClean="0"/>
-              <a:t>3/17/2021</a:t>
+              <a:t>3/18/2021</a:t>
             </a:fld>
             <a:endParaRPr lang="en-US" dirty="0"/>
           </a:p>
@@ -3804,7 +3806,7 @@
           <a:p>
             <a:fld id="{7BFFD690-9426-415D-8B65-26881E07B2D4}" type="datetime1">
               <a:rPr lang="en-US" smtClean="0"/>
-              <a:t>3/17/2021</a:t>
+              <a:t>3/18/2021</a:t>
             </a:fld>
             <a:endParaRPr lang="en-US" dirty="0"/>
           </a:p>
@@ -4226,7 +4228,7 @@
           <a:p>
             <a:fld id="{04C4989A-474C-40DE-95B9-011C28B71673}" type="datetime1">
               <a:rPr lang="en-US" smtClean="0"/>
-              <a:t>3/17/2021</a:t>
+              <a:t>3/18/2021</a:t>
             </a:fld>
             <a:endParaRPr lang="en-US" dirty="0"/>
           </a:p>
@@ -4349,7 +4351,7 @@
           <a:p>
             <a:fld id="{5DB4ED54-5B5E-4A04-93D3-5772E3CE3818}" type="datetime1">
               <a:rPr lang="en-US" smtClean="0"/>
-              <a:t>3/17/2021</a:t>
+              <a:t>3/18/2021</a:t>
             </a:fld>
             <a:endParaRPr lang="en-US" dirty="0"/>
           </a:p>
@@ -4444,7 +4446,7 @@
           <a:p>
             <a:fld id="{4EDE50D6-574B-40AF-946F-D52A04ADE379}" type="datetime1">
               <a:rPr lang="en-US" smtClean="0"/>
-              <a:t>3/17/2021</a:t>
+              <a:t>3/18/2021</a:t>
             </a:fld>
             <a:endParaRPr lang="en-US" dirty="0"/>
           </a:p>
@@ -4821,7 +4823,7 @@
           <a:p>
             <a:fld id="{D82884F1-FFEA-405F-9602-3DCA865EDA4E}" type="datetime1">
               <a:rPr lang="en-US" smtClean="0"/>
-              <a:t>3/17/2021</a:t>
+              <a:t>3/18/2021</a:t>
             </a:fld>
             <a:endParaRPr lang="en-US" dirty="0"/>
           </a:p>
@@ -5114,7 +5116,7 @@
           <a:p>
             <a:fld id="{7E18DB4A-8810-4A10-AD5C-D5E2C667F5B3}" type="datetime1">
               <a:rPr lang="en-US" smtClean="0"/>
-              <a:t>3/17/2021</a:t>
+              <a:t>3/18/2021</a:t>
             </a:fld>
             <a:endParaRPr lang="en-US" dirty="0"/>
           </a:p>
@@ -5329,7 +5331,7 @@
           <a:p>
             <a:fld id="{ED291B17-9318-49DB-B28B-6E5994AE9581}" type="datetime1">
               <a:rPr lang="en-US" smtClean="0"/>
-              <a:t>3/17/2021</a:t>
+              <a:t>3/18/2021</a:t>
             </a:fld>
             <a:endParaRPr lang="en-US" dirty="0"/>
           </a:p>
@@ -6395,6 +6397,1255 @@
             <p:ph type="title"/>
           </p:nvPr>
         </p:nvSpPr>
+        <p:spPr>
+          <a:xfrm>
+            <a:off x="581192" y="1041215"/>
+            <a:ext cx="11029616" cy="1188720"/>
+          </a:xfrm>
+        </p:spPr>
+        <p:txBody>
+          <a:bodyPr anchor="ctr"/>
+          <a:lstStyle/>
+          <a:p>
+            <a:r>
+              <a:rPr lang="en-AU" dirty="0">
+                <a:solidFill>
+                  <a:schemeClr val="bg1"/>
+                </a:solidFill>
+              </a:rPr>
+              <a:t>priority adherence impacts ability to meet ats standards</a:t>
+            </a:r>
+          </a:p>
+        </p:txBody>
+      </p:sp>
+      <p:sp>
+        <p:nvSpPr>
+          <p:cNvPr id="4" name="Rectangle 3">
+            <a:extLst>
+              <a:ext uri="{FF2B5EF4-FFF2-40B4-BE49-F238E27FC236}">
+                <a16:creationId xmlns:a16="http://schemas.microsoft.com/office/drawing/2014/main" id="{9B9D0024-D443-4CFE-BE82-EDDA528E2B90}"/>
+              </a:ext>
+            </a:extLst>
+          </p:cNvPr>
+          <p:cNvSpPr/>
+          <p:nvPr/>
+        </p:nvSpPr>
+        <p:spPr>
+          <a:xfrm>
+            <a:off x="5971607" y="3244334"/>
+            <a:ext cx="248786" cy="369332"/>
+          </a:xfrm>
+          <a:prstGeom prst="rect">
+            <a:avLst/>
+          </a:prstGeom>
+        </p:spPr>
+        <p:txBody>
+          <a:bodyPr wrap="none">
+            <a:spAutoFit/>
+          </a:bodyPr>
+          <a:lstStyle/>
+          <a:p>
+            <a:r>
+              <a:rPr lang="en-AU" dirty="0"/>
+              <a:t>￼</a:t>
+            </a:r>
+          </a:p>
+        </p:txBody>
+      </p:sp>
+      <p:sp>
+        <p:nvSpPr>
+          <p:cNvPr id="15" name="TextBox 14">
+            <a:extLst>
+              <a:ext uri="{FF2B5EF4-FFF2-40B4-BE49-F238E27FC236}">
+                <a16:creationId xmlns:a16="http://schemas.microsoft.com/office/drawing/2014/main" id="{C23032D8-D733-4F23-85B7-26A4D0EC2A2A}"/>
+              </a:ext>
+            </a:extLst>
+          </p:cNvPr>
+          <p:cNvSpPr txBox="1"/>
+          <p:nvPr/>
+        </p:nvSpPr>
+        <p:spPr>
+          <a:xfrm>
+            <a:off x="8052045" y="2364641"/>
+            <a:ext cx="2867487" cy="800219"/>
+          </a:xfrm>
+          <a:prstGeom prst="rect">
+            <a:avLst/>
+          </a:prstGeom>
+          <a:noFill/>
+        </p:spPr>
+        <p:txBody>
+          <a:bodyPr wrap="square" rtlCol="0">
+            <a:spAutoFit/>
+          </a:bodyPr>
+          <a:lstStyle/>
+          <a:p>
+            <a:r>
+              <a:rPr lang="en-AU" dirty="0">
+                <a:solidFill>
+                  <a:schemeClr val="bg1"/>
+                </a:solidFill>
+              </a:rPr>
+              <a:t>Testing</a:t>
+            </a:r>
+          </a:p>
+          <a:p>
+            <a:r>
+              <a:rPr lang="en-AU" sz="1400" dirty="0">
+                <a:solidFill>
+                  <a:schemeClr val="bg1"/>
+                </a:solidFill>
+              </a:rPr>
+              <a:t>Mann-Whitney U</a:t>
+            </a:r>
+          </a:p>
+          <a:p>
+            <a:r>
+              <a:rPr lang="en-AU" sz="1400" dirty="0">
+                <a:solidFill>
+                  <a:schemeClr val="bg1"/>
+                </a:solidFill>
+              </a:rPr>
+              <a:t>P-value = 0.0</a:t>
+            </a:r>
+          </a:p>
+        </p:txBody>
+      </p:sp>
+      <p:graphicFrame>
+        <p:nvGraphicFramePr>
+          <p:cNvPr id="17" name="Table 16">
+            <a:extLst>
+              <a:ext uri="{FF2B5EF4-FFF2-40B4-BE49-F238E27FC236}">
+                <a16:creationId xmlns:a16="http://schemas.microsoft.com/office/drawing/2014/main" id="{9B77EE7A-2069-47E1-9D99-304DB90EAC6A}"/>
+              </a:ext>
+            </a:extLst>
+          </p:cNvPr>
+          <p:cNvGraphicFramePr>
+            <a:graphicFrameLocks noGrp="1"/>
+          </p:cNvGraphicFramePr>
+          <p:nvPr>
+            <p:extLst>
+              <p:ext uri="{D42A27DB-BD31-4B8C-83A1-F6EECF244321}">
+                <p14:modId xmlns:p14="http://schemas.microsoft.com/office/powerpoint/2010/main" val="1538720589"/>
+              </p:ext>
+            </p:extLst>
+          </p:nvPr>
+        </p:nvGraphicFramePr>
+        <p:xfrm>
+          <a:off x="8158579" y="3613666"/>
+          <a:ext cx="3187082" cy="868680"/>
+        </p:xfrm>
+        <a:graphic>
+          <a:graphicData uri="http://schemas.openxmlformats.org/drawingml/2006/table">
+            <a:tbl>
+              <a:tblPr>
+                <a:tableStyleId>{5C22544A-7EE6-4342-B048-85BDC9FD1C3A}</a:tableStyleId>
+              </a:tblPr>
+              <a:tblGrid>
+                <a:gridCol w="1744652">
+                  <a:extLst>
+                    <a:ext uri="{9D8B030D-6E8A-4147-A177-3AD203B41FA5}">
+                      <a16:colId xmlns:a16="http://schemas.microsoft.com/office/drawing/2014/main" val="3024168703"/>
+                    </a:ext>
+                  </a:extLst>
+                </a:gridCol>
+                <a:gridCol w="892933">
+                  <a:extLst>
+                    <a:ext uri="{9D8B030D-6E8A-4147-A177-3AD203B41FA5}">
+                      <a16:colId xmlns:a16="http://schemas.microsoft.com/office/drawing/2014/main" val="3572954459"/>
+                    </a:ext>
+                  </a:extLst>
+                </a:gridCol>
+                <a:gridCol w="549497">
+                  <a:extLst>
+                    <a:ext uri="{9D8B030D-6E8A-4147-A177-3AD203B41FA5}">
+                      <a16:colId xmlns:a16="http://schemas.microsoft.com/office/drawing/2014/main" val="1573891024"/>
+                    </a:ext>
+                  </a:extLst>
+                </a:gridCol>
+              </a:tblGrid>
+              <a:tr h="182880">
+                <a:tc>
+                  <a:txBody>
+                    <a:bodyPr/>
+                    <a:lstStyle/>
+                    <a:p>
+                      <a:pPr algn="ctr" fontAlgn="t"/>
+                      <a:endParaRPr lang="en-AU" sz="1100" b="1" i="0" u="none" strike="noStrike" dirty="0">
+                        <a:solidFill>
+                          <a:schemeClr val="bg1"/>
+                        </a:solidFill>
+                        <a:effectLst/>
+                        <a:latin typeface="Calibri" panose="020F0502020204030204" pitchFamily="34" charset="0"/>
+                      </a:endParaRPr>
+                    </a:p>
+                  </a:txBody>
+                  <a:tcPr marL="7620" marR="7620" marT="7620" marB="0" anchor="ctr">
+                    <a:noFill/>
+                  </a:tcPr>
+                </a:tc>
+                <a:tc>
+                  <a:txBody>
+                    <a:bodyPr/>
+                    <a:lstStyle/>
+                    <a:p>
+                      <a:pPr algn="ctr" fontAlgn="t"/>
+                      <a:r>
+                        <a:rPr lang="en-AU" sz="1100" u="none" strike="noStrike">
+                          <a:solidFill>
+                            <a:schemeClr val="bg1"/>
+                          </a:solidFill>
+                          <a:effectLst/>
+                        </a:rPr>
+                        <a:t>Mean rank</a:t>
+                      </a:r>
+                      <a:endParaRPr lang="en-AU" sz="1100" b="1" i="0" u="none" strike="noStrike">
+                        <a:solidFill>
+                          <a:schemeClr val="bg1"/>
+                        </a:solidFill>
+                        <a:effectLst/>
+                        <a:latin typeface="Calibri" panose="020F0502020204030204" pitchFamily="34" charset="0"/>
+                      </a:endParaRPr>
+                    </a:p>
+                  </a:txBody>
+                  <a:tcPr marL="7620" marR="7620" marT="7620" marB="0" anchor="ctr">
+                    <a:noFill/>
+                  </a:tcPr>
+                </a:tc>
+                <a:tc>
+                  <a:txBody>
+                    <a:bodyPr/>
+                    <a:lstStyle/>
+                    <a:p>
+                      <a:pPr algn="ctr" fontAlgn="t"/>
+                      <a:r>
+                        <a:rPr lang="en-AU" sz="1100" u="none" strike="noStrike">
+                          <a:solidFill>
+                            <a:schemeClr val="bg1"/>
+                          </a:solidFill>
+                          <a:effectLst/>
+                        </a:rPr>
+                        <a:t>Median</a:t>
+                      </a:r>
+                      <a:endParaRPr lang="en-AU" sz="1100" b="1" i="0" u="none" strike="noStrike">
+                        <a:solidFill>
+                          <a:schemeClr val="bg1"/>
+                        </a:solidFill>
+                        <a:effectLst/>
+                        <a:latin typeface="Calibri" panose="020F0502020204030204" pitchFamily="34" charset="0"/>
+                      </a:endParaRPr>
+                    </a:p>
+                  </a:txBody>
+                  <a:tcPr marL="7620" marR="7620" marT="7620" marB="0" anchor="ctr">
+                    <a:noFill/>
+                  </a:tcPr>
+                </a:tc>
+                <a:extLst>
+                  <a:ext uri="{0D108BD9-81ED-4DB2-BD59-A6C34878D82A}">
+                    <a16:rowId xmlns:a16="http://schemas.microsoft.com/office/drawing/2014/main" val="2589884172"/>
+                  </a:ext>
+                </a:extLst>
+              </a:tr>
+              <a:tr h="182880">
+                <a:tc>
+                  <a:txBody>
+                    <a:bodyPr/>
+                    <a:lstStyle/>
+                    <a:p>
+                      <a:pPr algn="ctr" fontAlgn="b"/>
+                      <a:r>
+                        <a:rPr lang="en-AU" sz="1100" u="none" strike="noStrike" dirty="0">
+                          <a:solidFill>
+                            <a:schemeClr val="bg1"/>
+                          </a:solidFill>
+                          <a:effectLst/>
+                        </a:rPr>
+                        <a:t>Not treated later than expected priority</a:t>
+                      </a:r>
+                      <a:endParaRPr lang="en-AU" sz="1100" b="0" i="0" u="none" strike="noStrike" dirty="0">
+                        <a:solidFill>
+                          <a:schemeClr val="bg1"/>
+                        </a:solidFill>
+                        <a:effectLst/>
+                        <a:latin typeface="Calibri" panose="020F0502020204030204" pitchFamily="34" charset="0"/>
+                      </a:endParaRPr>
+                    </a:p>
+                  </a:txBody>
+                  <a:tcPr marL="7620" marR="7620" marT="7620" marB="0" anchor="ctr">
+                    <a:noFill/>
+                  </a:tcPr>
+                </a:tc>
+                <a:tc>
+                  <a:txBody>
+                    <a:bodyPr/>
+                    <a:lstStyle/>
+                    <a:p>
+                      <a:pPr algn="ctr" fontAlgn="b"/>
+                      <a:r>
+                        <a:rPr lang="en-AU" sz="1100" u="none" strike="noStrike">
+                          <a:solidFill>
+                            <a:schemeClr val="bg1"/>
+                          </a:solidFill>
+                          <a:effectLst/>
+                        </a:rPr>
+                        <a:t>11928.17059</a:t>
+                      </a:r>
+                      <a:endParaRPr lang="en-AU" sz="1100" b="0" i="0" u="none" strike="noStrike">
+                        <a:solidFill>
+                          <a:schemeClr val="bg1"/>
+                        </a:solidFill>
+                        <a:effectLst/>
+                        <a:latin typeface="Calibri" panose="020F0502020204030204" pitchFamily="34" charset="0"/>
+                      </a:endParaRPr>
+                    </a:p>
+                  </a:txBody>
+                  <a:tcPr marL="7620" marR="7620" marT="7620" marB="0" anchor="ctr">
+                    <a:noFill/>
+                  </a:tcPr>
+                </a:tc>
+                <a:tc>
+                  <a:txBody>
+                    <a:bodyPr/>
+                    <a:lstStyle/>
+                    <a:p>
+                      <a:pPr algn="ctr" fontAlgn="b"/>
+                      <a:r>
+                        <a:rPr lang="en-AU" sz="1100" u="none" strike="noStrike">
+                          <a:solidFill>
+                            <a:schemeClr val="bg1"/>
+                          </a:solidFill>
+                          <a:effectLst/>
+                        </a:rPr>
+                        <a:t>-5</a:t>
+                      </a:r>
+                      <a:endParaRPr lang="en-AU" sz="1100" b="0" i="0" u="none" strike="noStrike">
+                        <a:solidFill>
+                          <a:schemeClr val="bg1"/>
+                        </a:solidFill>
+                        <a:effectLst/>
+                        <a:latin typeface="Calibri" panose="020F0502020204030204" pitchFamily="34" charset="0"/>
+                      </a:endParaRPr>
+                    </a:p>
+                  </a:txBody>
+                  <a:tcPr marL="7620" marR="7620" marT="7620" marB="0" anchor="ctr">
+                    <a:noFill/>
+                  </a:tcPr>
+                </a:tc>
+                <a:extLst>
+                  <a:ext uri="{0D108BD9-81ED-4DB2-BD59-A6C34878D82A}">
+                    <a16:rowId xmlns:a16="http://schemas.microsoft.com/office/drawing/2014/main" val="1156218767"/>
+                  </a:ext>
+                </a:extLst>
+              </a:tr>
+              <a:tr h="182880">
+                <a:tc>
+                  <a:txBody>
+                    <a:bodyPr/>
+                    <a:lstStyle/>
+                    <a:p>
+                      <a:pPr algn="ctr" fontAlgn="b"/>
+                      <a:r>
+                        <a:rPr lang="en-AU" sz="1100" b="0" i="0" u="none" strike="noStrike" dirty="0">
+                          <a:solidFill>
+                            <a:schemeClr val="bg1"/>
+                          </a:solidFill>
+                          <a:effectLst/>
+                          <a:latin typeface="Calibri" panose="020F0502020204030204" pitchFamily="34" charset="0"/>
+                        </a:rPr>
+                        <a:t>Treated later than expected priority</a:t>
+                      </a:r>
+                    </a:p>
+                  </a:txBody>
+                  <a:tcPr marL="7620" marR="7620" marT="7620" marB="0" anchor="ctr">
+                    <a:noFill/>
+                  </a:tcPr>
+                </a:tc>
+                <a:tc>
+                  <a:txBody>
+                    <a:bodyPr/>
+                    <a:lstStyle/>
+                    <a:p>
+                      <a:pPr algn="ctr" fontAlgn="b"/>
+                      <a:r>
+                        <a:rPr lang="en-AU" sz="1100" u="none" strike="noStrike">
+                          <a:solidFill>
+                            <a:schemeClr val="bg1"/>
+                          </a:solidFill>
+                          <a:effectLst/>
+                        </a:rPr>
+                        <a:t>21945.97418</a:t>
+                      </a:r>
+                      <a:endParaRPr lang="en-AU" sz="1100" b="0" i="0" u="none" strike="noStrike">
+                        <a:solidFill>
+                          <a:schemeClr val="bg1"/>
+                        </a:solidFill>
+                        <a:effectLst/>
+                        <a:latin typeface="Calibri" panose="020F0502020204030204" pitchFamily="34" charset="0"/>
+                      </a:endParaRPr>
+                    </a:p>
+                  </a:txBody>
+                  <a:tcPr marL="7620" marR="7620" marT="7620" marB="0" anchor="ctr">
+                    <a:noFill/>
+                  </a:tcPr>
+                </a:tc>
+                <a:tc>
+                  <a:txBody>
+                    <a:bodyPr/>
+                    <a:lstStyle/>
+                    <a:p>
+                      <a:pPr algn="ctr" fontAlgn="b"/>
+                      <a:r>
+                        <a:rPr lang="en-AU" sz="1100" u="none" strike="noStrike" dirty="0">
+                          <a:solidFill>
+                            <a:schemeClr val="bg1"/>
+                          </a:solidFill>
+                          <a:effectLst/>
+                        </a:rPr>
+                        <a:t>62</a:t>
+                      </a:r>
+                      <a:endParaRPr lang="en-AU" sz="1100" b="0" i="0" u="none" strike="noStrike" dirty="0">
+                        <a:solidFill>
+                          <a:schemeClr val="bg1"/>
+                        </a:solidFill>
+                        <a:effectLst/>
+                        <a:latin typeface="Calibri" panose="020F0502020204030204" pitchFamily="34" charset="0"/>
+                      </a:endParaRPr>
+                    </a:p>
+                  </a:txBody>
+                  <a:tcPr marL="7620" marR="7620" marT="7620" marB="0" anchor="ctr">
+                    <a:noFill/>
+                  </a:tcPr>
+                </a:tc>
+                <a:extLst>
+                  <a:ext uri="{0D108BD9-81ED-4DB2-BD59-A6C34878D82A}">
+                    <a16:rowId xmlns:a16="http://schemas.microsoft.com/office/drawing/2014/main" val="2834582576"/>
+                  </a:ext>
+                </a:extLst>
+              </a:tr>
+            </a:tbl>
+          </a:graphicData>
+        </a:graphic>
+      </p:graphicFrame>
+      <p:graphicFrame>
+        <p:nvGraphicFramePr>
+          <p:cNvPr id="18" name="Table 17">
+            <a:extLst>
+              <a:ext uri="{FF2B5EF4-FFF2-40B4-BE49-F238E27FC236}">
+                <a16:creationId xmlns:a16="http://schemas.microsoft.com/office/drawing/2014/main" id="{C36BE894-FC0F-4F36-A19A-E6317CCA976D}"/>
+              </a:ext>
+            </a:extLst>
+          </p:cNvPr>
+          <p:cNvGraphicFramePr>
+            <a:graphicFrameLocks noGrp="1"/>
+          </p:cNvGraphicFramePr>
+          <p:nvPr>
+            <p:extLst>
+              <p:ext uri="{D42A27DB-BD31-4B8C-83A1-F6EECF244321}">
+                <p14:modId xmlns:p14="http://schemas.microsoft.com/office/powerpoint/2010/main" val="1786947538"/>
+              </p:ext>
+            </p:extLst>
+          </p:nvPr>
+        </p:nvGraphicFramePr>
+        <p:xfrm>
+          <a:off x="8158579" y="4883976"/>
+          <a:ext cx="3187082" cy="914400"/>
+        </p:xfrm>
+        <a:graphic>
+          <a:graphicData uri="http://schemas.openxmlformats.org/drawingml/2006/table">
+            <a:tbl>
+              <a:tblPr>
+                <a:tableStyleId>{5C22544A-7EE6-4342-B048-85BDC9FD1C3A}</a:tableStyleId>
+              </a:tblPr>
+              <a:tblGrid>
+                <a:gridCol w="1744652">
+                  <a:extLst>
+                    <a:ext uri="{9D8B030D-6E8A-4147-A177-3AD203B41FA5}">
+                      <a16:colId xmlns:a16="http://schemas.microsoft.com/office/drawing/2014/main" val="3024168703"/>
+                    </a:ext>
+                  </a:extLst>
+                </a:gridCol>
+                <a:gridCol w="892933">
+                  <a:extLst>
+                    <a:ext uri="{9D8B030D-6E8A-4147-A177-3AD203B41FA5}">
+                      <a16:colId xmlns:a16="http://schemas.microsoft.com/office/drawing/2014/main" val="3572954459"/>
+                    </a:ext>
+                  </a:extLst>
+                </a:gridCol>
+                <a:gridCol w="549497">
+                  <a:extLst>
+                    <a:ext uri="{9D8B030D-6E8A-4147-A177-3AD203B41FA5}">
+                      <a16:colId xmlns:a16="http://schemas.microsoft.com/office/drawing/2014/main" val="1573891024"/>
+                    </a:ext>
+                  </a:extLst>
+                </a:gridCol>
+              </a:tblGrid>
+              <a:tr h="182880">
+                <a:tc>
+                  <a:txBody>
+                    <a:bodyPr/>
+                    <a:lstStyle/>
+                    <a:p>
+                      <a:pPr algn="ctr" fontAlgn="t"/>
+                      <a:endParaRPr lang="en-AU" sz="1100" b="1" i="0" u="none" strike="noStrike" dirty="0">
+                        <a:solidFill>
+                          <a:schemeClr val="bg1"/>
+                        </a:solidFill>
+                        <a:effectLst/>
+                        <a:latin typeface="Calibri" panose="020F0502020204030204" pitchFamily="34" charset="0"/>
+                      </a:endParaRPr>
+                    </a:p>
+                  </a:txBody>
+                  <a:tcPr marL="7620" marR="7620" marT="7620" marB="0" anchor="ctr">
+                    <a:noFill/>
+                  </a:tcPr>
+                </a:tc>
+                <a:tc>
+                  <a:txBody>
+                    <a:bodyPr/>
+                    <a:lstStyle/>
+                    <a:p>
+                      <a:pPr algn="ctr" fontAlgn="t"/>
+                      <a:r>
+                        <a:rPr lang="en-AU" sz="1100" u="none" strike="noStrike" dirty="0">
+                          <a:solidFill>
+                            <a:schemeClr val="bg1"/>
+                          </a:solidFill>
+                          <a:effectLst/>
+                        </a:rPr>
+                        <a:t>Late</a:t>
+                      </a:r>
+                      <a:endParaRPr lang="en-AU" sz="1100" b="1" i="0" u="none" strike="noStrike" dirty="0">
+                        <a:solidFill>
+                          <a:schemeClr val="bg1"/>
+                        </a:solidFill>
+                        <a:effectLst/>
+                        <a:latin typeface="Calibri" panose="020F0502020204030204" pitchFamily="34" charset="0"/>
+                      </a:endParaRPr>
+                    </a:p>
+                  </a:txBody>
+                  <a:tcPr marL="7620" marR="7620" marT="7620" marB="0" anchor="ctr">
+                    <a:noFill/>
+                  </a:tcPr>
+                </a:tc>
+                <a:tc>
+                  <a:txBody>
+                    <a:bodyPr/>
+                    <a:lstStyle/>
+                    <a:p>
+                      <a:pPr algn="ctr" fontAlgn="t"/>
+                      <a:r>
+                        <a:rPr lang="en-AU" sz="1100" u="none" strike="noStrike" dirty="0">
+                          <a:solidFill>
+                            <a:schemeClr val="bg1"/>
+                          </a:solidFill>
+                          <a:effectLst/>
+                        </a:rPr>
+                        <a:t>Count</a:t>
+                      </a:r>
+                      <a:endParaRPr lang="en-AU" sz="1100" b="1" i="0" u="none" strike="noStrike" dirty="0">
+                        <a:solidFill>
+                          <a:schemeClr val="bg1"/>
+                        </a:solidFill>
+                        <a:effectLst/>
+                        <a:latin typeface="Calibri" panose="020F0502020204030204" pitchFamily="34" charset="0"/>
+                      </a:endParaRPr>
+                    </a:p>
+                  </a:txBody>
+                  <a:tcPr marL="7620" marR="7620" marT="7620" marB="0" anchor="ctr">
+                    <a:noFill/>
+                  </a:tcPr>
+                </a:tc>
+                <a:extLst>
+                  <a:ext uri="{0D108BD9-81ED-4DB2-BD59-A6C34878D82A}">
+                    <a16:rowId xmlns:a16="http://schemas.microsoft.com/office/drawing/2014/main" val="2589884172"/>
+                  </a:ext>
+                </a:extLst>
+              </a:tr>
+              <a:tr h="182880">
+                <a:tc rowSpan="2">
+                  <a:txBody>
+                    <a:bodyPr/>
+                    <a:lstStyle/>
+                    <a:p>
+                      <a:pPr algn="ctr" fontAlgn="b"/>
+                      <a:r>
+                        <a:rPr lang="en-AU" sz="1100" u="none" strike="noStrike" dirty="0">
+                          <a:solidFill>
+                            <a:schemeClr val="bg1"/>
+                          </a:solidFill>
+                          <a:effectLst/>
+                        </a:rPr>
+                        <a:t>Not treated later than expected priority</a:t>
+                      </a:r>
+                      <a:endParaRPr lang="en-AU" sz="1100" b="0" i="0" u="none" strike="noStrike" dirty="0">
+                        <a:solidFill>
+                          <a:schemeClr val="bg1"/>
+                        </a:solidFill>
+                        <a:effectLst/>
+                        <a:latin typeface="Calibri" panose="020F0502020204030204" pitchFamily="34" charset="0"/>
+                      </a:endParaRPr>
+                    </a:p>
+                  </a:txBody>
+                  <a:tcPr marL="7620" marR="7620" marT="7620" marB="0" anchor="ctr">
+                    <a:noFill/>
+                  </a:tcPr>
+                </a:tc>
+                <a:tc>
+                  <a:txBody>
+                    <a:bodyPr/>
+                    <a:lstStyle/>
+                    <a:p>
+                      <a:pPr algn="ctr" fontAlgn="b"/>
+                      <a:r>
+                        <a:rPr lang="en-AU" sz="1100" u="none" strike="noStrike" dirty="0">
+                          <a:solidFill>
+                            <a:schemeClr val="bg1"/>
+                          </a:solidFill>
+                          <a:effectLst/>
+                        </a:rPr>
+                        <a:t>0</a:t>
+                      </a:r>
+                      <a:endParaRPr lang="en-AU" sz="1100" b="0" i="0" u="none" strike="noStrike" dirty="0">
+                        <a:solidFill>
+                          <a:schemeClr val="bg1"/>
+                        </a:solidFill>
+                        <a:effectLst/>
+                        <a:latin typeface="Calibri" panose="020F0502020204030204" pitchFamily="34" charset="0"/>
+                      </a:endParaRPr>
+                    </a:p>
+                  </a:txBody>
+                  <a:tcPr marL="7620" marR="7620" marT="7620" marB="0" anchor="ctr">
+                    <a:noFill/>
+                  </a:tcPr>
+                </a:tc>
+                <a:tc>
+                  <a:txBody>
+                    <a:bodyPr/>
+                    <a:lstStyle/>
+                    <a:p>
+                      <a:pPr algn="ctr" fontAlgn="b"/>
+                      <a:r>
+                        <a:rPr lang="en-AU" sz="1100" b="0" i="0" u="none" strike="noStrike" dirty="0">
+                          <a:solidFill>
+                            <a:schemeClr val="bg1"/>
+                          </a:solidFill>
+                          <a:effectLst/>
+                          <a:latin typeface="Calibri" panose="020F0502020204030204" pitchFamily="34" charset="0"/>
+                        </a:rPr>
+                        <a:t>12,764</a:t>
+                      </a:r>
+                    </a:p>
+                  </a:txBody>
+                  <a:tcPr marL="7620" marR="7620" marT="7620" marB="0" anchor="ctr">
+                    <a:noFill/>
+                  </a:tcPr>
+                </a:tc>
+                <a:extLst>
+                  <a:ext uri="{0D108BD9-81ED-4DB2-BD59-A6C34878D82A}">
+                    <a16:rowId xmlns:a16="http://schemas.microsoft.com/office/drawing/2014/main" val="1156218767"/>
+                  </a:ext>
+                </a:extLst>
+              </a:tr>
+              <a:tr h="182880">
+                <a:tc vMerge="1">
+                  <a:txBody>
+                    <a:bodyPr/>
+                    <a:lstStyle/>
+                    <a:p>
+                      <a:pPr algn="ctr" fontAlgn="b"/>
+                      <a:endParaRPr lang="en-AU" sz="1100" b="0" i="0" u="none" strike="noStrike" dirty="0">
+                        <a:solidFill>
+                          <a:schemeClr val="bg1"/>
+                        </a:solidFill>
+                        <a:effectLst/>
+                        <a:latin typeface="Calibri" panose="020F0502020204030204" pitchFamily="34" charset="0"/>
+                      </a:endParaRPr>
+                    </a:p>
+                  </a:txBody>
+                  <a:tcPr marL="7620" marR="7620" marT="7620" marB="0" anchor="ctr">
+                    <a:noFill/>
+                  </a:tcPr>
+                </a:tc>
+                <a:tc>
+                  <a:txBody>
+                    <a:bodyPr/>
+                    <a:lstStyle/>
+                    <a:p>
+                      <a:pPr algn="ctr" fontAlgn="b"/>
+                      <a:r>
+                        <a:rPr lang="en-AU" sz="1100" u="none" strike="noStrike" dirty="0">
+                          <a:solidFill>
+                            <a:schemeClr val="bg1"/>
+                          </a:solidFill>
+                          <a:effectLst/>
+                        </a:rPr>
+                        <a:t>1</a:t>
+                      </a:r>
+                      <a:endParaRPr lang="en-AU" sz="1100" b="0" i="0" u="none" strike="noStrike" dirty="0">
+                        <a:solidFill>
+                          <a:schemeClr val="bg1"/>
+                        </a:solidFill>
+                        <a:effectLst/>
+                        <a:latin typeface="Calibri" panose="020F0502020204030204" pitchFamily="34" charset="0"/>
+                      </a:endParaRPr>
+                    </a:p>
+                  </a:txBody>
+                  <a:tcPr marL="7620" marR="7620" marT="7620" marB="0" anchor="ctr">
+                    <a:noFill/>
+                  </a:tcPr>
+                </a:tc>
+                <a:tc>
+                  <a:txBody>
+                    <a:bodyPr/>
+                    <a:lstStyle/>
+                    <a:p>
+                      <a:pPr algn="ctr" fontAlgn="b"/>
+                      <a:r>
+                        <a:rPr lang="en-AU" sz="1100" b="0" i="0" u="none" strike="noStrike" dirty="0">
+                          <a:solidFill>
+                            <a:schemeClr val="bg1"/>
+                          </a:solidFill>
+                          <a:effectLst/>
+                          <a:latin typeface="Calibri" panose="020F0502020204030204" pitchFamily="34" charset="0"/>
+                        </a:rPr>
+                        <a:t>8,037</a:t>
+                      </a:r>
+                    </a:p>
+                  </a:txBody>
+                  <a:tcPr marL="7620" marR="7620" marT="7620" marB="0" anchor="ctr">
+                    <a:noFill/>
+                  </a:tcPr>
+                </a:tc>
+                <a:extLst>
+                  <a:ext uri="{0D108BD9-81ED-4DB2-BD59-A6C34878D82A}">
+                    <a16:rowId xmlns:a16="http://schemas.microsoft.com/office/drawing/2014/main" val="2834582576"/>
+                  </a:ext>
+                </a:extLst>
+              </a:tr>
+              <a:tr h="182880">
+                <a:tc rowSpan="2">
+                  <a:txBody>
+                    <a:bodyPr/>
+                    <a:lstStyle/>
+                    <a:p>
+                      <a:pPr algn="ctr" fontAlgn="b"/>
+                      <a:r>
+                        <a:rPr lang="en-AU" sz="1100" b="0" i="0" u="none" strike="noStrike" dirty="0">
+                          <a:solidFill>
+                            <a:schemeClr val="bg1"/>
+                          </a:solidFill>
+                          <a:effectLst/>
+                          <a:latin typeface="Calibri" panose="020F0502020204030204" pitchFamily="34" charset="0"/>
+                        </a:rPr>
+                        <a:t>Treated later than expected priority</a:t>
+                      </a:r>
+                    </a:p>
+                  </a:txBody>
+                  <a:tcPr marL="7620" marR="7620" marT="7620" marB="0" anchor="ctr">
+                    <a:noFill/>
+                  </a:tcPr>
+                </a:tc>
+                <a:tc>
+                  <a:txBody>
+                    <a:bodyPr/>
+                    <a:lstStyle/>
+                    <a:p>
+                      <a:pPr algn="ctr" fontAlgn="b"/>
+                      <a:r>
+                        <a:rPr lang="en-AU" sz="1100" b="0" i="0" u="none" strike="noStrike" dirty="0">
+                          <a:solidFill>
+                            <a:schemeClr val="bg1"/>
+                          </a:solidFill>
+                          <a:effectLst/>
+                          <a:latin typeface="Calibri" panose="020F0502020204030204" pitchFamily="34" charset="0"/>
+                        </a:rPr>
+                        <a:t>0</a:t>
+                      </a:r>
+                    </a:p>
+                  </a:txBody>
+                  <a:tcPr marL="7620" marR="7620" marT="7620" marB="0" anchor="ctr">
+                    <a:noFill/>
+                  </a:tcPr>
+                </a:tc>
+                <a:tc>
+                  <a:txBody>
+                    <a:bodyPr/>
+                    <a:lstStyle/>
+                    <a:p>
+                      <a:pPr algn="ctr" fontAlgn="b"/>
+                      <a:r>
+                        <a:rPr lang="en-AU" sz="1100" b="0" i="0" u="none" strike="noStrike" dirty="0">
+                          <a:solidFill>
+                            <a:schemeClr val="bg1"/>
+                          </a:solidFill>
+                          <a:effectLst/>
+                          <a:latin typeface="Calibri" panose="020F0502020204030204" pitchFamily="34" charset="0"/>
+                        </a:rPr>
+                        <a:t>1,386</a:t>
+                      </a:r>
+                    </a:p>
+                  </a:txBody>
+                  <a:tcPr marL="7620" marR="7620" marT="7620" marB="0" anchor="ctr">
+                    <a:noFill/>
+                  </a:tcPr>
+                </a:tc>
+                <a:extLst>
+                  <a:ext uri="{0D108BD9-81ED-4DB2-BD59-A6C34878D82A}">
+                    <a16:rowId xmlns:a16="http://schemas.microsoft.com/office/drawing/2014/main" val="548321583"/>
+                  </a:ext>
+                </a:extLst>
+              </a:tr>
+              <a:tr h="182880">
+                <a:tc vMerge="1">
+                  <a:txBody>
+                    <a:bodyPr/>
+                    <a:lstStyle/>
+                    <a:p>
+                      <a:pPr algn="ctr" fontAlgn="b"/>
+                      <a:endParaRPr lang="en-AU" sz="1100" b="0" i="0" u="none" strike="noStrike" dirty="0">
+                        <a:solidFill>
+                          <a:schemeClr val="bg1"/>
+                        </a:solidFill>
+                        <a:effectLst/>
+                        <a:latin typeface="Calibri" panose="020F0502020204030204" pitchFamily="34" charset="0"/>
+                      </a:endParaRPr>
+                    </a:p>
+                  </a:txBody>
+                  <a:tcPr marL="7620" marR="7620" marT="7620" marB="0" anchor="ctr">
+                    <a:noFill/>
+                  </a:tcPr>
+                </a:tc>
+                <a:tc>
+                  <a:txBody>
+                    <a:bodyPr/>
+                    <a:lstStyle/>
+                    <a:p>
+                      <a:pPr algn="ctr" fontAlgn="b"/>
+                      <a:r>
+                        <a:rPr lang="en-AU" sz="1100" b="0" i="0" u="none" strike="noStrike" dirty="0">
+                          <a:solidFill>
+                            <a:schemeClr val="bg1"/>
+                          </a:solidFill>
+                          <a:effectLst/>
+                          <a:latin typeface="Calibri" panose="020F0502020204030204" pitchFamily="34" charset="0"/>
+                        </a:rPr>
+                        <a:t>1</a:t>
+                      </a:r>
+                    </a:p>
+                  </a:txBody>
+                  <a:tcPr marL="7620" marR="7620" marT="7620" marB="0" anchor="ctr">
+                    <a:noFill/>
+                  </a:tcPr>
+                </a:tc>
+                <a:tc>
+                  <a:txBody>
+                    <a:bodyPr/>
+                    <a:lstStyle/>
+                    <a:p>
+                      <a:pPr algn="ctr" fontAlgn="b"/>
+                      <a:r>
+                        <a:rPr lang="en-AU" sz="1100" b="0" i="0" u="none" strike="noStrike" dirty="0">
+                          <a:solidFill>
+                            <a:schemeClr val="bg1"/>
+                          </a:solidFill>
+                          <a:effectLst/>
+                          <a:latin typeface="Calibri" panose="020F0502020204030204" pitchFamily="34" charset="0"/>
+                        </a:rPr>
+                        <a:t>7,811</a:t>
+                      </a:r>
+                    </a:p>
+                  </a:txBody>
+                  <a:tcPr marL="7620" marR="7620" marT="7620" marB="0" anchor="ctr">
+                    <a:noFill/>
+                  </a:tcPr>
+                </a:tc>
+                <a:extLst>
+                  <a:ext uri="{0D108BD9-81ED-4DB2-BD59-A6C34878D82A}">
+                    <a16:rowId xmlns:a16="http://schemas.microsoft.com/office/drawing/2014/main" val="4070374013"/>
+                  </a:ext>
+                </a:extLst>
+              </a:tr>
+            </a:tbl>
+          </a:graphicData>
+        </a:graphic>
+      </p:graphicFrame>
+      <p:sp>
+        <p:nvSpPr>
+          <p:cNvPr id="3" name="TextBox 2">
+            <a:extLst>
+              <a:ext uri="{FF2B5EF4-FFF2-40B4-BE49-F238E27FC236}">
+                <a16:creationId xmlns:a16="http://schemas.microsoft.com/office/drawing/2014/main" id="{862A057C-AAB8-4258-B184-F993FDA6BCC1}"/>
+              </a:ext>
+            </a:extLst>
+          </p:cNvPr>
+          <p:cNvSpPr txBox="1"/>
+          <p:nvPr/>
+        </p:nvSpPr>
+        <p:spPr>
+          <a:xfrm>
+            <a:off x="8052045" y="6022758"/>
+            <a:ext cx="3774803" cy="646331"/>
+          </a:xfrm>
+          <a:prstGeom prst="rect">
+            <a:avLst/>
+          </a:prstGeom>
+          <a:noFill/>
+        </p:spPr>
+        <p:txBody>
+          <a:bodyPr wrap="square" rtlCol="0">
+            <a:spAutoFit/>
+          </a:bodyPr>
+          <a:lstStyle/>
+          <a:p>
+            <a:r>
+              <a:rPr lang="en-AU" sz="1200" dirty="0">
+                <a:solidFill>
+                  <a:schemeClr val="bg1"/>
+                </a:solidFill>
+              </a:rPr>
+              <a:t>Patients who are treated later than their expected priority have a significantly longer wait period beyond the ATS recommended timeframe.</a:t>
+            </a:r>
+          </a:p>
+        </p:txBody>
+      </p:sp>
+      <p:pic>
+        <p:nvPicPr>
+          <p:cNvPr id="6" name="Picture 5" descr="Histogram&#10;&#10;Description automatically generated with low confidence">
+            <a:extLst>
+              <a:ext uri="{FF2B5EF4-FFF2-40B4-BE49-F238E27FC236}">
+                <a16:creationId xmlns:a16="http://schemas.microsoft.com/office/drawing/2014/main" id="{C6CABA13-B00D-4F40-B1A4-1836748E741C}"/>
+              </a:ext>
+            </a:extLst>
+          </p:cNvPr>
+          <p:cNvPicPr>
+            <a:picLocks noChangeAspect="1"/>
+          </p:cNvPicPr>
+          <p:nvPr/>
+        </p:nvPicPr>
+        <p:blipFill>
+          <a:blip r:embed="rId2"/>
+          <a:stretch>
+            <a:fillRect/>
+          </a:stretch>
+        </p:blipFill>
+        <p:spPr>
+          <a:xfrm>
+            <a:off x="633271" y="2099473"/>
+            <a:ext cx="5953960" cy="4569616"/>
+          </a:xfrm>
+          <a:prstGeom prst="rect">
+            <a:avLst/>
+          </a:prstGeom>
+        </p:spPr>
+      </p:pic>
+    </p:spTree>
+    <p:extLst>
+      <p:ext uri="{BB962C8B-B14F-4D97-AF65-F5344CB8AC3E}">
+        <p14:creationId xmlns:p14="http://schemas.microsoft.com/office/powerpoint/2010/main" val="3221009819"/>
+      </p:ext>
+    </p:extLst>
+  </p:cSld>
+  <p:clrMapOvr>
+    <a:masterClrMapping/>
+  </p:clrMapOvr>
+</p:sld>
+</file>
+
+<file path=ppt/slides/slide11.xml><?xml version="1.0" encoding="utf-8"?>
+<p:sld xmlns:a="http://schemas.openxmlformats.org/drawingml/2006/main" xmlns:r="http://schemas.openxmlformats.org/officeDocument/2006/relationships" xmlns:p="http://schemas.openxmlformats.org/presentationml/2006/main">
+  <p:cSld>
+    <p:bg>
+      <p:bgPr>
+        <a:solidFill>
+          <a:schemeClr val="tx1">
+            <a:lumMod val="75000"/>
+            <a:lumOff val="25000"/>
+          </a:schemeClr>
+        </a:solidFill>
+        <a:effectLst/>
+      </p:bgPr>
+    </p:bg>
+    <p:spTree>
+      <p:nvGrpSpPr>
+        <p:cNvPr id="1" name=""/>
+        <p:cNvGrpSpPr/>
+        <p:nvPr/>
+      </p:nvGrpSpPr>
+      <p:grpSpPr>
+        <a:xfrm>
+          <a:off x="0" y="0"/>
+          <a:ext cx="0" cy="0"/>
+          <a:chOff x="0" y="0"/>
+          <a:chExt cx="0" cy="0"/>
+        </a:xfrm>
+      </p:grpSpPr>
+      <p:pic>
+        <p:nvPicPr>
+          <p:cNvPr id="7" name="Picture 6" descr="A picture containing text&#10;&#10;Description automatically generated">
+            <a:extLst>
+              <a:ext uri="{FF2B5EF4-FFF2-40B4-BE49-F238E27FC236}">
+                <a16:creationId xmlns:a16="http://schemas.microsoft.com/office/drawing/2014/main" id="{5BE175FE-47C9-44F9-8A05-66EBDF0805CA}"/>
+              </a:ext>
+            </a:extLst>
+          </p:cNvPr>
+          <p:cNvPicPr>
+            <a:picLocks noChangeAspect="1"/>
+          </p:cNvPicPr>
+          <p:nvPr/>
+        </p:nvPicPr>
+        <p:blipFill>
+          <a:blip r:embed="rId2"/>
+          <a:stretch>
+            <a:fillRect/>
+          </a:stretch>
+        </p:blipFill>
+        <p:spPr>
+          <a:xfrm>
+            <a:off x="269914" y="2007305"/>
+            <a:ext cx="3704781" cy="2843389"/>
+          </a:xfrm>
+          <a:prstGeom prst="rect">
+            <a:avLst/>
+          </a:prstGeom>
+        </p:spPr>
+      </p:pic>
+      <p:pic>
+        <p:nvPicPr>
+          <p:cNvPr id="11" name="Picture 10" descr="A picture containing chart&#10;&#10;Description automatically generated">
+            <a:extLst>
+              <a:ext uri="{FF2B5EF4-FFF2-40B4-BE49-F238E27FC236}">
+                <a16:creationId xmlns:a16="http://schemas.microsoft.com/office/drawing/2014/main" id="{5C6CCF4C-1BD4-4CD5-B8AD-CA0531CEB5F2}"/>
+              </a:ext>
+            </a:extLst>
+          </p:cNvPr>
+          <p:cNvPicPr>
+            <a:picLocks noChangeAspect="1"/>
+          </p:cNvPicPr>
+          <p:nvPr/>
+        </p:nvPicPr>
+        <p:blipFill>
+          <a:blip r:embed="rId3"/>
+          <a:stretch>
+            <a:fillRect/>
+          </a:stretch>
+        </p:blipFill>
+        <p:spPr>
+          <a:xfrm>
+            <a:off x="4229652" y="2007305"/>
+            <a:ext cx="3732696" cy="2843389"/>
+          </a:xfrm>
+          <a:prstGeom prst="rect">
+            <a:avLst/>
+          </a:prstGeom>
+        </p:spPr>
+      </p:pic>
+      <p:pic>
+        <p:nvPicPr>
+          <p:cNvPr id="13" name="Picture 12" descr="Histogram&#10;&#10;Description automatically generated">
+            <a:extLst>
+              <a:ext uri="{FF2B5EF4-FFF2-40B4-BE49-F238E27FC236}">
+                <a16:creationId xmlns:a16="http://schemas.microsoft.com/office/drawing/2014/main" id="{D7D88A0C-1AE8-4CF9-B891-6E56771DD668}"/>
+              </a:ext>
+            </a:extLst>
+          </p:cNvPr>
+          <p:cNvPicPr>
+            <a:picLocks noChangeAspect="1"/>
+          </p:cNvPicPr>
+          <p:nvPr/>
+        </p:nvPicPr>
+        <p:blipFill>
+          <a:blip r:embed="rId4"/>
+          <a:stretch>
+            <a:fillRect/>
+          </a:stretch>
+        </p:blipFill>
+        <p:spPr>
+          <a:xfrm>
+            <a:off x="8217305" y="2007305"/>
+            <a:ext cx="3672877" cy="2843389"/>
+          </a:xfrm>
+          <a:prstGeom prst="rect">
+            <a:avLst/>
+          </a:prstGeom>
+        </p:spPr>
+      </p:pic>
+      <p:sp>
+        <p:nvSpPr>
+          <p:cNvPr id="14" name="TextBox 13">
+            <a:extLst>
+              <a:ext uri="{FF2B5EF4-FFF2-40B4-BE49-F238E27FC236}">
+                <a16:creationId xmlns:a16="http://schemas.microsoft.com/office/drawing/2014/main" id="{68D9DDC7-4711-4253-8598-0F77AF99E353}"/>
+              </a:ext>
+            </a:extLst>
+          </p:cNvPr>
+          <p:cNvSpPr txBox="1"/>
+          <p:nvPr/>
+        </p:nvSpPr>
+        <p:spPr>
+          <a:xfrm flipH="1">
+            <a:off x="924608" y="1509204"/>
+            <a:ext cx="2793804" cy="369332"/>
+          </a:xfrm>
+          <a:prstGeom prst="rect">
+            <a:avLst/>
+          </a:prstGeom>
+          <a:noFill/>
+        </p:spPr>
+        <p:txBody>
+          <a:bodyPr wrap="square" rtlCol="0">
+            <a:spAutoFit/>
+          </a:bodyPr>
+          <a:lstStyle/>
+          <a:p>
+            <a:pPr algn="ctr"/>
+            <a:r>
+              <a:rPr lang="en-AU" dirty="0">
+                <a:solidFill>
+                  <a:schemeClr val="bg1"/>
+                </a:solidFill>
+              </a:rPr>
+              <a:t>Triage Priority 3</a:t>
+            </a:r>
+          </a:p>
+        </p:txBody>
+      </p:sp>
+      <p:sp>
+        <p:nvSpPr>
+          <p:cNvPr id="19" name="TextBox 18">
+            <a:extLst>
+              <a:ext uri="{FF2B5EF4-FFF2-40B4-BE49-F238E27FC236}">
+                <a16:creationId xmlns:a16="http://schemas.microsoft.com/office/drawing/2014/main" id="{4763E93B-A798-4A6C-9235-446343B07D4F}"/>
+              </a:ext>
+            </a:extLst>
+          </p:cNvPr>
+          <p:cNvSpPr txBox="1"/>
+          <p:nvPr/>
+        </p:nvSpPr>
+        <p:spPr>
+          <a:xfrm flipH="1">
+            <a:off x="4805629" y="1509204"/>
+            <a:ext cx="2793804" cy="369332"/>
+          </a:xfrm>
+          <a:prstGeom prst="rect">
+            <a:avLst/>
+          </a:prstGeom>
+          <a:noFill/>
+        </p:spPr>
+        <p:txBody>
+          <a:bodyPr wrap="square" rtlCol="0">
+            <a:spAutoFit/>
+          </a:bodyPr>
+          <a:lstStyle/>
+          <a:p>
+            <a:pPr algn="ctr"/>
+            <a:r>
+              <a:rPr lang="en-AU" dirty="0">
+                <a:solidFill>
+                  <a:schemeClr val="bg1"/>
+                </a:solidFill>
+              </a:rPr>
+              <a:t>Triage Priority 4</a:t>
+            </a:r>
+          </a:p>
+        </p:txBody>
+      </p:sp>
+      <p:sp>
+        <p:nvSpPr>
+          <p:cNvPr id="20" name="TextBox 19">
+            <a:extLst>
+              <a:ext uri="{FF2B5EF4-FFF2-40B4-BE49-F238E27FC236}">
+                <a16:creationId xmlns:a16="http://schemas.microsoft.com/office/drawing/2014/main" id="{C8E54C3E-F7C5-481F-A7F0-A9A04A145C37}"/>
+              </a:ext>
+            </a:extLst>
+          </p:cNvPr>
+          <p:cNvSpPr txBox="1"/>
+          <p:nvPr/>
+        </p:nvSpPr>
+        <p:spPr>
+          <a:xfrm flipH="1">
+            <a:off x="8775427" y="1507439"/>
+            <a:ext cx="2793804" cy="369332"/>
+          </a:xfrm>
+          <a:prstGeom prst="rect">
+            <a:avLst/>
+          </a:prstGeom>
+          <a:noFill/>
+        </p:spPr>
+        <p:txBody>
+          <a:bodyPr wrap="square" rtlCol="0">
+            <a:spAutoFit/>
+          </a:bodyPr>
+          <a:lstStyle/>
+          <a:p>
+            <a:pPr algn="ctr"/>
+            <a:r>
+              <a:rPr lang="en-AU" dirty="0">
+                <a:solidFill>
+                  <a:schemeClr val="bg1"/>
+                </a:solidFill>
+              </a:rPr>
+              <a:t>Triage Priority 5</a:t>
+            </a:r>
+          </a:p>
+        </p:txBody>
+      </p:sp>
+    </p:spTree>
+    <p:extLst>
+      <p:ext uri="{BB962C8B-B14F-4D97-AF65-F5344CB8AC3E}">
+        <p14:creationId xmlns:p14="http://schemas.microsoft.com/office/powerpoint/2010/main" val="1977646425"/>
+      </p:ext>
+    </p:extLst>
+  </p:cSld>
+  <p:clrMapOvr>
+    <a:masterClrMapping/>
+  </p:clrMapOvr>
+</p:sld>
+</file>
+
+<file path=ppt/slides/slide12.xml><?xml version="1.0" encoding="utf-8"?>
+<p:sld xmlns:a="http://schemas.openxmlformats.org/drawingml/2006/main" xmlns:r="http://schemas.openxmlformats.org/officeDocument/2006/relationships" xmlns:p="http://schemas.openxmlformats.org/presentationml/2006/main">
+  <p:cSld>
+    <p:bg>
+      <p:bgPr>
+        <a:solidFill>
+          <a:schemeClr val="tx1">
+            <a:lumMod val="75000"/>
+            <a:lumOff val="25000"/>
+          </a:schemeClr>
+        </a:solidFill>
+        <a:effectLst/>
+      </p:bgPr>
+    </p:bg>
+    <p:spTree>
+      <p:nvGrpSpPr>
+        <p:cNvPr id="1" name=""/>
+        <p:cNvGrpSpPr/>
+        <p:nvPr/>
+      </p:nvGrpSpPr>
+      <p:grpSpPr>
+        <a:xfrm>
+          <a:off x="0" y="0"/>
+          <a:ext cx="0" cy="0"/>
+          <a:chOff x="0" y="0"/>
+          <a:chExt cx="0" cy="0"/>
+        </a:xfrm>
+      </p:grpSpPr>
+      <p:sp>
+        <p:nvSpPr>
+          <p:cNvPr id="2" name="Title 1">
+            <a:extLst>
+              <a:ext uri="{FF2B5EF4-FFF2-40B4-BE49-F238E27FC236}">
+                <a16:creationId xmlns:a16="http://schemas.microsoft.com/office/drawing/2014/main" id="{4A6B0519-8BC8-44C7-95E1-2ABF69E80E9F}"/>
+              </a:ext>
+            </a:extLst>
+          </p:cNvPr>
+          <p:cNvSpPr>
+            <a:spLocks noGrp="1"/>
+          </p:cNvSpPr>
+          <p:nvPr>
+            <p:ph type="title"/>
+          </p:nvPr>
+        </p:nvSpPr>
         <p:spPr/>
         <p:txBody>
           <a:bodyPr/>
@@ -6544,7 +7795,7 @@
 </p:sld>
 </file>
 
-<file path=ppt/slides/slide11.xml><?xml version="1.0" encoding="utf-8"?>
+<file path=ppt/slides/slide13.xml><?xml version="1.0" encoding="utf-8"?>
 <p:sld xmlns:a="http://schemas.openxmlformats.org/drawingml/2006/main" xmlns:r="http://schemas.openxmlformats.org/officeDocument/2006/relationships" xmlns:p="http://schemas.openxmlformats.org/presentationml/2006/main">
   <p:cSld>
     <p:bg>
@@ -16582,7 +17833,7 @@
 </p:sld>
 </file>
 
-<file path=ppt/slides/slide12.xml><?xml version="1.0" encoding="utf-8"?>
+<file path=ppt/slides/slide14.xml><?xml version="1.0" encoding="utf-8"?>
 <p:sld xmlns:a="http://schemas.openxmlformats.org/drawingml/2006/main" xmlns:r="http://schemas.openxmlformats.org/officeDocument/2006/relationships" xmlns:p="http://schemas.openxmlformats.org/presentationml/2006/main">
   <p:cSld>
     <p:bg>
@@ -26655,7 +27906,7 @@
 </p:sld>
 </file>
 
-<file path=ppt/slides/slide13.xml><?xml version="1.0" encoding="utf-8"?>
+<file path=ppt/slides/slide15.xml><?xml version="1.0" encoding="utf-8"?>
 <p:sld xmlns:a="http://schemas.openxmlformats.org/drawingml/2006/main" xmlns:r="http://schemas.openxmlformats.org/officeDocument/2006/relationships" xmlns:p="http://schemas.openxmlformats.org/presentationml/2006/main">
   <p:cSld>
     <p:bg>
@@ -26850,7 +28101,7 @@
 </p:sld>
 </file>
 
-<file path=ppt/slides/slide14.xml><?xml version="1.0" encoding="utf-8"?>
+<file path=ppt/slides/slide16.xml><?xml version="1.0" encoding="utf-8"?>
 <p:sld xmlns:a="http://schemas.openxmlformats.org/drawingml/2006/main" xmlns:r="http://schemas.openxmlformats.org/officeDocument/2006/relationships" xmlns:p="http://schemas.openxmlformats.org/presentationml/2006/main">
   <p:cSld>
     <p:bg>
@@ -27090,7 +28341,7 @@
 </p:sld>
 </file>
 
-<file path=ppt/slides/slide15.xml><?xml version="1.0" encoding="utf-8"?>
+<file path=ppt/slides/slide17.xml><?xml version="1.0" encoding="utf-8"?>
 <p:sld xmlns:a="http://schemas.openxmlformats.org/drawingml/2006/main" xmlns:r="http://schemas.openxmlformats.org/officeDocument/2006/relationships" xmlns:p="http://schemas.openxmlformats.org/presentationml/2006/main">
   <p:cSld>
     <p:bg>
@@ -27216,7 +28467,7 @@
 </p:sld>
 </file>
 
-<file path=ppt/slides/slide16.xml><?xml version="1.0" encoding="utf-8"?>
+<file path=ppt/slides/slide18.xml><?xml version="1.0" encoding="utf-8"?>
 <p:sld xmlns:a="http://schemas.openxmlformats.org/drawingml/2006/main" xmlns:r="http://schemas.openxmlformats.org/officeDocument/2006/relationships" xmlns:p="http://schemas.openxmlformats.org/presentationml/2006/main">
   <p:cSld>
     <p:bg>
@@ -35632,12 +36883,7 @@
             <p:ph type="title"/>
           </p:nvPr>
         </p:nvSpPr>
-        <p:spPr>
-          <a:xfrm>
-            <a:off x="581192" y="1129995"/>
-            <a:ext cx="11029616" cy="1188720"/>
-          </a:xfrm>
-        </p:spPr>
+        <p:spPr/>
         <p:txBody>
           <a:bodyPr/>
           <a:lstStyle/>
@@ -35648,51 +36894,17 @@
                   <a:schemeClr val="bg1"/>
                 </a:solidFill>
               </a:rPr>
-              <a:t>triage priority adherence impacts ability to meet ats standards</a:t>
-            </a:r>
-          </a:p>
-        </p:txBody>
-      </p:sp>
-      <p:sp>
-        <p:nvSpPr>
-          <p:cNvPr id="4" name="Rectangle 3">
-            <a:extLst>
-              <a:ext uri="{FF2B5EF4-FFF2-40B4-BE49-F238E27FC236}">
-                <a16:creationId xmlns:a16="http://schemas.microsoft.com/office/drawing/2014/main" id="{9B9D0024-D443-4CFE-BE82-EDDA528E2B90}"/>
-              </a:ext>
-            </a:extLst>
-          </p:cNvPr>
-          <p:cNvSpPr/>
-          <p:nvPr/>
-        </p:nvSpPr>
-        <p:spPr>
-          <a:xfrm>
-            <a:off x="5971607" y="3244334"/>
-            <a:ext cx="248786" cy="369332"/>
-          </a:xfrm>
-          <a:prstGeom prst="rect">
-            <a:avLst/>
-          </a:prstGeom>
-        </p:spPr>
-        <p:txBody>
-          <a:bodyPr wrap="none">
-            <a:spAutoFit/>
-          </a:bodyPr>
-          <a:lstStyle/>
-          <a:p>
-            <a:r>
-              <a:rPr lang="en-AU" dirty="0"/>
-              <a:t>￼</a:t>
+              <a:t>Priority adherence in ed wait room</a:t>
             </a:r>
           </a:p>
         </p:txBody>
       </p:sp>
       <p:pic>
         <p:nvPicPr>
-          <p:cNvPr id="14" name="Picture 13">
+          <p:cNvPr id="9" name="Picture 8" descr="Chart&#10;&#10;Description automatically generated">
             <a:extLst>
               <a:ext uri="{FF2B5EF4-FFF2-40B4-BE49-F238E27FC236}">
-                <a16:creationId xmlns:a16="http://schemas.microsoft.com/office/drawing/2014/main" id="{05C73BA2-1066-4ED2-A5FD-33106C892627}"/>
+                <a16:creationId xmlns:a16="http://schemas.microsoft.com/office/drawing/2014/main" id="{F2B93E7D-06CC-477C-ABCA-5012CB50F42F}"/>
               </a:ext>
             </a:extLst>
           </p:cNvPr>
@@ -35709,874 +36921,48 @@
         </p:blipFill>
         <p:spPr>
           <a:xfrm>
-            <a:off x="676275" y="2314653"/>
-            <a:ext cx="5648325" cy="4354436"/>
+            <a:off x="456905" y="2060292"/>
+            <a:ext cx="5742930" cy="4535817"/>
           </a:xfrm>
           <a:prstGeom prst="rect">
             <a:avLst/>
           </a:prstGeom>
         </p:spPr>
       </p:pic>
-      <p:sp>
-        <p:nvSpPr>
-          <p:cNvPr id="15" name="TextBox 14">
+      <p:pic>
+        <p:nvPicPr>
+          <p:cNvPr id="11" name="Picture 10" descr="Chart&#10;&#10;Description automatically generated">
             <a:extLst>
               <a:ext uri="{FF2B5EF4-FFF2-40B4-BE49-F238E27FC236}">
-                <a16:creationId xmlns:a16="http://schemas.microsoft.com/office/drawing/2014/main" id="{C23032D8-D733-4F23-85B7-26A4D0EC2A2A}"/>
+                <a16:creationId xmlns:a16="http://schemas.microsoft.com/office/drawing/2014/main" id="{D13F2A2C-BFFB-454E-9B3A-B06053A9A782}"/>
               </a:ext>
             </a:extLst>
           </p:cNvPr>
-          <p:cNvSpPr txBox="1"/>
+          <p:cNvPicPr>
+            <a:picLocks noChangeAspect="1"/>
+          </p:cNvPicPr>
           <p:nvPr/>
-        </p:nvSpPr>
+        </p:nvPicPr>
+        <p:blipFill>
+          <a:blip r:embed="rId3"/>
+          <a:stretch>
+            <a:fillRect/>
+          </a:stretch>
+        </p:blipFill>
         <p:spPr>
           <a:xfrm>
-            <a:off x="8052045" y="2364641"/>
-            <a:ext cx="2867487" cy="800219"/>
+            <a:off x="6333000" y="2060291"/>
+            <a:ext cx="5742930" cy="4535817"/>
           </a:xfrm>
           <a:prstGeom prst="rect">
             <a:avLst/>
           </a:prstGeom>
-          <a:noFill/>
         </p:spPr>
-        <p:txBody>
-          <a:bodyPr wrap="square" rtlCol="0">
-            <a:spAutoFit/>
-          </a:bodyPr>
-          <a:lstStyle/>
-          <a:p>
-            <a:r>
-              <a:rPr lang="en-AU" dirty="0">
-                <a:solidFill>
-                  <a:schemeClr val="bg1"/>
-                </a:solidFill>
-              </a:rPr>
-              <a:t>Testing</a:t>
-            </a:r>
-          </a:p>
-          <a:p>
-            <a:r>
-              <a:rPr lang="en-AU" sz="1400" dirty="0">
-                <a:solidFill>
-                  <a:schemeClr val="bg1"/>
-                </a:solidFill>
-              </a:rPr>
-              <a:t>Mann-Whitney U</a:t>
-            </a:r>
-          </a:p>
-          <a:p>
-            <a:r>
-              <a:rPr lang="en-AU" sz="1400" dirty="0">
-                <a:solidFill>
-                  <a:schemeClr val="bg1"/>
-                </a:solidFill>
-              </a:rPr>
-              <a:t>P-value = 0.0</a:t>
-            </a:r>
-          </a:p>
-        </p:txBody>
-      </p:sp>
-      <p:graphicFrame>
-        <p:nvGraphicFramePr>
-          <p:cNvPr id="17" name="Table 16">
-            <a:extLst>
-              <a:ext uri="{FF2B5EF4-FFF2-40B4-BE49-F238E27FC236}">
-                <a16:creationId xmlns:a16="http://schemas.microsoft.com/office/drawing/2014/main" id="{9B77EE7A-2069-47E1-9D99-304DB90EAC6A}"/>
-              </a:ext>
-            </a:extLst>
-          </p:cNvPr>
-          <p:cNvGraphicFramePr>
-            <a:graphicFrameLocks noGrp="1"/>
-          </p:cNvGraphicFramePr>
-          <p:nvPr>
-            <p:extLst>
-              <p:ext uri="{D42A27DB-BD31-4B8C-83A1-F6EECF244321}">
-                <p14:modId xmlns:p14="http://schemas.microsoft.com/office/powerpoint/2010/main" val="1538720589"/>
-              </p:ext>
-            </p:extLst>
-          </p:nvPr>
-        </p:nvGraphicFramePr>
-        <p:xfrm>
-          <a:off x="8158579" y="3613666"/>
-          <a:ext cx="3187082" cy="868680"/>
-        </p:xfrm>
-        <a:graphic>
-          <a:graphicData uri="http://schemas.openxmlformats.org/drawingml/2006/table">
-            <a:tbl>
-              <a:tblPr>
-                <a:tableStyleId>{5C22544A-7EE6-4342-B048-85BDC9FD1C3A}</a:tableStyleId>
-              </a:tblPr>
-              <a:tblGrid>
-                <a:gridCol w="1744652">
-                  <a:extLst>
-                    <a:ext uri="{9D8B030D-6E8A-4147-A177-3AD203B41FA5}">
-                      <a16:colId xmlns:a16="http://schemas.microsoft.com/office/drawing/2014/main" val="3024168703"/>
-                    </a:ext>
-                  </a:extLst>
-                </a:gridCol>
-                <a:gridCol w="892933">
-                  <a:extLst>
-                    <a:ext uri="{9D8B030D-6E8A-4147-A177-3AD203B41FA5}">
-                      <a16:colId xmlns:a16="http://schemas.microsoft.com/office/drawing/2014/main" val="3572954459"/>
-                    </a:ext>
-                  </a:extLst>
-                </a:gridCol>
-                <a:gridCol w="549497">
-                  <a:extLst>
-                    <a:ext uri="{9D8B030D-6E8A-4147-A177-3AD203B41FA5}">
-                      <a16:colId xmlns:a16="http://schemas.microsoft.com/office/drawing/2014/main" val="1573891024"/>
-                    </a:ext>
-                  </a:extLst>
-                </a:gridCol>
-              </a:tblGrid>
-              <a:tr h="182880">
-                <a:tc>
-                  <a:txBody>
-                    <a:bodyPr/>
-                    <a:lstStyle/>
-                    <a:p>
-                      <a:pPr algn="ctr" fontAlgn="t"/>
-                      <a:endParaRPr lang="en-AU" sz="1100" b="1" i="0" u="none" strike="noStrike" dirty="0">
-                        <a:solidFill>
-                          <a:schemeClr val="bg1"/>
-                        </a:solidFill>
-                        <a:effectLst/>
-                        <a:latin typeface="Calibri" panose="020F0502020204030204" pitchFamily="34" charset="0"/>
-                      </a:endParaRPr>
-                    </a:p>
-                  </a:txBody>
-                  <a:tcPr marL="7620" marR="7620" marT="7620" marB="0" anchor="ctr">
-                    <a:noFill/>
-                  </a:tcPr>
-                </a:tc>
-                <a:tc>
-                  <a:txBody>
-                    <a:bodyPr/>
-                    <a:lstStyle/>
-                    <a:p>
-                      <a:pPr algn="ctr" fontAlgn="t"/>
-                      <a:r>
-                        <a:rPr lang="en-AU" sz="1100" u="none" strike="noStrike">
-                          <a:solidFill>
-                            <a:schemeClr val="bg1"/>
-                          </a:solidFill>
-                          <a:effectLst/>
-                        </a:rPr>
-                        <a:t>Mean rank</a:t>
-                      </a:r>
-                      <a:endParaRPr lang="en-AU" sz="1100" b="1" i="0" u="none" strike="noStrike">
-                        <a:solidFill>
-                          <a:schemeClr val="bg1"/>
-                        </a:solidFill>
-                        <a:effectLst/>
-                        <a:latin typeface="Calibri" panose="020F0502020204030204" pitchFamily="34" charset="0"/>
-                      </a:endParaRPr>
-                    </a:p>
-                  </a:txBody>
-                  <a:tcPr marL="7620" marR="7620" marT="7620" marB="0" anchor="ctr">
-                    <a:noFill/>
-                  </a:tcPr>
-                </a:tc>
-                <a:tc>
-                  <a:txBody>
-                    <a:bodyPr/>
-                    <a:lstStyle/>
-                    <a:p>
-                      <a:pPr algn="ctr" fontAlgn="t"/>
-                      <a:r>
-                        <a:rPr lang="en-AU" sz="1100" u="none" strike="noStrike">
-                          <a:solidFill>
-                            <a:schemeClr val="bg1"/>
-                          </a:solidFill>
-                          <a:effectLst/>
-                        </a:rPr>
-                        <a:t>Median</a:t>
-                      </a:r>
-                      <a:endParaRPr lang="en-AU" sz="1100" b="1" i="0" u="none" strike="noStrike">
-                        <a:solidFill>
-                          <a:schemeClr val="bg1"/>
-                        </a:solidFill>
-                        <a:effectLst/>
-                        <a:latin typeface="Calibri" panose="020F0502020204030204" pitchFamily="34" charset="0"/>
-                      </a:endParaRPr>
-                    </a:p>
-                  </a:txBody>
-                  <a:tcPr marL="7620" marR="7620" marT="7620" marB="0" anchor="ctr">
-                    <a:noFill/>
-                  </a:tcPr>
-                </a:tc>
-                <a:extLst>
-                  <a:ext uri="{0D108BD9-81ED-4DB2-BD59-A6C34878D82A}">
-                    <a16:rowId xmlns:a16="http://schemas.microsoft.com/office/drawing/2014/main" val="2589884172"/>
-                  </a:ext>
-                </a:extLst>
-              </a:tr>
-              <a:tr h="182880">
-                <a:tc>
-                  <a:txBody>
-                    <a:bodyPr/>
-                    <a:lstStyle/>
-                    <a:p>
-                      <a:pPr algn="ctr" fontAlgn="b"/>
-                      <a:r>
-                        <a:rPr lang="en-AU" sz="1100" u="none" strike="noStrike" dirty="0">
-                          <a:solidFill>
-                            <a:schemeClr val="bg1"/>
-                          </a:solidFill>
-                          <a:effectLst/>
-                        </a:rPr>
-                        <a:t>Not treated later than expected priority</a:t>
-                      </a:r>
-                      <a:endParaRPr lang="en-AU" sz="1100" b="0" i="0" u="none" strike="noStrike" dirty="0">
-                        <a:solidFill>
-                          <a:schemeClr val="bg1"/>
-                        </a:solidFill>
-                        <a:effectLst/>
-                        <a:latin typeface="Calibri" panose="020F0502020204030204" pitchFamily="34" charset="0"/>
-                      </a:endParaRPr>
-                    </a:p>
-                  </a:txBody>
-                  <a:tcPr marL="7620" marR="7620" marT="7620" marB="0" anchor="ctr">
-                    <a:noFill/>
-                  </a:tcPr>
-                </a:tc>
-                <a:tc>
-                  <a:txBody>
-                    <a:bodyPr/>
-                    <a:lstStyle/>
-                    <a:p>
-                      <a:pPr algn="ctr" fontAlgn="b"/>
-                      <a:r>
-                        <a:rPr lang="en-AU" sz="1100" u="none" strike="noStrike">
-                          <a:solidFill>
-                            <a:schemeClr val="bg1"/>
-                          </a:solidFill>
-                          <a:effectLst/>
-                        </a:rPr>
-                        <a:t>11928.17059</a:t>
-                      </a:r>
-                      <a:endParaRPr lang="en-AU" sz="1100" b="0" i="0" u="none" strike="noStrike">
-                        <a:solidFill>
-                          <a:schemeClr val="bg1"/>
-                        </a:solidFill>
-                        <a:effectLst/>
-                        <a:latin typeface="Calibri" panose="020F0502020204030204" pitchFamily="34" charset="0"/>
-                      </a:endParaRPr>
-                    </a:p>
-                  </a:txBody>
-                  <a:tcPr marL="7620" marR="7620" marT="7620" marB="0" anchor="ctr">
-                    <a:noFill/>
-                  </a:tcPr>
-                </a:tc>
-                <a:tc>
-                  <a:txBody>
-                    <a:bodyPr/>
-                    <a:lstStyle/>
-                    <a:p>
-                      <a:pPr algn="ctr" fontAlgn="b"/>
-                      <a:r>
-                        <a:rPr lang="en-AU" sz="1100" u="none" strike="noStrike">
-                          <a:solidFill>
-                            <a:schemeClr val="bg1"/>
-                          </a:solidFill>
-                          <a:effectLst/>
-                        </a:rPr>
-                        <a:t>-5</a:t>
-                      </a:r>
-                      <a:endParaRPr lang="en-AU" sz="1100" b="0" i="0" u="none" strike="noStrike">
-                        <a:solidFill>
-                          <a:schemeClr val="bg1"/>
-                        </a:solidFill>
-                        <a:effectLst/>
-                        <a:latin typeface="Calibri" panose="020F0502020204030204" pitchFamily="34" charset="0"/>
-                      </a:endParaRPr>
-                    </a:p>
-                  </a:txBody>
-                  <a:tcPr marL="7620" marR="7620" marT="7620" marB="0" anchor="ctr">
-                    <a:noFill/>
-                  </a:tcPr>
-                </a:tc>
-                <a:extLst>
-                  <a:ext uri="{0D108BD9-81ED-4DB2-BD59-A6C34878D82A}">
-                    <a16:rowId xmlns:a16="http://schemas.microsoft.com/office/drawing/2014/main" val="1156218767"/>
-                  </a:ext>
-                </a:extLst>
-              </a:tr>
-              <a:tr h="182880">
-                <a:tc>
-                  <a:txBody>
-                    <a:bodyPr/>
-                    <a:lstStyle/>
-                    <a:p>
-                      <a:pPr algn="ctr" fontAlgn="b"/>
-                      <a:r>
-                        <a:rPr lang="en-AU" sz="1100" b="0" i="0" u="none" strike="noStrike" dirty="0">
-                          <a:solidFill>
-                            <a:schemeClr val="bg1"/>
-                          </a:solidFill>
-                          <a:effectLst/>
-                          <a:latin typeface="Calibri" panose="020F0502020204030204" pitchFamily="34" charset="0"/>
-                        </a:rPr>
-                        <a:t>Treated later than expected priority</a:t>
-                      </a:r>
-                    </a:p>
-                  </a:txBody>
-                  <a:tcPr marL="7620" marR="7620" marT="7620" marB="0" anchor="ctr">
-                    <a:noFill/>
-                  </a:tcPr>
-                </a:tc>
-                <a:tc>
-                  <a:txBody>
-                    <a:bodyPr/>
-                    <a:lstStyle/>
-                    <a:p>
-                      <a:pPr algn="ctr" fontAlgn="b"/>
-                      <a:r>
-                        <a:rPr lang="en-AU" sz="1100" u="none" strike="noStrike">
-                          <a:solidFill>
-                            <a:schemeClr val="bg1"/>
-                          </a:solidFill>
-                          <a:effectLst/>
-                        </a:rPr>
-                        <a:t>21945.97418</a:t>
-                      </a:r>
-                      <a:endParaRPr lang="en-AU" sz="1100" b="0" i="0" u="none" strike="noStrike">
-                        <a:solidFill>
-                          <a:schemeClr val="bg1"/>
-                        </a:solidFill>
-                        <a:effectLst/>
-                        <a:latin typeface="Calibri" panose="020F0502020204030204" pitchFamily="34" charset="0"/>
-                      </a:endParaRPr>
-                    </a:p>
-                  </a:txBody>
-                  <a:tcPr marL="7620" marR="7620" marT="7620" marB="0" anchor="ctr">
-                    <a:noFill/>
-                  </a:tcPr>
-                </a:tc>
-                <a:tc>
-                  <a:txBody>
-                    <a:bodyPr/>
-                    <a:lstStyle/>
-                    <a:p>
-                      <a:pPr algn="ctr" fontAlgn="b"/>
-                      <a:r>
-                        <a:rPr lang="en-AU" sz="1100" u="none" strike="noStrike" dirty="0">
-                          <a:solidFill>
-                            <a:schemeClr val="bg1"/>
-                          </a:solidFill>
-                          <a:effectLst/>
-                        </a:rPr>
-                        <a:t>62</a:t>
-                      </a:r>
-                      <a:endParaRPr lang="en-AU" sz="1100" b="0" i="0" u="none" strike="noStrike" dirty="0">
-                        <a:solidFill>
-                          <a:schemeClr val="bg1"/>
-                        </a:solidFill>
-                        <a:effectLst/>
-                        <a:latin typeface="Calibri" panose="020F0502020204030204" pitchFamily="34" charset="0"/>
-                      </a:endParaRPr>
-                    </a:p>
-                  </a:txBody>
-                  <a:tcPr marL="7620" marR="7620" marT="7620" marB="0" anchor="ctr">
-                    <a:noFill/>
-                  </a:tcPr>
-                </a:tc>
-                <a:extLst>
-                  <a:ext uri="{0D108BD9-81ED-4DB2-BD59-A6C34878D82A}">
-                    <a16:rowId xmlns:a16="http://schemas.microsoft.com/office/drawing/2014/main" val="2834582576"/>
-                  </a:ext>
-                </a:extLst>
-              </a:tr>
-            </a:tbl>
-          </a:graphicData>
-        </a:graphic>
-      </p:graphicFrame>
-      <p:graphicFrame>
-        <p:nvGraphicFramePr>
-          <p:cNvPr id="18" name="Table 17">
-            <a:extLst>
-              <a:ext uri="{FF2B5EF4-FFF2-40B4-BE49-F238E27FC236}">
-                <a16:creationId xmlns:a16="http://schemas.microsoft.com/office/drawing/2014/main" id="{C36BE894-FC0F-4F36-A19A-E6317CCA976D}"/>
-              </a:ext>
-            </a:extLst>
-          </p:cNvPr>
-          <p:cNvGraphicFramePr>
-            <a:graphicFrameLocks noGrp="1"/>
-          </p:cNvGraphicFramePr>
-          <p:nvPr>
-            <p:extLst>
-              <p:ext uri="{D42A27DB-BD31-4B8C-83A1-F6EECF244321}">
-                <p14:modId xmlns:p14="http://schemas.microsoft.com/office/powerpoint/2010/main" val="1786947538"/>
-              </p:ext>
-            </p:extLst>
-          </p:nvPr>
-        </p:nvGraphicFramePr>
-        <p:xfrm>
-          <a:off x="8158579" y="4883976"/>
-          <a:ext cx="3187082" cy="914400"/>
-        </p:xfrm>
-        <a:graphic>
-          <a:graphicData uri="http://schemas.openxmlformats.org/drawingml/2006/table">
-            <a:tbl>
-              <a:tblPr>
-                <a:tableStyleId>{5C22544A-7EE6-4342-B048-85BDC9FD1C3A}</a:tableStyleId>
-              </a:tblPr>
-              <a:tblGrid>
-                <a:gridCol w="1744652">
-                  <a:extLst>
-                    <a:ext uri="{9D8B030D-6E8A-4147-A177-3AD203B41FA5}">
-                      <a16:colId xmlns:a16="http://schemas.microsoft.com/office/drawing/2014/main" val="3024168703"/>
-                    </a:ext>
-                  </a:extLst>
-                </a:gridCol>
-                <a:gridCol w="892933">
-                  <a:extLst>
-                    <a:ext uri="{9D8B030D-6E8A-4147-A177-3AD203B41FA5}">
-                      <a16:colId xmlns:a16="http://schemas.microsoft.com/office/drawing/2014/main" val="3572954459"/>
-                    </a:ext>
-                  </a:extLst>
-                </a:gridCol>
-                <a:gridCol w="549497">
-                  <a:extLst>
-                    <a:ext uri="{9D8B030D-6E8A-4147-A177-3AD203B41FA5}">
-                      <a16:colId xmlns:a16="http://schemas.microsoft.com/office/drawing/2014/main" val="1573891024"/>
-                    </a:ext>
-                  </a:extLst>
-                </a:gridCol>
-              </a:tblGrid>
-              <a:tr h="182880">
-                <a:tc>
-                  <a:txBody>
-                    <a:bodyPr/>
-                    <a:lstStyle/>
-                    <a:p>
-                      <a:pPr algn="ctr" fontAlgn="t"/>
-                      <a:endParaRPr lang="en-AU" sz="1100" b="1" i="0" u="none" strike="noStrike" dirty="0">
-                        <a:solidFill>
-                          <a:schemeClr val="bg1"/>
-                        </a:solidFill>
-                        <a:effectLst/>
-                        <a:latin typeface="Calibri" panose="020F0502020204030204" pitchFamily="34" charset="0"/>
-                      </a:endParaRPr>
-                    </a:p>
-                  </a:txBody>
-                  <a:tcPr marL="7620" marR="7620" marT="7620" marB="0" anchor="ctr">
-                    <a:noFill/>
-                  </a:tcPr>
-                </a:tc>
-                <a:tc>
-                  <a:txBody>
-                    <a:bodyPr/>
-                    <a:lstStyle/>
-                    <a:p>
-                      <a:pPr algn="ctr" fontAlgn="t"/>
-                      <a:r>
-                        <a:rPr lang="en-AU" sz="1100" u="none" strike="noStrike" dirty="0">
-                          <a:solidFill>
-                            <a:schemeClr val="bg1"/>
-                          </a:solidFill>
-                          <a:effectLst/>
-                        </a:rPr>
-                        <a:t>Late</a:t>
-                      </a:r>
-                      <a:endParaRPr lang="en-AU" sz="1100" b="1" i="0" u="none" strike="noStrike" dirty="0">
-                        <a:solidFill>
-                          <a:schemeClr val="bg1"/>
-                        </a:solidFill>
-                        <a:effectLst/>
-                        <a:latin typeface="Calibri" panose="020F0502020204030204" pitchFamily="34" charset="0"/>
-                      </a:endParaRPr>
-                    </a:p>
-                  </a:txBody>
-                  <a:tcPr marL="7620" marR="7620" marT="7620" marB="0" anchor="ctr">
-                    <a:noFill/>
-                  </a:tcPr>
-                </a:tc>
-                <a:tc>
-                  <a:txBody>
-                    <a:bodyPr/>
-                    <a:lstStyle/>
-                    <a:p>
-                      <a:pPr algn="ctr" fontAlgn="t"/>
-                      <a:r>
-                        <a:rPr lang="en-AU" sz="1100" u="none" strike="noStrike" dirty="0">
-                          <a:solidFill>
-                            <a:schemeClr val="bg1"/>
-                          </a:solidFill>
-                          <a:effectLst/>
-                        </a:rPr>
-                        <a:t>Count</a:t>
-                      </a:r>
-                      <a:endParaRPr lang="en-AU" sz="1100" b="1" i="0" u="none" strike="noStrike" dirty="0">
-                        <a:solidFill>
-                          <a:schemeClr val="bg1"/>
-                        </a:solidFill>
-                        <a:effectLst/>
-                        <a:latin typeface="Calibri" panose="020F0502020204030204" pitchFamily="34" charset="0"/>
-                      </a:endParaRPr>
-                    </a:p>
-                  </a:txBody>
-                  <a:tcPr marL="7620" marR="7620" marT="7620" marB="0" anchor="ctr">
-                    <a:noFill/>
-                  </a:tcPr>
-                </a:tc>
-                <a:extLst>
-                  <a:ext uri="{0D108BD9-81ED-4DB2-BD59-A6C34878D82A}">
-                    <a16:rowId xmlns:a16="http://schemas.microsoft.com/office/drawing/2014/main" val="2589884172"/>
-                  </a:ext>
-                </a:extLst>
-              </a:tr>
-              <a:tr h="182880">
-                <a:tc rowSpan="2">
-                  <a:txBody>
-                    <a:bodyPr/>
-                    <a:lstStyle/>
-                    <a:p>
-                      <a:pPr algn="ctr" fontAlgn="b"/>
-                      <a:r>
-                        <a:rPr lang="en-AU" sz="1100" u="none" strike="noStrike" dirty="0">
-                          <a:solidFill>
-                            <a:schemeClr val="bg1"/>
-                          </a:solidFill>
-                          <a:effectLst/>
-                        </a:rPr>
-                        <a:t>Not treated later than expected priority</a:t>
-                      </a:r>
-                      <a:endParaRPr lang="en-AU" sz="1100" b="0" i="0" u="none" strike="noStrike" dirty="0">
-                        <a:solidFill>
-                          <a:schemeClr val="bg1"/>
-                        </a:solidFill>
-                        <a:effectLst/>
-                        <a:latin typeface="Calibri" panose="020F0502020204030204" pitchFamily="34" charset="0"/>
-                      </a:endParaRPr>
-                    </a:p>
-                  </a:txBody>
-                  <a:tcPr marL="7620" marR="7620" marT="7620" marB="0" anchor="ctr">
-                    <a:noFill/>
-                  </a:tcPr>
-                </a:tc>
-                <a:tc>
-                  <a:txBody>
-                    <a:bodyPr/>
-                    <a:lstStyle/>
-                    <a:p>
-                      <a:pPr algn="ctr" fontAlgn="b"/>
-                      <a:r>
-                        <a:rPr lang="en-AU" sz="1100" u="none" strike="noStrike" dirty="0">
-                          <a:solidFill>
-                            <a:schemeClr val="bg1"/>
-                          </a:solidFill>
-                          <a:effectLst/>
-                        </a:rPr>
-                        <a:t>0</a:t>
-                      </a:r>
-                      <a:endParaRPr lang="en-AU" sz="1100" b="0" i="0" u="none" strike="noStrike" dirty="0">
-                        <a:solidFill>
-                          <a:schemeClr val="bg1"/>
-                        </a:solidFill>
-                        <a:effectLst/>
-                        <a:latin typeface="Calibri" panose="020F0502020204030204" pitchFamily="34" charset="0"/>
-                      </a:endParaRPr>
-                    </a:p>
-                  </a:txBody>
-                  <a:tcPr marL="7620" marR="7620" marT="7620" marB="0" anchor="ctr">
-                    <a:noFill/>
-                  </a:tcPr>
-                </a:tc>
-                <a:tc>
-                  <a:txBody>
-                    <a:bodyPr/>
-                    <a:lstStyle/>
-                    <a:p>
-                      <a:pPr algn="ctr" fontAlgn="b"/>
-                      <a:r>
-                        <a:rPr lang="en-AU" sz="1100" b="0" i="0" u="none" strike="noStrike" dirty="0">
-                          <a:solidFill>
-                            <a:schemeClr val="bg1"/>
-                          </a:solidFill>
-                          <a:effectLst/>
-                          <a:latin typeface="Calibri" panose="020F0502020204030204" pitchFamily="34" charset="0"/>
-                        </a:rPr>
-                        <a:t>12,764</a:t>
-                      </a:r>
-                    </a:p>
-                  </a:txBody>
-                  <a:tcPr marL="7620" marR="7620" marT="7620" marB="0" anchor="ctr">
-                    <a:noFill/>
-                  </a:tcPr>
-                </a:tc>
-                <a:extLst>
-                  <a:ext uri="{0D108BD9-81ED-4DB2-BD59-A6C34878D82A}">
-                    <a16:rowId xmlns:a16="http://schemas.microsoft.com/office/drawing/2014/main" val="1156218767"/>
-                  </a:ext>
-                </a:extLst>
-              </a:tr>
-              <a:tr h="182880">
-                <a:tc vMerge="1">
-                  <a:txBody>
-                    <a:bodyPr/>
-                    <a:lstStyle/>
-                    <a:p>
-                      <a:pPr algn="ctr" fontAlgn="b"/>
-                      <a:endParaRPr lang="en-AU" sz="1100" b="0" i="0" u="none" strike="noStrike" dirty="0">
-                        <a:solidFill>
-                          <a:schemeClr val="bg1"/>
-                        </a:solidFill>
-                        <a:effectLst/>
-                        <a:latin typeface="Calibri" panose="020F0502020204030204" pitchFamily="34" charset="0"/>
-                      </a:endParaRPr>
-                    </a:p>
-                  </a:txBody>
-                  <a:tcPr marL="7620" marR="7620" marT="7620" marB="0" anchor="ctr">
-                    <a:noFill/>
-                  </a:tcPr>
-                </a:tc>
-                <a:tc>
-                  <a:txBody>
-                    <a:bodyPr/>
-                    <a:lstStyle/>
-                    <a:p>
-                      <a:pPr algn="ctr" fontAlgn="b"/>
-                      <a:r>
-                        <a:rPr lang="en-AU" sz="1100" u="none" strike="noStrike" dirty="0">
-                          <a:solidFill>
-                            <a:schemeClr val="bg1"/>
-                          </a:solidFill>
-                          <a:effectLst/>
-                        </a:rPr>
-                        <a:t>1</a:t>
-                      </a:r>
-                      <a:endParaRPr lang="en-AU" sz="1100" b="0" i="0" u="none" strike="noStrike" dirty="0">
-                        <a:solidFill>
-                          <a:schemeClr val="bg1"/>
-                        </a:solidFill>
-                        <a:effectLst/>
-                        <a:latin typeface="Calibri" panose="020F0502020204030204" pitchFamily="34" charset="0"/>
-                      </a:endParaRPr>
-                    </a:p>
-                  </a:txBody>
-                  <a:tcPr marL="7620" marR="7620" marT="7620" marB="0" anchor="ctr">
-                    <a:noFill/>
-                  </a:tcPr>
-                </a:tc>
-                <a:tc>
-                  <a:txBody>
-                    <a:bodyPr/>
-                    <a:lstStyle/>
-                    <a:p>
-                      <a:pPr algn="ctr" fontAlgn="b"/>
-                      <a:r>
-                        <a:rPr lang="en-AU" sz="1100" b="0" i="0" u="none" strike="noStrike" dirty="0">
-                          <a:solidFill>
-                            <a:schemeClr val="bg1"/>
-                          </a:solidFill>
-                          <a:effectLst/>
-                          <a:latin typeface="Calibri" panose="020F0502020204030204" pitchFamily="34" charset="0"/>
-                        </a:rPr>
-                        <a:t>8,037</a:t>
-                      </a:r>
-                    </a:p>
-                  </a:txBody>
-                  <a:tcPr marL="7620" marR="7620" marT="7620" marB="0" anchor="ctr">
-                    <a:noFill/>
-                  </a:tcPr>
-                </a:tc>
-                <a:extLst>
-                  <a:ext uri="{0D108BD9-81ED-4DB2-BD59-A6C34878D82A}">
-                    <a16:rowId xmlns:a16="http://schemas.microsoft.com/office/drawing/2014/main" val="2834582576"/>
-                  </a:ext>
-                </a:extLst>
-              </a:tr>
-              <a:tr h="182880">
-                <a:tc rowSpan="2">
-                  <a:txBody>
-                    <a:bodyPr/>
-                    <a:lstStyle/>
-                    <a:p>
-                      <a:pPr algn="ctr" fontAlgn="b"/>
-                      <a:r>
-                        <a:rPr lang="en-AU" sz="1100" b="0" i="0" u="none" strike="noStrike" dirty="0">
-                          <a:solidFill>
-                            <a:schemeClr val="bg1"/>
-                          </a:solidFill>
-                          <a:effectLst/>
-                          <a:latin typeface="Calibri" panose="020F0502020204030204" pitchFamily="34" charset="0"/>
-                        </a:rPr>
-                        <a:t>Treated later than expected priority</a:t>
-                      </a:r>
-                    </a:p>
-                  </a:txBody>
-                  <a:tcPr marL="7620" marR="7620" marT="7620" marB="0" anchor="ctr">
-                    <a:noFill/>
-                  </a:tcPr>
-                </a:tc>
-                <a:tc>
-                  <a:txBody>
-                    <a:bodyPr/>
-                    <a:lstStyle/>
-                    <a:p>
-                      <a:pPr algn="ctr" fontAlgn="b"/>
-                      <a:r>
-                        <a:rPr lang="en-AU" sz="1100" b="0" i="0" u="none" strike="noStrike" dirty="0">
-                          <a:solidFill>
-                            <a:schemeClr val="bg1"/>
-                          </a:solidFill>
-                          <a:effectLst/>
-                          <a:latin typeface="Calibri" panose="020F0502020204030204" pitchFamily="34" charset="0"/>
-                        </a:rPr>
-                        <a:t>0</a:t>
-                      </a:r>
-                    </a:p>
-                  </a:txBody>
-                  <a:tcPr marL="7620" marR="7620" marT="7620" marB="0" anchor="ctr">
-                    <a:noFill/>
-                  </a:tcPr>
-                </a:tc>
-                <a:tc>
-                  <a:txBody>
-                    <a:bodyPr/>
-                    <a:lstStyle/>
-                    <a:p>
-                      <a:pPr algn="ctr" fontAlgn="b"/>
-                      <a:r>
-                        <a:rPr lang="en-AU" sz="1100" b="0" i="0" u="none" strike="noStrike" dirty="0">
-                          <a:solidFill>
-                            <a:schemeClr val="bg1"/>
-                          </a:solidFill>
-                          <a:effectLst/>
-                          <a:latin typeface="Calibri" panose="020F0502020204030204" pitchFamily="34" charset="0"/>
-                        </a:rPr>
-                        <a:t>1,386</a:t>
-                      </a:r>
-                    </a:p>
-                  </a:txBody>
-                  <a:tcPr marL="7620" marR="7620" marT="7620" marB="0" anchor="ctr">
-                    <a:noFill/>
-                  </a:tcPr>
-                </a:tc>
-                <a:extLst>
-                  <a:ext uri="{0D108BD9-81ED-4DB2-BD59-A6C34878D82A}">
-                    <a16:rowId xmlns:a16="http://schemas.microsoft.com/office/drawing/2014/main" val="548321583"/>
-                  </a:ext>
-                </a:extLst>
-              </a:tr>
-              <a:tr h="182880">
-                <a:tc vMerge="1">
-                  <a:txBody>
-                    <a:bodyPr/>
-                    <a:lstStyle/>
-                    <a:p>
-                      <a:pPr algn="ctr" fontAlgn="b"/>
-                      <a:endParaRPr lang="en-AU" sz="1100" b="0" i="0" u="none" strike="noStrike" dirty="0">
-                        <a:solidFill>
-                          <a:schemeClr val="bg1"/>
-                        </a:solidFill>
-                        <a:effectLst/>
-                        <a:latin typeface="Calibri" panose="020F0502020204030204" pitchFamily="34" charset="0"/>
-                      </a:endParaRPr>
-                    </a:p>
-                  </a:txBody>
-                  <a:tcPr marL="7620" marR="7620" marT="7620" marB="0" anchor="ctr">
-                    <a:noFill/>
-                  </a:tcPr>
-                </a:tc>
-                <a:tc>
-                  <a:txBody>
-                    <a:bodyPr/>
-                    <a:lstStyle/>
-                    <a:p>
-                      <a:pPr algn="ctr" fontAlgn="b"/>
-                      <a:r>
-                        <a:rPr lang="en-AU" sz="1100" b="0" i="0" u="none" strike="noStrike" dirty="0">
-                          <a:solidFill>
-                            <a:schemeClr val="bg1"/>
-                          </a:solidFill>
-                          <a:effectLst/>
-                          <a:latin typeface="Calibri" panose="020F0502020204030204" pitchFamily="34" charset="0"/>
-                        </a:rPr>
-                        <a:t>1</a:t>
-                      </a:r>
-                    </a:p>
-                  </a:txBody>
-                  <a:tcPr marL="7620" marR="7620" marT="7620" marB="0" anchor="ctr">
-                    <a:noFill/>
-                  </a:tcPr>
-                </a:tc>
-                <a:tc>
-                  <a:txBody>
-                    <a:bodyPr/>
-                    <a:lstStyle/>
-                    <a:p>
-                      <a:pPr algn="ctr" fontAlgn="b"/>
-                      <a:r>
-                        <a:rPr lang="en-AU" sz="1100" b="0" i="0" u="none" strike="noStrike" dirty="0">
-                          <a:solidFill>
-                            <a:schemeClr val="bg1"/>
-                          </a:solidFill>
-                          <a:effectLst/>
-                          <a:latin typeface="Calibri" panose="020F0502020204030204" pitchFamily="34" charset="0"/>
-                        </a:rPr>
-                        <a:t>7,811</a:t>
-                      </a:r>
-                    </a:p>
-                  </a:txBody>
-                  <a:tcPr marL="7620" marR="7620" marT="7620" marB="0" anchor="ctr">
-                    <a:noFill/>
-                  </a:tcPr>
-                </a:tc>
-                <a:extLst>
-                  <a:ext uri="{0D108BD9-81ED-4DB2-BD59-A6C34878D82A}">
-                    <a16:rowId xmlns:a16="http://schemas.microsoft.com/office/drawing/2014/main" val="4070374013"/>
-                  </a:ext>
-                </a:extLst>
-              </a:tr>
-            </a:tbl>
-          </a:graphicData>
-        </a:graphic>
-      </p:graphicFrame>
-      <p:sp>
-        <p:nvSpPr>
-          <p:cNvPr id="3" name="TextBox 2">
-            <a:extLst>
-              <a:ext uri="{FF2B5EF4-FFF2-40B4-BE49-F238E27FC236}">
-                <a16:creationId xmlns:a16="http://schemas.microsoft.com/office/drawing/2014/main" id="{862A057C-AAB8-4258-B184-F993FDA6BCC1}"/>
-              </a:ext>
-            </a:extLst>
-          </p:cNvPr>
-          <p:cNvSpPr txBox="1"/>
-          <p:nvPr/>
-        </p:nvSpPr>
-        <p:spPr>
-          <a:xfrm>
-            <a:off x="8052045" y="6022758"/>
-            <a:ext cx="3774803" cy="646331"/>
-          </a:xfrm>
-          <a:prstGeom prst="rect">
-            <a:avLst/>
-          </a:prstGeom>
-          <a:noFill/>
-        </p:spPr>
-        <p:txBody>
-          <a:bodyPr wrap="square" rtlCol="0">
-            <a:spAutoFit/>
-          </a:bodyPr>
-          <a:lstStyle/>
-          <a:p>
-            <a:r>
-              <a:rPr lang="en-AU" sz="1200" dirty="0">
-                <a:solidFill>
-                  <a:schemeClr val="bg1"/>
-                </a:solidFill>
-              </a:rPr>
-              <a:t>Patients who are treated later than their expected priority have a significantly longer wait period beyond the ATS recommended timeframe.</a:t>
-            </a:r>
-          </a:p>
-        </p:txBody>
-      </p:sp>
+      </p:pic>
     </p:spTree>
     <p:extLst>
       <p:ext uri="{BB962C8B-B14F-4D97-AF65-F5344CB8AC3E}">
-        <p14:creationId xmlns:p14="http://schemas.microsoft.com/office/powerpoint/2010/main" val="3221009819"/>
+        <p14:creationId xmlns:p14="http://schemas.microsoft.com/office/powerpoint/2010/main" val="2466302078"/>
       </p:ext>
     </p:extLst>
   </p:cSld>
@@ -36899,6 +37285,14 @@
 </file>
 
 <file path=customXml/item1.xml><?xml version="1.0" encoding="utf-8"?>
+<p:properties xmlns:p="http://schemas.microsoft.com/office/2006/metadata/properties" xmlns:xsi="http://www.w3.org/2001/XMLSchema-instance" xmlns:pc="http://schemas.microsoft.com/office/infopath/2007/PartnerControls">
+  <documentManagement>
+    <MediaServiceKeyPoints xmlns="32be8c37-6170-4221-a416-4234ca1fbb8b" xsi:nil="true"/>
+  </documentManagement>
+</p:properties>
+</file>
+
+<file path=customXml/item2.xml><?xml version="1.0" encoding="utf-8"?>
 <ct:contentTypeSchema xmlns:ct="http://schemas.microsoft.com/office/2006/metadata/contentType" xmlns:ma="http://schemas.microsoft.com/office/2006/metadata/properties/metaAttributes" ct:_="" ma:_="" ma:contentTypeName="Document" ma:contentTypeID="0x0101007E95CA87BA5F8C4390CE7AED445FEF9E" ma:contentTypeVersion="12" ma:contentTypeDescription="Create a new document." ma:contentTypeScope="" ma:versionID="333f06e4aca8fe5bbdf382a296de391d">
   <xsd:schema xmlns:xsd="http://www.w3.org/2001/XMLSchema" xmlns:xs="http://www.w3.org/2001/XMLSchema" xmlns:p="http://schemas.microsoft.com/office/2006/metadata/properties" xmlns:ns3="32be8c37-6170-4221-a416-4234ca1fbb8b" xmlns:ns4="0f0005cc-4d76-4415-a506-4a03755ed952" targetNamespace="http://schemas.microsoft.com/office/2006/metadata/properties" ma:root="true" ma:fieldsID="c5b57053c865d79f8c207aa7076d15ce" ns3:_="" ns4:_="">
     <xsd:import namespace="32be8c37-6170-4221-a416-4234ca1fbb8b"/>
@@ -37115,14 +37509,6 @@
 </ct:contentTypeSchema>
 </file>
 
-<file path=customXml/item2.xml><?xml version="1.0" encoding="utf-8"?>
-<p:properties xmlns:p="http://schemas.microsoft.com/office/2006/metadata/properties" xmlns:xsi="http://www.w3.org/2001/XMLSchema-instance" xmlns:pc="http://schemas.microsoft.com/office/infopath/2007/PartnerControls">
-  <documentManagement>
-    <MediaServiceKeyPoints xmlns="32be8c37-6170-4221-a416-4234ca1fbb8b" xsi:nil="true"/>
-  </documentManagement>
-</p:properties>
-</file>
-
 <file path=customXml/item3.xml><?xml version="1.0" encoding="utf-8"?>
 <?mso-contentType ?>
 <FormTemplates xmlns="http://schemas.microsoft.com/sharepoint/v3/contenttype/forms">
@@ -37133,6 +37519,16 @@
 </file>
 
 <file path=customXml/itemProps1.xml><?xml version="1.0" encoding="utf-8"?>
+<ds:datastoreItem xmlns:ds="http://schemas.openxmlformats.org/officeDocument/2006/customXml" ds:itemID="{F2455B2D-BAB7-438A-85DA-0266A24CB79F}">
+  <ds:schemaRefs>
+    <ds:schemaRef ds:uri="http://schemas.microsoft.com/office/2006/metadata/properties"/>
+    <ds:schemaRef ds:uri="http://schemas.microsoft.com/office/infopath/2007/PartnerControls"/>
+    <ds:schemaRef ds:uri="32be8c37-6170-4221-a416-4234ca1fbb8b"/>
+  </ds:schemaRefs>
+</ds:datastoreItem>
+</file>
+
+<file path=customXml/itemProps2.xml><?xml version="1.0" encoding="utf-8"?>
 <ds:datastoreItem xmlns:ds="http://schemas.openxmlformats.org/officeDocument/2006/customXml" ds:itemID="{E037EF0D-C764-4BB7-965A-187694878862}">
   <ds:schemaRefs>
     <ds:schemaRef ds:uri="http://schemas.microsoft.com/office/2006/metadata/contentType"/>
@@ -37151,16 +37547,6 @@
 </ds:datastoreItem>
 </file>
 
-<file path=customXml/itemProps2.xml><?xml version="1.0" encoding="utf-8"?>
-<ds:datastoreItem xmlns:ds="http://schemas.openxmlformats.org/officeDocument/2006/customXml" ds:itemID="{F2455B2D-BAB7-438A-85DA-0266A24CB79F}">
-  <ds:schemaRefs>
-    <ds:schemaRef ds:uri="http://schemas.microsoft.com/office/2006/metadata/properties"/>
-    <ds:schemaRef ds:uri="http://schemas.microsoft.com/office/infopath/2007/PartnerControls"/>
-    <ds:schemaRef ds:uri="32be8c37-6170-4221-a416-4234ca1fbb8b"/>
-  </ds:schemaRefs>
-</ds:datastoreItem>
-</file>
-
 <file path=customXml/itemProps3.xml><?xml version="1.0" encoding="utf-8"?>
 <ds:datastoreItem xmlns:ds="http://schemas.openxmlformats.org/officeDocument/2006/customXml" ds:itemID="{D8C6403A-684A-431F-8F36-A24C99E28661}">
   <ds:schemaRefs>
